--- a/prezentáció/Vida Judit LPTA.pptx
+++ b/prezentáció/Vida Judit LPTA.pptx
@@ -5,23 +5,24 @@
     <p:sldMasterId id="2147483660" r:id="rId1"/>
   </p:sldMasterIdLst>
   <p:notesMasterIdLst>
-    <p:notesMasterId r:id="rId16"/>
+    <p:notesMasterId r:id="rId17"/>
   </p:notesMasterIdLst>
   <p:sldIdLst>
     <p:sldId id="256" r:id="rId2"/>
     <p:sldId id="257" r:id="rId3"/>
     <p:sldId id="258" r:id="rId4"/>
-    <p:sldId id="259" r:id="rId5"/>
-    <p:sldId id="260" r:id="rId6"/>
-    <p:sldId id="261" r:id="rId7"/>
-    <p:sldId id="263" r:id="rId8"/>
-    <p:sldId id="262" r:id="rId9"/>
-    <p:sldId id="264" r:id="rId10"/>
-    <p:sldId id="265" r:id="rId11"/>
-    <p:sldId id="266" r:id="rId12"/>
-    <p:sldId id="269" r:id="rId13"/>
-    <p:sldId id="270" r:id="rId14"/>
-    <p:sldId id="268" r:id="rId15"/>
+    <p:sldId id="271" r:id="rId5"/>
+    <p:sldId id="259" r:id="rId6"/>
+    <p:sldId id="260" r:id="rId7"/>
+    <p:sldId id="261" r:id="rId8"/>
+    <p:sldId id="263" r:id="rId9"/>
+    <p:sldId id="262" r:id="rId10"/>
+    <p:sldId id="264" r:id="rId11"/>
+    <p:sldId id="265" r:id="rId12"/>
+    <p:sldId id="266" r:id="rId13"/>
+    <p:sldId id="269" r:id="rId14"/>
+    <p:sldId id="270" r:id="rId15"/>
+    <p:sldId id="268" r:id="rId16"/>
   </p:sldIdLst>
   <p:sldSz cx="9144000" cy="6858000" type="screen4x3"/>
   <p:notesSz cx="6858000" cy="9144000"/>
@@ -127,12 +128,13 @@
 <c:chartSpace xmlns:c="http://schemas.openxmlformats.org/drawingml/2006/chart" xmlns:a="http://schemas.openxmlformats.org/drawingml/2006/main" xmlns:r="http://schemas.openxmlformats.org/officeDocument/2006/relationships">
   <c:date1904 val="1"/>
   <c:lang val="hu-HU"/>
+  <c:style val="18"/>
   <c:chart>
     <c:plotArea>
       <c:layout/>
       <c:barChart>
         <c:barDir val="col"/>
-        <c:grouping val="stacked"/>
+        <c:grouping val="clustered"/>
         <c:ser>
           <c:idx val="0"/>
           <c:order val="0"/>
@@ -149,9 +151,12 @@
           </c:tx>
           <c:spPr>
             <a:solidFill>
-              <a:srgbClr val="FF0000"/>
+              <a:schemeClr val="accent3">
+                <a:lumMod val="75000"/>
+              </a:schemeClr>
             </a:solidFill>
           </c:spPr>
+          <c:invertIfNegative val="1"/>
           <c:val>
             <c:numRef>
               <c:f>Munka1!$F$8:$O$8</c:f>
@@ -199,9 +204,7 @@
           </c:tx>
           <c:spPr>
             <a:solidFill>
-              <a:srgbClr val="84AA33">
-                <a:lumMod val="50000"/>
-              </a:srgbClr>
+              <a:srgbClr val="00B050"/>
             </a:solidFill>
           </c:spPr>
           <c:val>
@@ -244,25 +247,24 @@
             </c:numRef>
           </c:val>
         </c:ser>
-        <c:overlap val="100"/>
-        <c:axId val="61821696"/>
-        <c:axId val="61823232"/>
+        <c:axId val="61809408"/>
+        <c:axId val="61810944"/>
       </c:barChart>
       <c:catAx>
-        <c:axId val="61821696"/>
+        <c:axId val="61809408"/>
         <c:scaling>
           <c:orientation val="minMax"/>
         </c:scaling>
         <c:axPos val="b"/>
         <c:tickLblPos val="nextTo"/>
-        <c:crossAx val="61823232"/>
+        <c:crossAx val="61810944"/>
         <c:crosses val="autoZero"/>
         <c:auto val="1"/>
         <c:lblAlgn val="ctr"/>
         <c:lblOffset val="100"/>
       </c:catAx>
       <c:valAx>
-        <c:axId val="61823232"/>
+        <c:axId val="61810944"/>
         <c:scaling>
           <c:orientation val="minMax"/>
           <c:max val="30"/>
@@ -271,13 +273,10 @@
         <c:majorGridlines/>
         <c:numFmt formatCode="General" sourceLinked="1"/>
         <c:tickLblPos val="nextTo"/>
-        <c:crossAx val="61821696"/>
+        <c:crossAx val="61809408"/>
         <c:crosses val="autoZero"/>
         <c:crossBetween val="between"/>
       </c:valAx>
-      <c:spPr>
-        <a:noFill/>
-      </c:spPr>
     </c:plotArea>
     <c:legend>
       <c:legendPos val="r"/>
@@ -285,6 +284,16 @@
     </c:legend>
     <c:plotVisOnly val="1"/>
   </c:chart>
+  <c:txPr>
+    <a:bodyPr/>
+    <a:lstStyle/>
+    <a:p>
+      <a:pPr>
+        <a:defRPr sz="1800"/>
+      </a:pPr>
+      <a:endParaRPr lang="hu-HU"/>
+    </a:p>
+  </c:txPr>
   <c:externalData r:id="rId1"/>
 </c:chartSpace>
 </file>
@@ -372,7 +381,7 @@
             <a:fld id="{44000EB8-CD6D-4224-B83D-EB1B10E721DF}" type="datetimeFigureOut">
               <a:rPr lang="hu-HU" smtClean="0"/>
               <a:pPr/>
-              <a:t>2018.04.19.</a:t>
+              <a:t>2018.04.24.</a:t>
             </a:fld>
             <a:endParaRPr lang="hu-HU"/>
           </a:p>
@@ -855,7 +864,7 @@
             <a:fld id="{0B294D23-E99F-428B-88AC-DE62C3297A78}" type="datetime1">
               <a:rPr lang="hu-HU" smtClean="0"/>
               <a:pPr/>
-              <a:t>2018.04.19.</a:t>
+              <a:t>2018.04.24.</a:t>
             </a:fld>
             <a:endParaRPr lang="hu-HU"/>
           </a:p>
@@ -1170,7 +1179,7 @@
             <a:fld id="{1586D958-C373-47A3-858D-475AD76BA774}" type="datetime1">
               <a:rPr lang="hu-HU" smtClean="0"/>
               <a:pPr/>
-              <a:t>2018.04.19.</a:t>
+              <a:t>2018.04.24.</a:t>
             </a:fld>
             <a:endParaRPr lang="hu-HU"/>
           </a:p>
@@ -1357,7 +1366,7 @@
             <a:fld id="{DAC56151-6710-49CA-B8BC-73BF82EDB114}" type="datetime1">
               <a:rPr lang="hu-HU" smtClean="0"/>
               <a:pPr/>
-              <a:t>2018.04.19.</a:t>
+              <a:t>2018.04.24.</a:t>
             </a:fld>
             <a:endParaRPr lang="hu-HU"/>
           </a:p>
@@ -1534,7 +1543,7 @@
             <a:fld id="{9400B4B7-1E83-4F4D-B910-301FB25CE365}" type="datetime1">
               <a:rPr lang="hu-HU" smtClean="0"/>
               <a:pPr/>
-              <a:t>2018.04.19.</a:t>
+              <a:t>2018.04.24.</a:t>
             </a:fld>
             <a:endParaRPr lang="hu-HU"/>
           </a:p>
@@ -1804,7 +1813,7 @@
             <a:fld id="{83B63268-820F-47B4-AB2D-3E474A702746}" type="datetime1">
               <a:rPr lang="hu-HU" smtClean="0"/>
               <a:pPr/>
-              <a:t>2018.04.19.</a:t>
+              <a:t>2018.04.24.</a:t>
             </a:fld>
             <a:endParaRPr lang="hu-HU"/>
           </a:p>
@@ -2274,7 +2283,7 @@
             <a:fld id="{A69997BE-77E2-4380-A57E-AA8DA19A4578}" type="datetime1">
               <a:rPr lang="hu-HU" smtClean="0"/>
               <a:pPr/>
-              <a:t>2018.04.19.</a:t>
+              <a:t>2018.04.24.</a:t>
             </a:fld>
             <a:endParaRPr lang="hu-HU"/>
           </a:p>
@@ -2765,7 +2774,7 @@
             <a:fld id="{E831572D-D559-4E85-95CC-7CBD6667BD58}" type="datetime1">
               <a:rPr lang="hu-HU" smtClean="0"/>
               <a:pPr/>
-              <a:t>2018.04.19.</a:t>
+              <a:t>2018.04.24.</a:t>
             </a:fld>
             <a:endParaRPr lang="hu-HU"/>
           </a:p>
@@ -2893,7 +2902,7 @@
             <a:fld id="{F1CC7271-5A92-4CF4-9ABB-43555B3B4EA0}" type="datetime1">
               <a:rPr lang="hu-HU" smtClean="0"/>
               <a:pPr/>
-              <a:t>2018.04.19.</a:t>
+              <a:t>2018.04.24.</a:t>
             </a:fld>
             <a:endParaRPr lang="hu-HU"/>
           </a:p>
@@ -3039,7 +3048,7 @@
             <a:fld id="{E5E9407D-59A5-434E-B9B1-1C74BADF9D91}" type="datetime1">
               <a:rPr lang="hu-HU" smtClean="0"/>
               <a:pPr/>
-              <a:t>2018.04.19.</a:t>
+              <a:t>2018.04.24.</a:t>
             </a:fld>
             <a:endParaRPr lang="hu-HU"/>
           </a:p>
@@ -3363,7 +3372,7 @@
             <a:fld id="{9D7A7D4C-B32D-4410-853F-7C90AEF6BB3F}" type="datetime1">
               <a:rPr lang="hu-HU" smtClean="0"/>
               <a:pPr/>
-              <a:t>2018.04.19.</a:t>
+              <a:t>2018.04.24.</a:t>
             </a:fld>
             <a:endParaRPr lang="hu-HU"/>
           </a:p>
@@ -3499,7 +3508,7 @@
             <a:fld id="{E358F43E-5305-453C-9671-97E04A1CE6F5}" type="datetime1">
               <a:rPr lang="hu-HU" smtClean="0"/>
               <a:pPr/>
-              <a:t>2018.04.19.</a:t>
+              <a:t>2018.04.24.</a:t>
             </a:fld>
             <a:endParaRPr lang="hu-HU"/>
           </a:p>
@@ -4282,7 +4291,7 @@
             <a:fld id="{C292DA96-9066-4BDB-A3A8-84DAE8AD0A64}" type="datetime1">
               <a:rPr lang="hu-HU" smtClean="0"/>
               <a:pPr/>
-              <a:t>2018.04.19.</a:t>
+              <a:t>2018.04.24.</a:t>
             </a:fld>
             <a:endParaRPr lang="hu-HU"/>
           </a:p>
@@ -4936,1019 +4945,10 @@
           <a:bodyPr/>
           <a:lstStyle/>
           <a:p>
-            <a:r>
-              <a:rPr lang="hu-HU" dirty="0" smtClean="0"/>
-              <a:t>Tesztelés</a:t>
-            </a:r>
             <a:endParaRPr lang="hu-HU" dirty="0"/>
           </a:p>
         </p:txBody>
       </p:sp>
-      <p:graphicFrame>
-        <p:nvGraphicFramePr>
-          <p:cNvPr id="6" name="Tartalom helye 5"/>
-          <p:cNvGraphicFramePr>
-            <a:graphicFrameLocks noGrp="1"/>
-          </p:cNvGraphicFramePr>
-          <p:nvPr>
-            <p:ph idx="1"/>
-          </p:nvPr>
-        </p:nvGraphicFramePr>
-        <p:xfrm>
-          <a:off x="2195736" y="1556789"/>
-          <a:ext cx="5616624" cy="4559530"/>
-        </p:xfrm>
-        <a:graphic>
-          <a:graphicData uri="http://schemas.openxmlformats.org/drawingml/2006/table">
-            <a:tbl>
-              <a:tblPr firstRow="1" bandRow="1">
-                <a:tableStyleId>{0E3FDE45-AF77-4B5C-9715-49D594BDF05E}</a:tableStyleId>
-              </a:tblPr>
-              <a:tblGrid>
-                <a:gridCol w="936104"/>
-                <a:gridCol w="936104"/>
-                <a:gridCol w="936104"/>
-                <a:gridCol w="936104"/>
-                <a:gridCol w="936104"/>
-                <a:gridCol w="936104"/>
-              </a:tblGrid>
-              <a:tr h="391945">
-                <a:tc>
-                  <a:txBody>
-                    <a:bodyPr/>
-                    <a:lstStyle/>
-                    <a:p>
-                      <a:pPr algn="ctr"/>
-                      <a:r>
-                        <a:rPr lang="hu-HU" dirty="0" smtClean="0"/>
-                        <a:t>Munkaszám</a:t>
-                      </a:r>
-                      <a:endParaRPr lang="hu-HU" dirty="0"/>
-                    </a:p>
-                  </a:txBody>
-                  <a:tcPr anchor="ctr"/>
-                </a:tc>
-                <a:tc>
-                  <a:txBody>
-                    <a:bodyPr/>
-                    <a:lstStyle/>
-                    <a:p>
-                      <a:pPr algn="ctr"/>
-                      <a:r>
-                        <a:rPr lang="hu-HU" dirty="0" smtClean="0"/>
-                        <a:t>Modell 1</a:t>
-                      </a:r>
-                      <a:endParaRPr lang="hu-HU" dirty="0"/>
-                    </a:p>
-                  </a:txBody>
-                  <a:tcPr anchor="ctr"/>
-                </a:tc>
-                <a:tc>
-                  <a:txBody>
-                    <a:bodyPr/>
-                    <a:lstStyle/>
-                    <a:p>
-                      <a:pPr algn="ctr"/>
-                      <a:r>
-                        <a:rPr lang="hu-HU" dirty="0" smtClean="0"/>
-                        <a:t>Modell 2</a:t>
-                      </a:r>
-                      <a:endParaRPr lang="hu-HU" dirty="0"/>
-                    </a:p>
-                  </a:txBody>
-                  <a:tcPr anchor="ctr"/>
-                </a:tc>
-                <a:tc>
-                  <a:txBody>
-                    <a:bodyPr/>
-                    <a:lstStyle/>
-                    <a:p>
-                      <a:pPr algn="ctr"/>
-                      <a:r>
-                        <a:rPr lang="hu-HU" dirty="0" smtClean="0"/>
-                        <a:t>Modell 3</a:t>
-                      </a:r>
-                      <a:endParaRPr lang="hu-HU" dirty="0"/>
-                    </a:p>
-                  </a:txBody>
-                  <a:tcPr anchor="ctr"/>
-                </a:tc>
-                <a:tc>
-                  <a:txBody>
-                    <a:bodyPr/>
-                    <a:lstStyle/>
-                    <a:p>
-                      <a:pPr algn="ctr"/>
-                      <a:r>
-                        <a:rPr lang="hu-HU" dirty="0" smtClean="0"/>
-                        <a:t>Modell 4</a:t>
-                      </a:r>
-                      <a:endParaRPr lang="hu-HU" dirty="0"/>
-                    </a:p>
-                  </a:txBody>
-                  <a:tcPr anchor="ctr"/>
-                </a:tc>
-                <a:tc>
-                  <a:txBody>
-                    <a:bodyPr/>
-                    <a:lstStyle/>
-                    <a:p>
-                      <a:pPr algn="ctr"/>
-                      <a:r>
-                        <a:rPr lang="hu-HU" dirty="0" smtClean="0"/>
-                        <a:t>Modell 5</a:t>
-                      </a:r>
-                      <a:endParaRPr lang="hu-HU" dirty="0"/>
-                    </a:p>
-                  </a:txBody>
-                  <a:tcPr anchor="ctr"/>
-                </a:tc>
-              </a:tr>
-              <a:tr h="391945">
-                <a:tc>
-                  <a:txBody>
-                    <a:bodyPr/>
-                    <a:lstStyle/>
-                    <a:p>
-                      <a:pPr algn="ctr"/>
-                      <a:r>
-                        <a:rPr lang="hu-HU" dirty="0" smtClean="0"/>
-                        <a:t>1</a:t>
-                      </a:r>
-                    </a:p>
-                  </a:txBody>
-                  <a:tcPr anchor="ctr"/>
-                </a:tc>
-                <a:tc>
-                  <a:txBody>
-                    <a:bodyPr/>
-                    <a:lstStyle/>
-                    <a:p>
-                      <a:pPr algn="ctr"/>
-                      <a:r>
-                        <a:rPr lang="hu-HU" dirty="0" smtClean="0"/>
-                        <a:t>0,073 s</a:t>
-                      </a:r>
-                    </a:p>
-                  </a:txBody>
-                  <a:tcPr anchor="ctr"/>
-                </a:tc>
-                <a:tc>
-                  <a:txBody>
-                    <a:bodyPr/>
-                    <a:lstStyle/>
-                    <a:p>
-                      <a:pPr algn="ctr"/>
-                      <a:r>
-                        <a:rPr lang="hu-HU" dirty="0" smtClean="0"/>
-                        <a:t>0,076 s</a:t>
-                      </a:r>
-                      <a:endParaRPr lang="hu-HU" dirty="0"/>
-                    </a:p>
-                  </a:txBody>
-                  <a:tcPr anchor="ctr"/>
-                </a:tc>
-                <a:tc>
-                  <a:txBody>
-                    <a:bodyPr/>
-                    <a:lstStyle/>
-                    <a:p>
-                      <a:pPr algn="ctr"/>
-                      <a:r>
-                        <a:rPr lang="hu-HU" dirty="0" smtClean="0"/>
-                        <a:t>0,06 s</a:t>
-                      </a:r>
-                      <a:endParaRPr lang="hu-HU" dirty="0"/>
-                    </a:p>
-                  </a:txBody>
-                  <a:tcPr anchor="ctr"/>
-                </a:tc>
-                <a:tc>
-                  <a:txBody>
-                    <a:bodyPr/>
-                    <a:lstStyle/>
-                    <a:p>
-                      <a:pPr algn="ctr"/>
-                      <a:r>
-                        <a:rPr lang="hu-HU" dirty="0" smtClean="0"/>
-                        <a:t>0,056 s</a:t>
-                      </a:r>
-                      <a:endParaRPr lang="hu-HU" dirty="0"/>
-                    </a:p>
-                  </a:txBody>
-                  <a:tcPr anchor="ctr"/>
-                </a:tc>
-                <a:tc>
-                  <a:txBody>
-                    <a:bodyPr/>
-                    <a:lstStyle/>
-                    <a:p>
-                      <a:pPr algn="ctr"/>
-                      <a:r>
-                        <a:rPr lang="hu-HU" dirty="0" smtClean="0"/>
-                        <a:t>0,053 s</a:t>
-                      </a:r>
-                      <a:endParaRPr lang="hu-HU" dirty="0"/>
-                    </a:p>
-                  </a:txBody>
-                  <a:tcPr anchor="ctr"/>
-                </a:tc>
-              </a:tr>
-              <a:tr h="391945">
-                <a:tc>
-                  <a:txBody>
-                    <a:bodyPr/>
-                    <a:lstStyle/>
-                    <a:p>
-                      <a:pPr algn="ctr"/>
-                      <a:r>
-                        <a:rPr lang="hu-HU" dirty="0" smtClean="0"/>
-                        <a:t>2</a:t>
-                      </a:r>
-                      <a:endParaRPr lang="hu-HU" dirty="0"/>
-                    </a:p>
-                  </a:txBody>
-                  <a:tcPr anchor="ctr"/>
-                </a:tc>
-                <a:tc>
-                  <a:txBody>
-                    <a:bodyPr/>
-                    <a:lstStyle/>
-                    <a:p>
-                      <a:pPr algn="ctr"/>
-                      <a:r>
-                        <a:rPr lang="hu-HU" dirty="0" smtClean="0"/>
-                        <a:t>0,086</a:t>
-                      </a:r>
-                      <a:r>
-                        <a:rPr lang="hu-HU" baseline="0" dirty="0" smtClean="0"/>
-                        <a:t> s</a:t>
-                      </a:r>
-                      <a:endParaRPr lang="hu-HU" dirty="0"/>
-                    </a:p>
-                  </a:txBody>
-                  <a:tcPr anchor="ctr"/>
-                </a:tc>
-                <a:tc>
-                  <a:txBody>
-                    <a:bodyPr/>
-                    <a:lstStyle/>
-                    <a:p>
-                      <a:pPr algn="ctr"/>
-                      <a:r>
-                        <a:rPr lang="hu-HU" dirty="0" smtClean="0"/>
-                        <a:t>0,083 s</a:t>
-                      </a:r>
-                      <a:endParaRPr lang="hu-HU" dirty="0"/>
-                    </a:p>
-                  </a:txBody>
-                  <a:tcPr anchor="ctr"/>
-                </a:tc>
-                <a:tc>
-                  <a:txBody>
-                    <a:bodyPr/>
-                    <a:lstStyle/>
-                    <a:p>
-                      <a:pPr algn="ctr"/>
-                      <a:r>
-                        <a:rPr lang="hu-HU" dirty="0" smtClean="0"/>
-                        <a:t>0,056 s</a:t>
-                      </a:r>
-                      <a:endParaRPr lang="hu-HU" dirty="0"/>
-                    </a:p>
-                  </a:txBody>
-                  <a:tcPr anchor="ctr"/>
-                </a:tc>
-                <a:tc>
-                  <a:txBody>
-                    <a:bodyPr/>
-                    <a:lstStyle/>
-                    <a:p>
-                      <a:pPr algn="ctr"/>
-                      <a:r>
-                        <a:rPr lang="hu-HU" dirty="0" smtClean="0"/>
-                        <a:t>0,06 s</a:t>
-                      </a:r>
-                      <a:endParaRPr lang="hu-HU" dirty="0"/>
-                    </a:p>
-                  </a:txBody>
-                  <a:tcPr anchor="ctr"/>
-                </a:tc>
-                <a:tc>
-                  <a:txBody>
-                    <a:bodyPr/>
-                    <a:lstStyle/>
-                    <a:p>
-                      <a:pPr algn="ctr"/>
-                      <a:r>
-                        <a:rPr lang="hu-HU" dirty="0" smtClean="0"/>
-                        <a:t>0,06 s</a:t>
-                      </a:r>
-                      <a:endParaRPr lang="hu-HU" dirty="0"/>
-                    </a:p>
-                  </a:txBody>
-                  <a:tcPr anchor="ctr"/>
-                </a:tc>
-              </a:tr>
-              <a:tr h="391945">
-                <a:tc>
-                  <a:txBody>
-                    <a:bodyPr/>
-                    <a:lstStyle/>
-                    <a:p>
-                      <a:pPr algn="ctr"/>
-                      <a:r>
-                        <a:rPr lang="hu-HU" dirty="0" smtClean="0"/>
-                        <a:t>3</a:t>
-                      </a:r>
-                    </a:p>
-                  </a:txBody>
-                  <a:tcPr anchor="ctr"/>
-                </a:tc>
-                <a:tc>
-                  <a:txBody>
-                    <a:bodyPr/>
-                    <a:lstStyle/>
-                    <a:p>
-                      <a:pPr algn="ctr"/>
-                      <a:r>
-                        <a:rPr lang="hu-HU" dirty="0" smtClean="0"/>
-                        <a:t>0,116 s</a:t>
-                      </a:r>
-                      <a:endParaRPr lang="hu-HU" dirty="0"/>
-                    </a:p>
-                  </a:txBody>
-                  <a:tcPr anchor="ctr"/>
-                </a:tc>
-                <a:tc>
-                  <a:txBody>
-                    <a:bodyPr/>
-                    <a:lstStyle/>
-                    <a:p>
-                      <a:pPr algn="ctr"/>
-                      <a:r>
-                        <a:rPr lang="hu-HU" dirty="0" smtClean="0"/>
-                        <a:t>0,11 s</a:t>
-                      </a:r>
-                      <a:endParaRPr lang="hu-HU" dirty="0"/>
-                    </a:p>
-                  </a:txBody>
-                  <a:tcPr anchor="ctr"/>
-                </a:tc>
-                <a:tc>
-                  <a:txBody>
-                    <a:bodyPr/>
-                    <a:lstStyle/>
-                    <a:p>
-                      <a:pPr algn="ctr"/>
-                      <a:r>
-                        <a:rPr lang="hu-HU" dirty="0" smtClean="0"/>
-                        <a:t>0,073 s</a:t>
-                      </a:r>
-                      <a:endParaRPr lang="hu-HU" dirty="0"/>
-                    </a:p>
-                  </a:txBody>
-                  <a:tcPr anchor="ctr"/>
-                </a:tc>
-                <a:tc>
-                  <a:txBody>
-                    <a:bodyPr/>
-                    <a:lstStyle/>
-                    <a:p>
-                      <a:pPr algn="ctr"/>
-                      <a:r>
-                        <a:rPr lang="hu-HU" dirty="0" smtClean="0"/>
-                        <a:t>0,073 s</a:t>
-                      </a:r>
-                      <a:endParaRPr lang="hu-HU" dirty="0"/>
-                    </a:p>
-                  </a:txBody>
-                  <a:tcPr anchor="ctr"/>
-                </a:tc>
-                <a:tc>
-                  <a:txBody>
-                    <a:bodyPr/>
-                    <a:lstStyle/>
-                    <a:p>
-                      <a:pPr algn="ctr"/>
-                      <a:r>
-                        <a:rPr lang="hu-HU" dirty="0" smtClean="0"/>
-                        <a:t>0,07 s</a:t>
-                      </a:r>
-                      <a:endParaRPr lang="hu-HU" dirty="0"/>
-                    </a:p>
-                  </a:txBody>
-                  <a:tcPr anchor="ctr"/>
-                </a:tc>
-              </a:tr>
-              <a:tr h="391945">
-                <a:tc>
-                  <a:txBody>
-                    <a:bodyPr/>
-                    <a:lstStyle/>
-                    <a:p>
-                      <a:pPr algn="ctr"/>
-                      <a:r>
-                        <a:rPr lang="hu-HU" dirty="0" smtClean="0"/>
-                        <a:t>4</a:t>
-                      </a:r>
-                      <a:endParaRPr lang="hu-HU" dirty="0"/>
-                    </a:p>
-                  </a:txBody>
-                  <a:tcPr anchor="ctr"/>
-                </a:tc>
-                <a:tc>
-                  <a:txBody>
-                    <a:bodyPr/>
-                    <a:lstStyle/>
-                    <a:p>
-                      <a:pPr algn="ctr"/>
-                      <a:r>
-                        <a:rPr lang="hu-HU" dirty="0" smtClean="0"/>
-                        <a:t>0,23 s </a:t>
-                      </a:r>
-                      <a:endParaRPr lang="hu-HU" dirty="0"/>
-                    </a:p>
-                  </a:txBody>
-                  <a:tcPr anchor="ctr"/>
-                </a:tc>
-                <a:tc>
-                  <a:txBody>
-                    <a:bodyPr/>
-                    <a:lstStyle/>
-                    <a:p>
-                      <a:pPr algn="ctr"/>
-                      <a:r>
-                        <a:rPr lang="hu-HU" dirty="0" smtClean="0"/>
-                        <a:t>0,43 s</a:t>
-                      </a:r>
-                      <a:endParaRPr lang="hu-HU" dirty="0"/>
-                    </a:p>
-                  </a:txBody>
-                  <a:tcPr anchor="ctr"/>
-                </a:tc>
-                <a:tc>
-                  <a:txBody>
-                    <a:bodyPr/>
-                    <a:lstStyle/>
-                    <a:p>
-                      <a:pPr algn="ctr"/>
-                      <a:r>
-                        <a:rPr lang="hu-HU" dirty="0" smtClean="0"/>
-                        <a:t>0,18 s</a:t>
-                      </a:r>
-                      <a:endParaRPr lang="hu-HU" dirty="0"/>
-                    </a:p>
-                  </a:txBody>
-                  <a:tcPr anchor="ctr"/>
-                </a:tc>
-                <a:tc>
-                  <a:txBody>
-                    <a:bodyPr/>
-                    <a:lstStyle/>
-                    <a:p>
-                      <a:pPr algn="ctr"/>
-                      <a:r>
-                        <a:rPr lang="hu-HU" dirty="0" smtClean="0"/>
-                        <a:t>0,23 s</a:t>
-                      </a:r>
-                      <a:endParaRPr lang="hu-HU" dirty="0"/>
-                    </a:p>
-                  </a:txBody>
-                  <a:tcPr anchor="ctr"/>
-                </a:tc>
-                <a:tc>
-                  <a:txBody>
-                    <a:bodyPr/>
-                    <a:lstStyle/>
-                    <a:p>
-                      <a:pPr algn="ctr"/>
-                      <a:r>
-                        <a:rPr lang="hu-HU" dirty="0" smtClean="0"/>
-                        <a:t>0,083 s</a:t>
-                      </a:r>
-                      <a:endParaRPr lang="hu-HU" dirty="0"/>
-                    </a:p>
-                  </a:txBody>
-                  <a:tcPr anchor="ctr"/>
-                </a:tc>
-              </a:tr>
-              <a:tr h="391945">
-                <a:tc>
-                  <a:txBody>
-                    <a:bodyPr/>
-                    <a:lstStyle/>
-                    <a:p>
-                      <a:pPr algn="ctr"/>
-                      <a:r>
-                        <a:rPr lang="hu-HU" dirty="0" smtClean="0"/>
-                        <a:t>5</a:t>
-                      </a:r>
-                      <a:endParaRPr lang="hu-HU" dirty="0"/>
-                    </a:p>
-                  </a:txBody>
-                  <a:tcPr anchor="ctr"/>
-                </a:tc>
-                <a:tc>
-                  <a:txBody>
-                    <a:bodyPr/>
-                    <a:lstStyle/>
-                    <a:p>
-                      <a:pPr algn="ctr"/>
-                      <a:r>
-                        <a:rPr lang="hu-HU" dirty="0" smtClean="0"/>
-                        <a:t>0,69 s</a:t>
-                      </a:r>
-                      <a:endParaRPr lang="hu-HU" dirty="0"/>
-                    </a:p>
-                  </a:txBody>
-                  <a:tcPr anchor="ctr"/>
-                </a:tc>
-                <a:tc>
-                  <a:txBody>
-                    <a:bodyPr/>
-                    <a:lstStyle/>
-                    <a:p>
-                      <a:pPr algn="ctr"/>
-                      <a:r>
-                        <a:rPr lang="hu-HU" dirty="0" smtClean="0"/>
-                        <a:t>4,48 s</a:t>
-                      </a:r>
-                      <a:endParaRPr lang="hu-HU" dirty="0"/>
-                    </a:p>
-                  </a:txBody>
-                  <a:tcPr anchor="ctr"/>
-                </a:tc>
-                <a:tc>
-                  <a:txBody>
-                    <a:bodyPr/>
-                    <a:lstStyle/>
-                    <a:p>
-                      <a:pPr algn="ctr"/>
-                      <a:r>
-                        <a:rPr lang="hu-HU" dirty="0" smtClean="0"/>
-                        <a:t>1,94 s</a:t>
-                      </a:r>
-                      <a:endParaRPr lang="hu-HU" dirty="0"/>
-                    </a:p>
-                  </a:txBody>
-                  <a:tcPr anchor="ctr"/>
-                </a:tc>
-                <a:tc>
-                  <a:txBody>
-                    <a:bodyPr/>
-                    <a:lstStyle/>
-                    <a:p>
-                      <a:pPr algn="ctr"/>
-                      <a:r>
-                        <a:rPr lang="hu-HU" dirty="0" smtClean="0"/>
-                        <a:t>1,63 s</a:t>
-                      </a:r>
-                      <a:endParaRPr lang="hu-HU" dirty="0"/>
-                    </a:p>
-                  </a:txBody>
-                  <a:tcPr anchor="ctr"/>
-                </a:tc>
-                <a:tc>
-                  <a:txBody>
-                    <a:bodyPr/>
-                    <a:lstStyle/>
-                    <a:p>
-                      <a:pPr algn="ctr"/>
-                      <a:r>
-                        <a:rPr lang="hu-HU" dirty="0" smtClean="0"/>
-                        <a:t>0,12 s</a:t>
-                      </a:r>
-                      <a:endParaRPr lang="hu-HU" dirty="0"/>
-                    </a:p>
-                  </a:txBody>
-                  <a:tcPr anchor="ctr"/>
-                </a:tc>
-              </a:tr>
-              <a:tr h="391945">
-                <a:tc>
-                  <a:txBody>
-                    <a:bodyPr/>
-                    <a:lstStyle/>
-                    <a:p>
-                      <a:pPr algn="ctr"/>
-                      <a:r>
-                        <a:rPr lang="hu-HU" dirty="0" smtClean="0"/>
-                        <a:t>6</a:t>
-                      </a:r>
-                      <a:endParaRPr lang="hu-HU" dirty="0"/>
-                    </a:p>
-                  </a:txBody>
-                  <a:tcPr anchor="ctr"/>
-                </a:tc>
-                <a:tc>
-                  <a:txBody>
-                    <a:bodyPr/>
-                    <a:lstStyle/>
-                    <a:p>
-                      <a:pPr algn="ctr"/>
-                      <a:r>
-                        <a:rPr lang="hu-HU" dirty="0" smtClean="0"/>
-                        <a:t>13,3 s</a:t>
-                      </a:r>
-                      <a:endParaRPr lang="hu-HU" dirty="0"/>
-                    </a:p>
-                  </a:txBody>
-                  <a:tcPr anchor="ctr"/>
-                </a:tc>
-                <a:tc>
-                  <a:txBody>
-                    <a:bodyPr/>
-                    <a:lstStyle/>
-                    <a:p>
-                      <a:pPr algn="ctr"/>
-                      <a:r>
-                        <a:rPr lang="hu-HU" dirty="0" smtClean="0"/>
-                        <a:t>&gt; 60 s</a:t>
-                      </a:r>
-                      <a:endParaRPr lang="hu-HU" dirty="0"/>
-                    </a:p>
-                  </a:txBody>
-                  <a:tcPr anchor="ctr"/>
-                </a:tc>
-                <a:tc>
-                  <a:txBody>
-                    <a:bodyPr/>
-                    <a:lstStyle/>
-                    <a:p>
-                      <a:pPr algn="ctr"/>
-                      <a:r>
-                        <a:rPr lang="hu-HU" dirty="0" smtClean="0"/>
-                        <a:t>16,33 s</a:t>
-                      </a:r>
-                      <a:endParaRPr lang="hu-HU" dirty="0"/>
-                    </a:p>
-                  </a:txBody>
-                  <a:tcPr anchor="ctr"/>
-                </a:tc>
-                <a:tc>
-                  <a:txBody>
-                    <a:bodyPr/>
-                    <a:lstStyle/>
-                    <a:p>
-                      <a:pPr algn="ctr"/>
-                      <a:r>
-                        <a:rPr lang="hu-HU" dirty="0" smtClean="0"/>
-                        <a:t>13,8</a:t>
-                      </a:r>
-                      <a:r>
-                        <a:rPr lang="hu-HU" baseline="0" dirty="0" smtClean="0"/>
-                        <a:t> s</a:t>
-                      </a:r>
-                      <a:endParaRPr lang="hu-HU" dirty="0"/>
-                    </a:p>
-                  </a:txBody>
-                  <a:tcPr anchor="ctr"/>
-                </a:tc>
-                <a:tc>
-                  <a:txBody>
-                    <a:bodyPr/>
-                    <a:lstStyle/>
-                    <a:p>
-                      <a:pPr algn="ctr"/>
-                      <a:r>
-                        <a:rPr lang="hu-HU" dirty="0" smtClean="0"/>
-                        <a:t>0,15 s</a:t>
-                      </a:r>
-                      <a:endParaRPr lang="hu-HU" dirty="0"/>
-                    </a:p>
-                  </a:txBody>
-                  <a:tcPr anchor="ctr"/>
-                </a:tc>
-              </a:tr>
-              <a:tr h="391945">
-                <a:tc>
-                  <a:txBody>
-                    <a:bodyPr/>
-                    <a:lstStyle/>
-                    <a:p>
-                      <a:pPr algn="ctr"/>
-                      <a:r>
-                        <a:rPr lang="hu-HU" dirty="0" smtClean="0"/>
-                        <a:t>7</a:t>
-                      </a:r>
-                      <a:endParaRPr lang="hu-HU" dirty="0"/>
-                    </a:p>
-                  </a:txBody>
-                  <a:tcPr anchor="ctr"/>
-                </a:tc>
-                <a:tc>
-                  <a:txBody>
-                    <a:bodyPr/>
-                    <a:lstStyle/>
-                    <a:p>
-                      <a:pPr algn="ctr"/>
-                      <a:r>
-                        <a:rPr lang="hu-HU" dirty="0" smtClean="0"/>
-                        <a:t>&gt; 60 s</a:t>
-                      </a:r>
-                      <a:endParaRPr lang="hu-HU" dirty="0"/>
-                    </a:p>
-                  </a:txBody>
-                  <a:tcPr anchor="ctr"/>
-                </a:tc>
-                <a:tc>
-                  <a:txBody>
-                    <a:bodyPr/>
-                    <a:lstStyle/>
-                    <a:p>
-                      <a:pPr algn="ctr"/>
-                      <a:endParaRPr lang="hu-HU" dirty="0"/>
-                    </a:p>
-                  </a:txBody>
-                  <a:tcPr anchor="ctr"/>
-                </a:tc>
-                <a:tc>
-                  <a:txBody>
-                    <a:bodyPr/>
-                    <a:lstStyle/>
-                    <a:p>
-                      <a:pPr algn="ctr"/>
-                      <a:r>
-                        <a:rPr lang="hu-HU" dirty="0" smtClean="0"/>
-                        <a:t>&gt; 60 s</a:t>
-                      </a:r>
-                      <a:endParaRPr lang="hu-HU" dirty="0"/>
-                    </a:p>
-                  </a:txBody>
-                  <a:tcPr anchor="ctr"/>
-                </a:tc>
-                <a:tc>
-                  <a:txBody>
-                    <a:bodyPr/>
-                    <a:lstStyle/>
-                    <a:p>
-                      <a:pPr algn="ctr"/>
-                      <a:r>
-                        <a:rPr lang="hu-HU" dirty="0" smtClean="0"/>
-                        <a:t>&gt;</a:t>
-                      </a:r>
-                      <a:r>
-                        <a:rPr lang="hu-HU" baseline="0" dirty="0" smtClean="0"/>
-                        <a:t> 60 s</a:t>
-                      </a:r>
-                      <a:endParaRPr lang="hu-HU" dirty="0"/>
-                    </a:p>
-                  </a:txBody>
-                  <a:tcPr anchor="ctr"/>
-                </a:tc>
-                <a:tc>
-                  <a:txBody>
-                    <a:bodyPr/>
-                    <a:lstStyle/>
-                    <a:p>
-                      <a:pPr algn="ctr"/>
-                      <a:r>
-                        <a:rPr lang="hu-HU" dirty="0" smtClean="0"/>
-                        <a:t>0,92 s </a:t>
-                      </a:r>
-                      <a:endParaRPr lang="hu-HU" dirty="0"/>
-                    </a:p>
-                  </a:txBody>
-                  <a:tcPr anchor="ctr"/>
-                </a:tc>
-              </a:tr>
-              <a:tr h="391945">
-                <a:tc>
-                  <a:txBody>
-                    <a:bodyPr/>
-                    <a:lstStyle/>
-                    <a:p>
-                      <a:pPr algn="ctr"/>
-                      <a:r>
-                        <a:rPr lang="hu-HU" dirty="0" smtClean="0"/>
-                        <a:t>8</a:t>
-                      </a:r>
-                      <a:endParaRPr lang="hu-HU" dirty="0"/>
-                    </a:p>
-                  </a:txBody>
-                  <a:tcPr anchor="ctr"/>
-                </a:tc>
-                <a:tc>
-                  <a:txBody>
-                    <a:bodyPr/>
-                    <a:lstStyle/>
-                    <a:p>
-                      <a:pPr algn="ctr"/>
-                      <a:endParaRPr lang="hu-HU" dirty="0"/>
-                    </a:p>
-                  </a:txBody>
-                  <a:tcPr anchor="ctr"/>
-                </a:tc>
-                <a:tc>
-                  <a:txBody>
-                    <a:bodyPr/>
-                    <a:lstStyle/>
-                    <a:p>
-                      <a:pPr algn="ctr"/>
-                      <a:endParaRPr lang="hu-HU" dirty="0"/>
-                    </a:p>
-                  </a:txBody>
-                  <a:tcPr anchor="ctr"/>
-                </a:tc>
-                <a:tc>
-                  <a:txBody>
-                    <a:bodyPr/>
-                    <a:lstStyle/>
-                    <a:p>
-                      <a:pPr algn="ctr"/>
-                      <a:endParaRPr lang="hu-HU" dirty="0"/>
-                    </a:p>
-                  </a:txBody>
-                  <a:tcPr anchor="ctr"/>
-                </a:tc>
-                <a:tc>
-                  <a:txBody>
-                    <a:bodyPr/>
-                    <a:lstStyle/>
-                    <a:p>
-                      <a:pPr algn="ctr"/>
-                      <a:endParaRPr lang="hu-HU" dirty="0"/>
-                    </a:p>
-                  </a:txBody>
-                  <a:tcPr anchor="ctr"/>
-                </a:tc>
-                <a:tc>
-                  <a:txBody>
-                    <a:bodyPr/>
-                    <a:lstStyle/>
-                    <a:p>
-                      <a:pPr algn="ctr"/>
-                      <a:r>
-                        <a:rPr lang="hu-HU" dirty="0" smtClean="0"/>
-                        <a:t>3,41 s</a:t>
-                      </a:r>
-                      <a:endParaRPr lang="hu-HU" dirty="0"/>
-                    </a:p>
-                  </a:txBody>
-                  <a:tcPr anchor="ctr"/>
-                </a:tc>
-              </a:tr>
-              <a:tr h="391945">
-                <a:tc>
-                  <a:txBody>
-                    <a:bodyPr/>
-                    <a:lstStyle/>
-                    <a:p>
-                      <a:pPr algn="ctr"/>
-                      <a:r>
-                        <a:rPr lang="hu-HU" dirty="0" smtClean="0"/>
-                        <a:t>9</a:t>
-                      </a:r>
-                      <a:endParaRPr lang="hu-HU" dirty="0"/>
-                    </a:p>
-                  </a:txBody>
-                  <a:tcPr anchor="ctr"/>
-                </a:tc>
-                <a:tc>
-                  <a:txBody>
-                    <a:bodyPr/>
-                    <a:lstStyle/>
-                    <a:p>
-                      <a:pPr algn="ctr"/>
-                      <a:endParaRPr lang="hu-HU" dirty="0"/>
-                    </a:p>
-                  </a:txBody>
-                  <a:tcPr anchor="ctr"/>
-                </a:tc>
-                <a:tc>
-                  <a:txBody>
-                    <a:bodyPr/>
-                    <a:lstStyle/>
-                    <a:p>
-                      <a:pPr algn="ctr"/>
-                      <a:endParaRPr lang="hu-HU" dirty="0"/>
-                    </a:p>
-                  </a:txBody>
-                  <a:tcPr anchor="ctr"/>
-                </a:tc>
-                <a:tc>
-                  <a:txBody>
-                    <a:bodyPr/>
-                    <a:lstStyle/>
-                    <a:p>
-                      <a:pPr algn="ctr"/>
-                      <a:endParaRPr lang="hu-HU" dirty="0"/>
-                    </a:p>
-                  </a:txBody>
-                  <a:tcPr anchor="ctr"/>
-                </a:tc>
-                <a:tc>
-                  <a:txBody>
-                    <a:bodyPr/>
-                    <a:lstStyle/>
-                    <a:p>
-                      <a:pPr algn="ctr"/>
-                      <a:endParaRPr lang="hu-HU" dirty="0"/>
-                    </a:p>
-                  </a:txBody>
-                  <a:tcPr anchor="ctr"/>
-                </a:tc>
-                <a:tc>
-                  <a:txBody>
-                    <a:bodyPr/>
-                    <a:lstStyle/>
-                    <a:p>
-                      <a:pPr algn="ctr"/>
-                      <a:r>
-                        <a:rPr lang="hu-HU" dirty="0" smtClean="0"/>
-                        <a:t>6,33 s</a:t>
-                      </a:r>
-                      <a:endParaRPr lang="hu-HU" dirty="0"/>
-                    </a:p>
-                  </a:txBody>
-                  <a:tcPr anchor="ctr"/>
-                </a:tc>
-              </a:tr>
-              <a:tr h="391945">
-                <a:tc>
-                  <a:txBody>
-                    <a:bodyPr/>
-                    <a:lstStyle/>
-                    <a:p>
-                      <a:pPr algn="ctr"/>
-                      <a:r>
-                        <a:rPr lang="hu-HU" dirty="0" smtClean="0"/>
-                        <a:t>10</a:t>
-                      </a:r>
-                      <a:endParaRPr lang="hu-HU" dirty="0"/>
-                    </a:p>
-                  </a:txBody>
-                  <a:tcPr anchor="ctr"/>
-                </a:tc>
-                <a:tc>
-                  <a:txBody>
-                    <a:bodyPr/>
-                    <a:lstStyle/>
-                    <a:p>
-                      <a:pPr algn="ctr"/>
-                      <a:endParaRPr lang="hu-HU" dirty="0"/>
-                    </a:p>
-                  </a:txBody>
-                  <a:tcPr anchor="ctr"/>
-                </a:tc>
-                <a:tc>
-                  <a:txBody>
-                    <a:bodyPr/>
-                    <a:lstStyle/>
-                    <a:p>
-                      <a:pPr algn="ctr"/>
-                      <a:endParaRPr lang="hu-HU" dirty="0"/>
-                    </a:p>
-                  </a:txBody>
-                  <a:tcPr anchor="ctr"/>
-                </a:tc>
-                <a:tc>
-                  <a:txBody>
-                    <a:bodyPr/>
-                    <a:lstStyle/>
-                    <a:p>
-                      <a:pPr algn="ctr"/>
-                      <a:endParaRPr lang="hu-HU" dirty="0"/>
-                    </a:p>
-                  </a:txBody>
-                  <a:tcPr anchor="ctr"/>
-                </a:tc>
-                <a:tc>
-                  <a:txBody>
-                    <a:bodyPr/>
-                    <a:lstStyle/>
-                    <a:p>
-                      <a:pPr algn="ctr"/>
-                      <a:endParaRPr lang="hu-HU" dirty="0"/>
-                    </a:p>
-                  </a:txBody>
-                  <a:tcPr anchor="ctr"/>
-                </a:tc>
-                <a:tc>
-                  <a:txBody>
-                    <a:bodyPr/>
-                    <a:lstStyle/>
-                    <a:p>
-                      <a:pPr algn="ctr"/>
-                      <a:r>
-                        <a:rPr lang="hu-HU" dirty="0" smtClean="0"/>
-                        <a:t>&gt;</a:t>
-                      </a:r>
-                      <a:r>
-                        <a:rPr lang="hu-HU" baseline="0" dirty="0" smtClean="0"/>
-                        <a:t> 60 s</a:t>
-                      </a:r>
-                      <a:endParaRPr lang="hu-HU" dirty="0"/>
-                    </a:p>
-                  </a:txBody>
-                  <a:tcPr anchor="ctr"/>
-                </a:tc>
-              </a:tr>
-            </a:tbl>
-          </a:graphicData>
-        </a:graphic>
-      </p:graphicFrame>
       <p:sp>
         <p:nvSpPr>
           <p:cNvPr id="4" name="Dia számának helye 3"/>
@@ -5975,14 +4975,14 @@
       </p:sp>
       <p:sp>
         <p:nvSpPr>
-          <p:cNvPr id="5" name="Szövegdoboz 4"/>
+          <p:cNvPr id="20" name="Szövegdoboz 19"/>
           <p:cNvSpPr txBox="1"/>
           <p:nvPr/>
         </p:nvSpPr>
         <p:spPr>
           <a:xfrm>
-            <a:off x="2195736" y="6237312"/>
-            <a:ext cx="5688632" cy="369332"/>
+            <a:off x="1043608" y="620688"/>
+            <a:ext cx="7632848" cy="1200329"/>
           </a:xfrm>
           <a:prstGeom prst="rect">
             <a:avLst/>
@@ -5995,15 +4995,143 @@
           </a:bodyPr>
           <a:lstStyle/>
           <a:p>
-            <a:pPr algn="ctr"/>
-            <a:r>
-              <a:rPr lang="hu-HU" dirty="0" smtClean="0"/>
-              <a:t>Költség = 0</a:t>
-            </a:r>
-            <a:endParaRPr lang="hu-HU" dirty="0"/>
-          </a:p>
-        </p:txBody>
-      </p:sp>
+            <a:r>
+              <a:rPr lang="hu-HU" sz="3600" dirty="0" smtClean="0"/>
+              <a:t>	Gép					Feladat					</a:t>
+            </a:r>
+            <a:endParaRPr lang="hu-HU" sz="3600" dirty="0"/>
+          </a:p>
+        </p:txBody>
+      </p:sp>
+      <p:cxnSp>
+        <p:nvCxnSpPr>
+          <p:cNvPr id="10" name="Szögletes összekötő 9"/>
+          <p:cNvCxnSpPr/>
+          <p:nvPr/>
+        </p:nvCxnSpPr>
+        <p:spPr>
+          <a:xfrm flipV="1">
+            <a:off x="2123728" y="2204864"/>
+            <a:ext cx="4968552" cy="792088"/>
+          </a:xfrm>
+          <a:prstGeom prst="bentConnector3">
+            <a:avLst>
+              <a:gd name="adj1" fmla="val -686"/>
+            </a:avLst>
+          </a:prstGeom>
+          <a:ln>
+            <a:solidFill>
+              <a:srgbClr val="FF0000"/>
+            </a:solidFill>
+          </a:ln>
+        </p:spPr>
+        <p:style>
+          <a:lnRef idx="1">
+            <a:schemeClr val="accent1"/>
+          </a:lnRef>
+          <a:fillRef idx="0">
+            <a:schemeClr val="accent1"/>
+          </a:fillRef>
+          <a:effectRef idx="0">
+            <a:schemeClr val="accent1"/>
+          </a:effectRef>
+          <a:fontRef idx="minor">
+            <a:schemeClr val="tx1"/>
+          </a:fontRef>
+        </p:style>
+      </p:cxnSp>
+      <p:cxnSp>
+        <p:nvCxnSpPr>
+          <p:cNvPr id="21" name="Egyenes összekötő 20"/>
+          <p:cNvCxnSpPr/>
+          <p:nvPr/>
+        </p:nvCxnSpPr>
+        <p:spPr>
+          <a:xfrm>
+            <a:off x="3491880" y="4293096"/>
+            <a:ext cx="3600400" cy="0"/>
+          </a:xfrm>
+          <a:prstGeom prst="line">
+            <a:avLst/>
+          </a:prstGeom>
+        </p:spPr>
+        <p:style>
+          <a:lnRef idx="1">
+            <a:schemeClr val="accent1"/>
+          </a:lnRef>
+          <a:fillRef idx="0">
+            <a:schemeClr val="accent1"/>
+          </a:fillRef>
+          <a:effectRef idx="0">
+            <a:schemeClr val="accent1"/>
+          </a:effectRef>
+          <a:fontRef idx="minor">
+            <a:schemeClr val="tx1"/>
+          </a:fontRef>
+        </p:style>
+      </p:cxnSp>
+      <p:cxnSp>
+        <p:nvCxnSpPr>
+          <p:cNvPr id="24" name="Szögletes összekötő 23"/>
+          <p:cNvCxnSpPr/>
+          <p:nvPr/>
+        </p:nvCxnSpPr>
+        <p:spPr>
+          <a:xfrm flipV="1">
+            <a:off x="3563888" y="3573016"/>
+            <a:ext cx="3528392" cy="144016"/>
+          </a:xfrm>
+          <a:prstGeom prst="bentConnector3">
+            <a:avLst>
+              <a:gd name="adj1" fmla="val 50000"/>
+            </a:avLst>
+          </a:prstGeom>
+          <a:ln>
+            <a:solidFill>
+              <a:schemeClr val="accent4">
+                <a:lumMod val="75000"/>
+              </a:schemeClr>
+            </a:solidFill>
+          </a:ln>
+        </p:spPr>
+        <p:style>
+          <a:lnRef idx="1">
+            <a:schemeClr val="accent1"/>
+          </a:lnRef>
+          <a:fillRef idx="0">
+            <a:schemeClr val="accent1"/>
+          </a:fillRef>
+          <a:effectRef idx="0">
+            <a:schemeClr val="accent1"/>
+          </a:effectRef>
+          <a:fontRef idx="minor">
+            <a:schemeClr val="tx1"/>
+          </a:fontRef>
+        </p:style>
+      </p:cxnSp>
+      <p:pic>
+        <p:nvPicPr>
+          <p:cNvPr id="14" name="Tartalom helye 13" descr="ábra2.png"/>
+          <p:cNvPicPr>
+            <a:picLocks noGrp="1" noChangeAspect="1"/>
+          </p:cNvPicPr>
+          <p:nvPr>
+            <p:ph idx="1"/>
+          </p:nvPr>
+        </p:nvPicPr>
+        <p:blipFill>
+          <a:blip r:embed="rId2" cstate="print"/>
+          <a:stretch>
+            <a:fillRect/>
+          </a:stretch>
+        </p:blipFill>
+        <p:spPr>
+          <a:xfrm>
+            <a:off x="467544" y="1628800"/>
+            <a:ext cx="8466906" cy="4791616"/>
+          </a:xfrm>
+        </p:spPr>
+      </p:pic>
     </p:spTree>
   </p:cSld>
   <p:clrMapOvr>
@@ -6053,7 +5181,7 @@
           <a:p>
             <a:r>
               <a:rPr lang="hu-HU" dirty="0" smtClean="0"/>
-              <a:t>Tesztelés kapcsolókkal</a:t>
+              <a:t>Tesztelés</a:t>
             </a:r>
             <a:endParaRPr lang="hu-HU" dirty="0"/>
           </a:p>
@@ -6061,7 +5189,7 @@
       </p:sp>
       <p:graphicFrame>
         <p:nvGraphicFramePr>
-          <p:cNvPr id="5" name="Tartalom helye 4"/>
+          <p:cNvPr id="6" name="Tartalom helye 5"/>
           <p:cNvGraphicFramePr>
             <a:graphicFrameLocks noGrp="1"/>
           </p:cNvGraphicFramePr>
@@ -6070,8 +5198,8 @@
           </p:nvPr>
         </p:nvGraphicFramePr>
         <p:xfrm>
-          <a:off x="1507108" y="1468619"/>
-          <a:ext cx="6665292" cy="4768693"/>
+          <a:off x="2195736" y="1556789"/>
+          <a:ext cx="5616624" cy="4559530"/>
         </p:xfrm>
         <a:graphic>
           <a:graphicData uri="http://schemas.openxmlformats.org/drawingml/2006/table">
@@ -6080,11 +5208,14 @@
                 <a:tableStyleId>{0E3FDE45-AF77-4B5C-9715-49D594BDF05E}</a:tableStyleId>
               </a:tblPr>
               <a:tblGrid>
-                <a:gridCol w="1696740"/>
-                <a:gridCol w="2448272"/>
-                <a:gridCol w="2520280"/>
+                <a:gridCol w="936104"/>
+                <a:gridCol w="936104"/>
+                <a:gridCol w="936104"/>
+                <a:gridCol w="936104"/>
+                <a:gridCol w="936104"/>
+                <a:gridCol w="936104"/>
               </a:tblGrid>
-              <a:tr h="745333">
+              <a:tr h="391945">
                 <a:tc>
                   <a:txBody>
                     <a:bodyPr/>
@@ -6108,19 +5239,57 @@
                       <a:pPr algn="ctr"/>
                       <a:r>
                         <a:rPr lang="hu-HU" dirty="0" smtClean="0"/>
+                        <a:t>Modell 1</a:t>
+                      </a:r>
+                      <a:endParaRPr lang="hu-HU" dirty="0"/>
+                    </a:p>
+                  </a:txBody>
+                  <a:tcPr anchor="ctr"/>
+                </a:tc>
+                <a:tc>
+                  <a:txBody>
+                    <a:bodyPr/>
+                    <a:lstStyle/>
+                    <a:p>
+                      <a:pPr algn="ctr"/>
+                      <a:r>
+                        <a:rPr lang="hu-HU" dirty="0" smtClean="0"/>
+                        <a:t>Modell 2</a:t>
+                      </a:r>
+                      <a:endParaRPr lang="hu-HU" dirty="0"/>
+                    </a:p>
+                  </a:txBody>
+                  <a:tcPr anchor="ctr"/>
+                </a:tc>
+                <a:tc>
+                  <a:txBody>
+                    <a:bodyPr/>
+                    <a:lstStyle/>
+                    <a:p>
+                      <a:pPr algn="ctr"/>
+                      <a:r>
+                        <a:rPr lang="hu-HU" dirty="0" smtClean="0"/>
                         <a:t>Modell 3</a:t>
                       </a:r>
-                    </a:p>
+                      <a:endParaRPr lang="hu-HU" dirty="0"/>
+                    </a:p>
+                  </a:txBody>
+                  <a:tcPr anchor="ctr"/>
+                </a:tc>
+                <a:tc>
+                  <a:txBody>
+                    <a:bodyPr/>
+                    <a:lstStyle/>
                     <a:p>
                       <a:pPr algn="ctr"/>
                       <a:r>
                         <a:rPr lang="hu-HU" dirty="0" smtClean="0"/>
-                        <a:t>-C –E –n0 –o3 –S2</a:t>
+                        <a:t>Modell 4</a:t>
                       </a:r>
                       <a:endParaRPr lang="hu-HU" dirty="0"/>
                     </a:p>
                   </a:txBody>
-                  <a:tcPr/>
+                  <a:tcPr anchor="ctr"/>
                 </a:tc>
                 <a:tc>
                   <a:txBody>
@@ -6132,20 +5301,13 @@
                         <a:rPr lang="hu-HU" dirty="0" smtClean="0"/>
                         <a:t>Modell 5</a:t>
                       </a:r>
-                    </a:p>
-                    <a:p>
-                      <a:pPr algn="ctr"/>
-                      <a:r>
-                        <a:rPr lang="hu-HU" dirty="0" smtClean="0"/>
-                        <a:t>-C –E –n0 –o2 –S0</a:t>
-                      </a:r>
-                      <a:endParaRPr lang="hu-HU" dirty="0"/>
-                    </a:p>
-                  </a:txBody>
-                  <a:tcPr/>
+                      <a:endParaRPr lang="hu-HU" dirty="0"/>
+                    </a:p>
+                  </a:txBody>
+                  <a:tcPr anchor="ctr"/>
                 </a:tc>
               </a:tr>
-              <a:tr h="298133">
+              <a:tr h="391945">
                 <a:tc>
                   <a:txBody>
                     <a:bodyPr/>
@@ -6158,22 +5320,7 @@
                       </a:r>
                     </a:p>
                   </a:txBody>
-                  <a:tcPr/>
-                </a:tc>
-                <a:tc>
-                  <a:txBody>
-                    <a:bodyPr/>
-                    <a:lstStyle/>
-                    <a:p>
-                      <a:pPr algn="ctr"/>
-                      <a:r>
-                        <a:rPr lang="hu-HU" dirty="0" smtClean="0"/>
-                        <a:t>0,073 s</a:t>
-                      </a:r>
-                      <a:endParaRPr lang="hu-HU" dirty="0"/>
-                    </a:p>
-                  </a:txBody>
-                  <a:tcPr/>
+                  <a:tcPr anchor="ctr"/>
                 </a:tc>
                 <a:tc>
                   <a:txBody>
@@ -6185,13 +5332,80 @@
                         <a:rPr lang="hu-HU" dirty="0" smtClean="0"/>
                         <a:t>0,07 s</a:t>
                       </a:r>
-                      <a:endParaRPr lang="hu-HU" dirty="0"/>
-                    </a:p>
-                  </a:txBody>
-                  <a:tcPr/>
+                    </a:p>
+                  </a:txBody>
+                  <a:tcPr anchor="ctr"/>
+                </a:tc>
+                <a:tc>
+                  <a:txBody>
+                    <a:bodyPr/>
+                    <a:lstStyle/>
+                    <a:p>
+                      <a:pPr algn="ctr"/>
+                      <a:r>
+                        <a:rPr lang="hu-HU" dirty="0" smtClean="0"/>
+                        <a:t>0,07 s</a:t>
+                      </a:r>
+                      <a:endParaRPr lang="hu-HU" dirty="0"/>
+                    </a:p>
+                  </a:txBody>
+                  <a:tcPr anchor="ctr"/>
+                </a:tc>
+                <a:tc>
+                  <a:txBody>
+                    <a:bodyPr/>
+                    <a:lstStyle/>
+                    <a:p>
+                      <a:pPr algn="ctr"/>
+                      <a:r>
+                        <a:rPr lang="hu-HU" dirty="0" smtClean="0"/>
+                        <a:t>0,06 s</a:t>
+                      </a:r>
+                      <a:endParaRPr lang="hu-HU" dirty="0"/>
+                    </a:p>
+                  </a:txBody>
+                  <a:tcPr anchor="ctr"/>
+                </a:tc>
+                <a:tc>
+                  <a:txBody>
+                    <a:bodyPr/>
+                    <a:lstStyle/>
+                    <a:p>
+                      <a:pPr algn="ctr"/>
+                      <a:r>
+                        <a:rPr lang="hu-HU" dirty="0" smtClean="0"/>
+                        <a:t>0,05</a:t>
+                      </a:r>
+                      <a:r>
+                        <a:rPr lang="hu-HU" baseline="0" dirty="0" smtClean="0"/>
+                        <a:t> </a:t>
+                      </a:r>
+                      <a:r>
+                        <a:rPr lang="hu-HU" dirty="0" smtClean="0"/>
+                        <a:t>s</a:t>
+                      </a:r>
+                      <a:endParaRPr lang="hu-HU" dirty="0"/>
+                    </a:p>
+                  </a:txBody>
+                  <a:tcPr anchor="ctr"/>
+                </a:tc>
+                <a:tc>
+                  <a:txBody>
+                    <a:bodyPr/>
+                    <a:lstStyle/>
+                    <a:p>
+                      <a:pPr algn="ctr"/>
+                      <a:r>
+                        <a:rPr lang="hu-HU" dirty="0" smtClean="0"/>
+                        <a:t>0,05 s</a:t>
+                      </a:r>
+                      <a:endParaRPr lang="hu-HU" dirty="0"/>
+                    </a:p>
+                  </a:txBody>
+                  <a:tcPr anchor="ctr"/>
                 </a:tc>
               </a:tr>
-              <a:tr h="298133">
+              <a:tr h="391945">
                 <a:tc>
                   <a:txBody>
                     <a:bodyPr/>
@@ -6205,7 +5419,7 @@
                       <a:endParaRPr lang="hu-HU" dirty="0"/>
                     </a:p>
                   </a:txBody>
-                  <a:tcPr/>
+                  <a:tcPr anchor="ctr"/>
                 </a:tc>
                 <a:tc>
                   <a:txBody>
@@ -6215,289 +5429,7 @@
                       <a:pPr algn="ctr"/>
                       <a:r>
                         <a:rPr lang="hu-HU" dirty="0" smtClean="0"/>
-                        <a:t>0,08 s</a:t>
-                      </a:r>
-                      <a:endParaRPr lang="hu-HU" dirty="0"/>
-                    </a:p>
-                  </a:txBody>
-                  <a:tcPr/>
-                </a:tc>
-                <a:tc>
-                  <a:txBody>
-                    <a:bodyPr/>
-                    <a:lstStyle/>
-                    <a:p>
-                      <a:pPr algn="ctr"/>
-                      <a:r>
-                        <a:rPr lang="hu-HU" dirty="0" smtClean="0"/>
-                        <a:t>0,076 s</a:t>
-                      </a:r>
-                      <a:endParaRPr lang="hu-HU" dirty="0"/>
-                    </a:p>
-                  </a:txBody>
-                  <a:tcPr/>
-                </a:tc>
-              </a:tr>
-              <a:tr h="298133">
-                <a:tc>
-                  <a:txBody>
-                    <a:bodyPr/>
-                    <a:lstStyle/>
-                    <a:p>
-                      <a:pPr algn="ctr"/>
-                      <a:r>
-                        <a:rPr lang="hu-HU" dirty="0" smtClean="0"/>
-                        <a:t>3</a:t>
-                      </a:r>
-                      <a:endParaRPr lang="hu-HU" dirty="0"/>
-                    </a:p>
-                  </a:txBody>
-                  <a:tcPr/>
-                </a:tc>
-                <a:tc>
-                  <a:txBody>
-                    <a:bodyPr/>
-                    <a:lstStyle/>
-                    <a:p>
-                      <a:pPr algn="ctr"/>
-                      <a:r>
-                        <a:rPr lang="hu-HU" dirty="0" smtClean="0"/>
-                        <a:t>0,1 s </a:t>
-                      </a:r>
-                      <a:endParaRPr lang="hu-HU" dirty="0"/>
-                    </a:p>
-                  </a:txBody>
-                  <a:tcPr/>
-                </a:tc>
-                <a:tc>
-                  <a:txBody>
-                    <a:bodyPr/>
-                    <a:lstStyle/>
-                    <a:p>
-                      <a:pPr algn="ctr"/>
-                      <a:r>
-                        <a:rPr lang="hu-HU" dirty="0" smtClean="0"/>
-                        <a:t>0,076 s</a:t>
-                      </a:r>
-                      <a:endParaRPr lang="hu-HU" dirty="0"/>
-                    </a:p>
-                  </a:txBody>
-                  <a:tcPr/>
-                </a:tc>
-              </a:tr>
-              <a:tr h="298133">
-                <a:tc>
-                  <a:txBody>
-                    <a:bodyPr/>
-                    <a:lstStyle/>
-                    <a:p>
-                      <a:pPr algn="ctr"/>
-                      <a:r>
-                        <a:rPr lang="hu-HU" dirty="0" smtClean="0"/>
-                        <a:t>4</a:t>
-                      </a:r>
-                      <a:endParaRPr lang="hu-HU" dirty="0"/>
-                    </a:p>
-                  </a:txBody>
-                  <a:tcPr/>
-                </a:tc>
-                <a:tc>
-                  <a:txBody>
-                    <a:bodyPr/>
-                    <a:lstStyle/>
-                    <a:p>
-                      <a:pPr algn="ctr"/>
-                      <a:r>
-                        <a:rPr lang="hu-HU" dirty="0" smtClean="0"/>
-                        <a:t>0,21s  </a:t>
-                      </a:r>
-                      <a:endParaRPr lang="hu-HU" dirty="0"/>
-                    </a:p>
-                  </a:txBody>
-                  <a:tcPr/>
-                </a:tc>
-                <a:tc>
-                  <a:txBody>
-                    <a:bodyPr/>
-                    <a:lstStyle/>
-                    <a:p>
-                      <a:pPr algn="ctr"/>
-                      <a:r>
-                        <a:rPr lang="hu-HU" dirty="0" smtClean="0"/>
-                        <a:t>0,086 s</a:t>
-                      </a:r>
-                      <a:endParaRPr lang="hu-HU" dirty="0"/>
-                    </a:p>
-                  </a:txBody>
-                  <a:tcPr/>
-                </a:tc>
-              </a:tr>
-              <a:tr h="298133">
-                <a:tc>
-                  <a:txBody>
-                    <a:bodyPr/>
-                    <a:lstStyle/>
-                    <a:p>
-                      <a:pPr algn="ctr"/>
-                      <a:r>
-                        <a:rPr lang="hu-HU" dirty="0" smtClean="0"/>
-                        <a:t>5</a:t>
-                      </a:r>
-                      <a:endParaRPr lang="hu-HU" dirty="0"/>
-                    </a:p>
-                  </a:txBody>
-                  <a:tcPr/>
-                </a:tc>
-                <a:tc>
-                  <a:txBody>
-                    <a:bodyPr/>
-                    <a:lstStyle/>
-                    <a:p>
-                      <a:pPr algn="ctr"/>
-                      <a:r>
-                        <a:rPr lang="hu-HU" dirty="0" smtClean="0"/>
-                        <a:t>0,92 s</a:t>
-                      </a:r>
-                      <a:endParaRPr lang="hu-HU" dirty="0"/>
-                    </a:p>
-                  </a:txBody>
-                  <a:tcPr/>
-                </a:tc>
-                <a:tc>
-                  <a:txBody>
-                    <a:bodyPr/>
-                    <a:lstStyle/>
-                    <a:p>
-                      <a:pPr algn="ctr"/>
-                      <a:r>
-                        <a:rPr lang="hu-HU" dirty="0" smtClean="0"/>
-                        <a:t>0,11 s</a:t>
-                      </a:r>
-                      <a:endParaRPr lang="hu-HU" dirty="0"/>
-                    </a:p>
-                  </a:txBody>
-                  <a:tcPr/>
-                </a:tc>
-              </a:tr>
-              <a:tr h="298133">
-                <a:tc>
-                  <a:txBody>
-                    <a:bodyPr/>
-                    <a:lstStyle/>
-                    <a:p>
-                      <a:pPr algn="ctr"/>
-                      <a:r>
-                        <a:rPr lang="hu-HU" dirty="0" smtClean="0"/>
-                        <a:t>6</a:t>
-                      </a:r>
-                      <a:endParaRPr lang="hu-HU" dirty="0"/>
-                    </a:p>
-                  </a:txBody>
-                  <a:tcPr/>
-                </a:tc>
-                <a:tc>
-                  <a:txBody>
-                    <a:bodyPr/>
-                    <a:lstStyle/>
-                    <a:p>
-                      <a:pPr algn="ctr"/>
-                      <a:r>
-                        <a:rPr lang="hu-HU" dirty="0" smtClean="0"/>
-                        <a:t>4,01 s</a:t>
-                      </a:r>
-                      <a:endParaRPr lang="hu-HU" dirty="0"/>
-                    </a:p>
-                  </a:txBody>
-                  <a:tcPr/>
-                </a:tc>
-                <a:tc>
-                  <a:txBody>
-                    <a:bodyPr/>
-                    <a:lstStyle/>
-                    <a:p>
-                      <a:pPr algn="ctr"/>
-                      <a:r>
-                        <a:rPr lang="hu-HU" dirty="0" smtClean="0"/>
-                        <a:t>0,16 s</a:t>
-                      </a:r>
-                      <a:endParaRPr lang="hu-HU" dirty="0"/>
-                    </a:p>
-                  </a:txBody>
-                  <a:tcPr/>
-                </a:tc>
-              </a:tr>
-              <a:tr h="298133">
-                <a:tc>
-                  <a:txBody>
-                    <a:bodyPr/>
-                    <a:lstStyle/>
-                    <a:p>
-                      <a:pPr algn="ctr"/>
-                      <a:r>
-                        <a:rPr lang="hu-HU" dirty="0" smtClean="0"/>
-                        <a:t>7</a:t>
-                      </a:r>
-                      <a:endParaRPr lang="hu-HU" dirty="0"/>
-                    </a:p>
-                  </a:txBody>
-                  <a:tcPr/>
-                </a:tc>
-                <a:tc>
-                  <a:txBody>
-                    <a:bodyPr/>
-                    <a:lstStyle/>
-                    <a:p>
-                      <a:pPr algn="ctr"/>
-                      <a:r>
-                        <a:rPr lang="hu-HU" dirty="0" smtClean="0"/>
-                        <a:t>24,61 s</a:t>
-                      </a:r>
-                      <a:endParaRPr lang="hu-HU" dirty="0"/>
-                    </a:p>
-                  </a:txBody>
-                  <a:tcPr/>
-                </a:tc>
-                <a:tc>
-                  <a:txBody>
-                    <a:bodyPr/>
-                    <a:lstStyle/>
-                    <a:p>
-                      <a:pPr algn="ctr"/>
-                      <a:r>
-                        <a:rPr lang="hu-HU" dirty="0" smtClean="0"/>
-                        <a:t>0,35 s</a:t>
-                      </a:r>
-                      <a:endParaRPr lang="hu-HU" dirty="0"/>
-                    </a:p>
-                  </a:txBody>
-                  <a:tcPr/>
-                </a:tc>
-              </a:tr>
-              <a:tr h="298133">
-                <a:tc>
-                  <a:txBody>
-                    <a:bodyPr/>
-                    <a:lstStyle/>
-                    <a:p>
-                      <a:pPr algn="ctr"/>
-                      <a:r>
-                        <a:rPr lang="hu-HU" dirty="0" smtClean="0"/>
-                        <a:t>8</a:t>
-                      </a:r>
-                      <a:endParaRPr lang="hu-HU" dirty="0"/>
-                    </a:p>
-                  </a:txBody>
-                  <a:tcPr/>
-                </a:tc>
-                <a:tc>
-                  <a:txBody>
-                    <a:bodyPr/>
-                    <a:lstStyle/>
-                    <a:p>
-                      <a:pPr algn="ctr"/>
-                      <a:r>
-                        <a:rPr lang="hu-HU" dirty="0" smtClean="0"/>
-                        <a:t>&gt; 60</a:t>
+                        <a:t>0,08</a:t>
                       </a:r>
                       <a:r>
                         <a:rPr lang="hu-HU" baseline="0" dirty="0" smtClean="0"/>
@@ -6506,7 +5438,7 @@
                       <a:endParaRPr lang="hu-HU" dirty="0"/>
                     </a:p>
                   </a:txBody>
-                  <a:tcPr/>
+                  <a:tcPr anchor="ctr"/>
                 </a:tc>
                 <a:tc>
                   <a:txBody>
@@ -6516,15 +5448,599 @@
                       <a:pPr algn="ctr"/>
                       <a:r>
                         <a:rPr lang="hu-HU" dirty="0" smtClean="0"/>
-                        <a:t>1,7 s</a:t>
+                        <a:t>0,083 s</a:t>
                       </a:r>
                       <a:endParaRPr lang="hu-HU" dirty="0"/>
                     </a:p>
                   </a:txBody>
-                  <a:tcPr/>
+                  <a:tcPr anchor="ctr"/>
+                </a:tc>
+                <a:tc>
+                  <a:txBody>
+                    <a:bodyPr/>
+                    <a:lstStyle/>
+                    <a:p>
+                      <a:pPr algn="ctr"/>
+                      <a:r>
+                        <a:rPr lang="hu-HU" dirty="0" smtClean="0"/>
+                        <a:t>0,05 s</a:t>
+                      </a:r>
+                      <a:endParaRPr lang="hu-HU" dirty="0"/>
+                    </a:p>
+                  </a:txBody>
+                  <a:tcPr anchor="ctr"/>
+                </a:tc>
+                <a:tc>
+                  <a:txBody>
+                    <a:bodyPr/>
+                    <a:lstStyle/>
+                    <a:p>
+                      <a:pPr algn="ctr"/>
+                      <a:r>
+                        <a:rPr lang="hu-HU" dirty="0" smtClean="0"/>
+                        <a:t>0,06 s</a:t>
+                      </a:r>
+                      <a:endParaRPr lang="hu-HU" dirty="0"/>
+                    </a:p>
+                  </a:txBody>
+                  <a:tcPr anchor="ctr"/>
+                </a:tc>
+                <a:tc>
+                  <a:txBody>
+                    <a:bodyPr/>
+                    <a:lstStyle/>
+                    <a:p>
+                      <a:pPr algn="ctr"/>
+                      <a:r>
+                        <a:rPr lang="hu-HU" dirty="0" smtClean="0"/>
+                        <a:t>0,06 s</a:t>
+                      </a:r>
+                      <a:endParaRPr lang="hu-HU" dirty="0"/>
+                    </a:p>
+                  </a:txBody>
+                  <a:tcPr anchor="ctr"/>
                 </a:tc>
               </a:tr>
-              <a:tr h="298133">
+              <a:tr h="391945">
+                <a:tc>
+                  <a:txBody>
+                    <a:bodyPr/>
+                    <a:lstStyle/>
+                    <a:p>
+                      <a:pPr algn="ctr"/>
+                      <a:r>
+                        <a:rPr lang="hu-HU" dirty="0" smtClean="0"/>
+                        <a:t>3</a:t>
+                      </a:r>
+                    </a:p>
+                  </a:txBody>
+                  <a:tcPr anchor="ctr"/>
+                </a:tc>
+                <a:tc>
+                  <a:txBody>
+                    <a:bodyPr/>
+                    <a:lstStyle/>
+                    <a:p>
+                      <a:pPr algn="ctr"/>
+                      <a:r>
+                        <a:rPr lang="hu-HU" dirty="0" smtClean="0"/>
+                        <a:t>0,11 s</a:t>
+                      </a:r>
+                      <a:endParaRPr lang="hu-HU" dirty="0"/>
+                    </a:p>
+                  </a:txBody>
+                  <a:tcPr anchor="ctr"/>
+                </a:tc>
+                <a:tc>
+                  <a:txBody>
+                    <a:bodyPr/>
+                    <a:lstStyle/>
+                    <a:p>
+                      <a:pPr algn="ctr"/>
+                      <a:r>
+                        <a:rPr lang="hu-HU" dirty="0" smtClean="0"/>
+                        <a:t>0,11 s</a:t>
+                      </a:r>
+                      <a:endParaRPr lang="hu-HU" dirty="0"/>
+                    </a:p>
+                  </a:txBody>
+                  <a:tcPr anchor="ctr"/>
+                </a:tc>
+                <a:tc>
+                  <a:txBody>
+                    <a:bodyPr/>
+                    <a:lstStyle/>
+                    <a:p>
+                      <a:pPr algn="ctr"/>
+                      <a:r>
+                        <a:rPr lang="hu-HU" dirty="0" smtClean="0"/>
+                        <a:t>0,07 s</a:t>
+                      </a:r>
+                      <a:endParaRPr lang="hu-HU" dirty="0"/>
+                    </a:p>
+                  </a:txBody>
+                  <a:tcPr anchor="ctr"/>
+                </a:tc>
+                <a:tc>
+                  <a:txBody>
+                    <a:bodyPr/>
+                    <a:lstStyle/>
+                    <a:p>
+                      <a:pPr algn="ctr"/>
+                      <a:r>
+                        <a:rPr lang="hu-HU" dirty="0" smtClean="0"/>
+                        <a:t>0,07 s</a:t>
+                      </a:r>
+                      <a:endParaRPr lang="hu-HU" dirty="0"/>
+                    </a:p>
+                  </a:txBody>
+                  <a:tcPr anchor="ctr"/>
+                </a:tc>
+                <a:tc>
+                  <a:txBody>
+                    <a:bodyPr/>
+                    <a:lstStyle/>
+                    <a:p>
+                      <a:pPr algn="ctr"/>
+                      <a:r>
+                        <a:rPr lang="hu-HU" dirty="0" smtClean="0"/>
+                        <a:t>0,07 s</a:t>
+                      </a:r>
+                      <a:endParaRPr lang="hu-HU" dirty="0"/>
+                    </a:p>
+                  </a:txBody>
+                  <a:tcPr anchor="ctr"/>
+                </a:tc>
+              </a:tr>
+              <a:tr h="391945">
+                <a:tc>
+                  <a:txBody>
+                    <a:bodyPr/>
+                    <a:lstStyle/>
+                    <a:p>
+                      <a:pPr algn="ctr"/>
+                      <a:r>
+                        <a:rPr lang="hu-HU" dirty="0" smtClean="0"/>
+                        <a:t>4</a:t>
+                      </a:r>
+                      <a:endParaRPr lang="hu-HU" dirty="0"/>
+                    </a:p>
+                  </a:txBody>
+                  <a:tcPr anchor="ctr"/>
+                </a:tc>
+                <a:tc>
+                  <a:txBody>
+                    <a:bodyPr/>
+                    <a:lstStyle/>
+                    <a:p>
+                      <a:pPr algn="ctr"/>
+                      <a:r>
+                        <a:rPr lang="hu-HU" dirty="0" smtClean="0"/>
+                        <a:t>0,23 s </a:t>
+                      </a:r>
+                      <a:endParaRPr lang="hu-HU" dirty="0"/>
+                    </a:p>
+                  </a:txBody>
+                  <a:tcPr anchor="ctr"/>
+                </a:tc>
+                <a:tc>
+                  <a:txBody>
+                    <a:bodyPr/>
+                    <a:lstStyle/>
+                    <a:p>
+                      <a:pPr algn="ctr"/>
+                      <a:r>
+                        <a:rPr lang="hu-HU" dirty="0" smtClean="0"/>
+                        <a:t>0,43 s</a:t>
+                      </a:r>
+                      <a:endParaRPr lang="hu-HU" dirty="0"/>
+                    </a:p>
+                  </a:txBody>
+                  <a:tcPr anchor="ctr"/>
+                </a:tc>
+                <a:tc>
+                  <a:txBody>
+                    <a:bodyPr/>
+                    <a:lstStyle/>
+                    <a:p>
+                      <a:pPr algn="ctr"/>
+                      <a:r>
+                        <a:rPr lang="hu-HU" dirty="0" smtClean="0"/>
+                        <a:t>0,18 s</a:t>
+                      </a:r>
+                      <a:endParaRPr lang="hu-HU" dirty="0"/>
+                    </a:p>
+                  </a:txBody>
+                  <a:tcPr anchor="ctr"/>
+                </a:tc>
+                <a:tc>
+                  <a:txBody>
+                    <a:bodyPr/>
+                    <a:lstStyle/>
+                    <a:p>
+                      <a:pPr algn="ctr"/>
+                      <a:r>
+                        <a:rPr lang="hu-HU" dirty="0" smtClean="0"/>
+                        <a:t>0,23 s</a:t>
+                      </a:r>
+                      <a:endParaRPr lang="hu-HU" dirty="0"/>
+                    </a:p>
+                  </a:txBody>
+                  <a:tcPr anchor="ctr"/>
+                </a:tc>
+                <a:tc>
+                  <a:txBody>
+                    <a:bodyPr/>
+                    <a:lstStyle/>
+                    <a:p>
+                      <a:pPr algn="ctr"/>
+                      <a:r>
+                        <a:rPr lang="hu-HU" dirty="0" smtClean="0"/>
+                        <a:t>0,08 s</a:t>
+                      </a:r>
+                      <a:endParaRPr lang="hu-HU" dirty="0"/>
+                    </a:p>
+                  </a:txBody>
+                  <a:tcPr anchor="ctr"/>
+                </a:tc>
+              </a:tr>
+              <a:tr h="391945">
+                <a:tc>
+                  <a:txBody>
+                    <a:bodyPr/>
+                    <a:lstStyle/>
+                    <a:p>
+                      <a:pPr algn="ctr"/>
+                      <a:r>
+                        <a:rPr lang="hu-HU" dirty="0" smtClean="0"/>
+                        <a:t>5</a:t>
+                      </a:r>
+                      <a:endParaRPr lang="hu-HU" dirty="0"/>
+                    </a:p>
+                  </a:txBody>
+                  <a:tcPr anchor="ctr"/>
+                </a:tc>
+                <a:tc>
+                  <a:txBody>
+                    <a:bodyPr/>
+                    <a:lstStyle/>
+                    <a:p>
+                      <a:pPr algn="ctr"/>
+                      <a:r>
+                        <a:rPr lang="hu-HU" dirty="0" smtClean="0"/>
+                        <a:t>0,69 s</a:t>
+                      </a:r>
+                      <a:endParaRPr lang="hu-HU" dirty="0"/>
+                    </a:p>
+                  </a:txBody>
+                  <a:tcPr anchor="ctr"/>
+                </a:tc>
+                <a:tc>
+                  <a:txBody>
+                    <a:bodyPr/>
+                    <a:lstStyle/>
+                    <a:p>
+                      <a:pPr algn="ctr"/>
+                      <a:r>
+                        <a:rPr lang="hu-HU" dirty="0" smtClean="0"/>
+                        <a:t>4,48 s</a:t>
+                      </a:r>
+                      <a:endParaRPr lang="hu-HU" dirty="0"/>
+                    </a:p>
+                  </a:txBody>
+                  <a:tcPr anchor="ctr"/>
+                </a:tc>
+                <a:tc>
+                  <a:txBody>
+                    <a:bodyPr/>
+                    <a:lstStyle/>
+                    <a:p>
+                      <a:pPr algn="ctr"/>
+                      <a:r>
+                        <a:rPr lang="hu-HU" dirty="0" smtClean="0"/>
+                        <a:t>1,94 s</a:t>
+                      </a:r>
+                      <a:endParaRPr lang="hu-HU" dirty="0"/>
+                    </a:p>
+                  </a:txBody>
+                  <a:tcPr anchor="ctr"/>
+                </a:tc>
+                <a:tc>
+                  <a:txBody>
+                    <a:bodyPr/>
+                    <a:lstStyle/>
+                    <a:p>
+                      <a:pPr algn="ctr"/>
+                      <a:r>
+                        <a:rPr lang="hu-HU" dirty="0" smtClean="0"/>
+                        <a:t>1,63 s</a:t>
+                      </a:r>
+                      <a:endParaRPr lang="hu-HU" dirty="0"/>
+                    </a:p>
+                  </a:txBody>
+                  <a:tcPr anchor="ctr"/>
+                </a:tc>
+                <a:tc>
+                  <a:txBody>
+                    <a:bodyPr/>
+                    <a:lstStyle/>
+                    <a:p>
+                      <a:pPr algn="ctr"/>
+                      <a:r>
+                        <a:rPr lang="hu-HU" dirty="0" smtClean="0"/>
+                        <a:t>0,12 s</a:t>
+                      </a:r>
+                      <a:endParaRPr lang="hu-HU" dirty="0"/>
+                    </a:p>
+                  </a:txBody>
+                  <a:tcPr anchor="ctr"/>
+                </a:tc>
+              </a:tr>
+              <a:tr h="391945">
+                <a:tc>
+                  <a:txBody>
+                    <a:bodyPr/>
+                    <a:lstStyle/>
+                    <a:p>
+                      <a:pPr algn="ctr"/>
+                      <a:r>
+                        <a:rPr lang="hu-HU" dirty="0" smtClean="0"/>
+                        <a:t>6</a:t>
+                      </a:r>
+                      <a:endParaRPr lang="hu-HU" dirty="0"/>
+                    </a:p>
+                  </a:txBody>
+                  <a:tcPr anchor="ctr"/>
+                </a:tc>
+                <a:tc>
+                  <a:txBody>
+                    <a:bodyPr/>
+                    <a:lstStyle/>
+                    <a:p>
+                      <a:pPr algn="ctr"/>
+                      <a:r>
+                        <a:rPr lang="hu-HU" dirty="0" smtClean="0"/>
+                        <a:t>13,30 s</a:t>
+                      </a:r>
+                      <a:endParaRPr lang="hu-HU" dirty="0"/>
+                    </a:p>
+                  </a:txBody>
+                  <a:tcPr anchor="ctr"/>
+                </a:tc>
+                <a:tc>
+                  <a:txBody>
+                    <a:bodyPr/>
+                    <a:lstStyle/>
+                    <a:p>
+                      <a:pPr algn="ctr"/>
+                      <a:r>
+                        <a:rPr lang="hu-HU" dirty="0" smtClean="0"/>
+                        <a:t>&gt; 60 s</a:t>
+                      </a:r>
+                      <a:endParaRPr lang="hu-HU" dirty="0"/>
+                    </a:p>
+                  </a:txBody>
+                  <a:tcPr anchor="ctr"/>
+                </a:tc>
+                <a:tc>
+                  <a:txBody>
+                    <a:bodyPr/>
+                    <a:lstStyle/>
+                    <a:p>
+                      <a:pPr algn="ctr"/>
+                      <a:r>
+                        <a:rPr lang="hu-HU" dirty="0" smtClean="0"/>
+                        <a:t>16,33 s</a:t>
+                      </a:r>
+                      <a:endParaRPr lang="hu-HU" dirty="0"/>
+                    </a:p>
+                  </a:txBody>
+                  <a:tcPr anchor="ctr"/>
+                </a:tc>
+                <a:tc>
+                  <a:txBody>
+                    <a:bodyPr/>
+                    <a:lstStyle/>
+                    <a:p>
+                      <a:pPr algn="ctr"/>
+                      <a:r>
+                        <a:rPr lang="hu-HU" dirty="0" smtClean="0"/>
+                        <a:t>13,8</a:t>
+                      </a:r>
+                      <a:r>
+                        <a:rPr lang="hu-HU" baseline="0" dirty="0" smtClean="0"/>
+                        <a:t> s</a:t>
+                      </a:r>
+                      <a:endParaRPr lang="hu-HU" dirty="0"/>
+                    </a:p>
+                  </a:txBody>
+                  <a:tcPr anchor="ctr"/>
+                </a:tc>
+                <a:tc>
+                  <a:txBody>
+                    <a:bodyPr/>
+                    <a:lstStyle/>
+                    <a:p>
+                      <a:pPr algn="ctr"/>
+                      <a:r>
+                        <a:rPr lang="hu-HU" dirty="0" smtClean="0"/>
+                        <a:t>0,15 s</a:t>
+                      </a:r>
+                      <a:endParaRPr lang="hu-HU" dirty="0"/>
+                    </a:p>
+                  </a:txBody>
+                  <a:tcPr anchor="ctr"/>
+                </a:tc>
+              </a:tr>
+              <a:tr h="391945">
+                <a:tc>
+                  <a:txBody>
+                    <a:bodyPr/>
+                    <a:lstStyle/>
+                    <a:p>
+                      <a:pPr algn="ctr"/>
+                      <a:r>
+                        <a:rPr lang="hu-HU" dirty="0" smtClean="0"/>
+                        <a:t>7</a:t>
+                      </a:r>
+                      <a:endParaRPr lang="hu-HU" dirty="0"/>
+                    </a:p>
+                  </a:txBody>
+                  <a:tcPr anchor="ctr"/>
+                </a:tc>
+                <a:tc>
+                  <a:txBody>
+                    <a:bodyPr/>
+                    <a:lstStyle/>
+                    <a:p>
+                      <a:pPr algn="ctr"/>
+                      <a:r>
+                        <a:rPr lang="hu-HU" dirty="0" smtClean="0"/>
+                        <a:t>&gt; 60 s</a:t>
+                      </a:r>
+                      <a:endParaRPr lang="hu-HU" dirty="0"/>
+                    </a:p>
+                  </a:txBody>
+                  <a:tcPr anchor="ctr"/>
+                </a:tc>
+                <a:tc>
+                  <a:txBody>
+                    <a:bodyPr/>
+                    <a:lstStyle/>
+                    <a:p>
+                      <a:pPr algn="ctr"/>
+                      <a:endParaRPr lang="hu-HU" dirty="0"/>
+                    </a:p>
+                  </a:txBody>
+                  <a:tcPr anchor="ctr"/>
+                </a:tc>
+                <a:tc>
+                  <a:txBody>
+                    <a:bodyPr/>
+                    <a:lstStyle/>
+                    <a:p>
+                      <a:pPr algn="ctr"/>
+                      <a:r>
+                        <a:rPr lang="hu-HU" dirty="0" smtClean="0"/>
+                        <a:t>&gt; 60 s</a:t>
+                      </a:r>
+                      <a:endParaRPr lang="hu-HU" dirty="0"/>
+                    </a:p>
+                  </a:txBody>
+                  <a:tcPr anchor="ctr"/>
+                </a:tc>
+                <a:tc>
+                  <a:txBody>
+                    <a:bodyPr/>
+                    <a:lstStyle/>
+                    <a:p>
+                      <a:pPr algn="ctr"/>
+                      <a:r>
+                        <a:rPr lang="hu-HU" dirty="0" smtClean="0"/>
+                        <a:t>&gt;</a:t>
+                      </a:r>
+                      <a:r>
+                        <a:rPr lang="hu-HU" baseline="0" dirty="0" smtClean="0"/>
+                        <a:t> 60 s</a:t>
+                      </a:r>
+                      <a:endParaRPr lang="hu-HU" dirty="0"/>
+                    </a:p>
+                  </a:txBody>
+                  <a:tcPr anchor="ctr"/>
+                </a:tc>
+                <a:tc>
+                  <a:txBody>
+                    <a:bodyPr/>
+                    <a:lstStyle/>
+                    <a:p>
+                      <a:pPr algn="ctr"/>
+                      <a:r>
+                        <a:rPr lang="hu-HU" dirty="0" smtClean="0"/>
+                        <a:t>0,92 s </a:t>
+                      </a:r>
+                      <a:endParaRPr lang="hu-HU" dirty="0"/>
+                    </a:p>
+                  </a:txBody>
+                  <a:tcPr anchor="ctr"/>
+                </a:tc>
+              </a:tr>
+              <a:tr h="391945">
+                <a:tc>
+                  <a:txBody>
+                    <a:bodyPr/>
+                    <a:lstStyle/>
+                    <a:p>
+                      <a:pPr algn="ctr"/>
+                      <a:r>
+                        <a:rPr lang="hu-HU" dirty="0" smtClean="0"/>
+                        <a:t>8</a:t>
+                      </a:r>
+                      <a:endParaRPr lang="hu-HU" dirty="0"/>
+                    </a:p>
+                  </a:txBody>
+                  <a:tcPr anchor="ctr"/>
+                </a:tc>
+                <a:tc>
+                  <a:txBody>
+                    <a:bodyPr/>
+                    <a:lstStyle/>
+                    <a:p>
+                      <a:pPr algn="ctr"/>
+                      <a:endParaRPr lang="hu-HU" dirty="0"/>
+                    </a:p>
+                  </a:txBody>
+                  <a:tcPr anchor="ctr"/>
+                </a:tc>
+                <a:tc>
+                  <a:txBody>
+                    <a:bodyPr/>
+                    <a:lstStyle/>
+                    <a:p>
+                      <a:pPr algn="ctr"/>
+                      <a:endParaRPr lang="hu-HU" dirty="0"/>
+                    </a:p>
+                  </a:txBody>
+                  <a:tcPr anchor="ctr"/>
+                </a:tc>
+                <a:tc>
+                  <a:txBody>
+                    <a:bodyPr/>
+                    <a:lstStyle/>
+                    <a:p>
+                      <a:pPr algn="ctr"/>
+                      <a:endParaRPr lang="hu-HU" dirty="0"/>
+                    </a:p>
+                  </a:txBody>
+                  <a:tcPr anchor="ctr"/>
+                </a:tc>
+                <a:tc>
+                  <a:txBody>
+                    <a:bodyPr/>
+                    <a:lstStyle/>
+                    <a:p>
+                      <a:pPr algn="ctr"/>
+                      <a:endParaRPr lang="hu-HU" dirty="0"/>
+                    </a:p>
+                  </a:txBody>
+                  <a:tcPr anchor="ctr"/>
+                </a:tc>
+                <a:tc>
+                  <a:txBody>
+                    <a:bodyPr/>
+                    <a:lstStyle/>
+                    <a:p>
+                      <a:pPr algn="ctr"/>
+                      <a:r>
+                        <a:rPr lang="hu-HU" dirty="0" smtClean="0"/>
+                        <a:t>3,41 s</a:t>
+                      </a:r>
+                      <a:endParaRPr lang="hu-HU" dirty="0"/>
+                    </a:p>
+                  </a:txBody>
+                  <a:tcPr anchor="ctr"/>
+                </a:tc>
+              </a:tr>
+              <a:tr h="391945">
                 <a:tc>
                   <a:txBody>
                     <a:bodyPr/>
@@ -6538,18 +6054,51 @@
                       <a:endParaRPr lang="hu-HU" dirty="0"/>
                     </a:p>
                   </a:txBody>
-                  <a:tcPr/>
-                </a:tc>
-                <a:tc>
-                  <a:txBody>
-                    <a:bodyPr/>
-                    <a:lstStyle/>
-                    <a:p>
-                      <a:pPr algn="ctr"/>
-                      <a:endParaRPr lang="hu-HU" dirty="0"/>
-                    </a:p>
-                  </a:txBody>
-                  <a:tcPr/>
+                  <a:tcPr anchor="ctr"/>
+                </a:tc>
+                <a:tc>
+                  <a:txBody>
+                    <a:bodyPr/>
+                    <a:lstStyle/>
+                    <a:p>
+                      <a:pPr algn="ctr"/>
+                      <a:endParaRPr lang="hu-HU" dirty="0"/>
+                    </a:p>
+                  </a:txBody>
+                  <a:tcPr anchor="ctr"/>
+                </a:tc>
+                <a:tc>
+                  <a:txBody>
+                    <a:bodyPr/>
+                    <a:lstStyle/>
+                    <a:p>
+                      <a:pPr algn="ctr"/>
+                      <a:endParaRPr lang="hu-HU" dirty="0"/>
+                    </a:p>
+                  </a:txBody>
+                  <a:tcPr anchor="ctr"/>
+                </a:tc>
+                <a:tc>
+                  <a:txBody>
+                    <a:bodyPr/>
+                    <a:lstStyle/>
+                    <a:p>
+                      <a:pPr algn="ctr"/>
+                      <a:endParaRPr lang="hu-HU" dirty="0"/>
+                    </a:p>
+                  </a:txBody>
+                  <a:tcPr anchor="ctr"/>
+                </a:tc>
+                <a:tc>
+                  <a:txBody>
+                    <a:bodyPr/>
+                    <a:lstStyle/>
+                    <a:p>
+                      <a:pPr algn="ctr"/>
+                      <a:endParaRPr lang="hu-HU" dirty="0"/>
+                    </a:p>
+                  </a:txBody>
+                  <a:tcPr anchor="ctr"/>
                 </a:tc>
                 <a:tc>
                   <a:txBody>
@@ -6559,14 +6108,15 @@
                       <a:pPr algn="ctr"/>
                       <a:r>
                         <a:rPr lang="hu-HU" dirty="0" smtClean="0"/>
-                        <a:t>2,42 s</a:t>
+                        <a:t>6,33 s</a:t>
                       </a:r>
-                    </a:p>
-                  </a:txBody>
-                  <a:tcPr/>
+                      <a:endParaRPr lang="hu-HU" dirty="0"/>
+                    </a:p>
+                  </a:txBody>
+                  <a:tcPr anchor="ctr"/>
                 </a:tc>
               </a:tr>
-              <a:tr h="298133">
+              <a:tr h="391945">
                 <a:tc>
                   <a:txBody>
                     <a:bodyPr/>
@@ -6580,18 +6130,51 @@
                       <a:endParaRPr lang="hu-HU" dirty="0"/>
                     </a:p>
                   </a:txBody>
-                  <a:tcPr/>
-                </a:tc>
-                <a:tc>
-                  <a:txBody>
-                    <a:bodyPr/>
-                    <a:lstStyle/>
-                    <a:p>
-                      <a:pPr algn="ctr"/>
-                      <a:endParaRPr lang="hu-HU" dirty="0"/>
-                    </a:p>
-                  </a:txBody>
-                  <a:tcPr/>
+                  <a:tcPr anchor="ctr"/>
+                </a:tc>
+                <a:tc>
+                  <a:txBody>
+                    <a:bodyPr/>
+                    <a:lstStyle/>
+                    <a:p>
+                      <a:pPr algn="ctr"/>
+                      <a:endParaRPr lang="hu-HU" dirty="0"/>
+                    </a:p>
+                  </a:txBody>
+                  <a:tcPr anchor="ctr"/>
+                </a:tc>
+                <a:tc>
+                  <a:txBody>
+                    <a:bodyPr/>
+                    <a:lstStyle/>
+                    <a:p>
+                      <a:pPr algn="ctr"/>
+                      <a:endParaRPr lang="hu-HU" dirty="0"/>
+                    </a:p>
+                  </a:txBody>
+                  <a:tcPr anchor="ctr"/>
+                </a:tc>
+                <a:tc>
+                  <a:txBody>
+                    <a:bodyPr/>
+                    <a:lstStyle/>
+                    <a:p>
+                      <a:pPr algn="ctr"/>
+                      <a:endParaRPr lang="hu-HU" dirty="0"/>
+                    </a:p>
+                  </a:txBody>
+                  <a:tcPr anchor="ctr"/>
+                </a:tc>
+                <a:tc>
+                  <a:txBody>
+                    <a:bodyPr/>
+                    <a:lstStyle/>
+                    <a:p>
+                      <a:pPr algn="ctr"/>
+                      <a:endParaRPr lang="hu-HU" dirty="0"/>
+                    </a:p>
+                  </a:txBody>
+                  <a:tcPr anchor="ctr"/>
                 </a:tc>
                 <a:tc>
                   <a:txBody>
@@ -6601,55 +6184,16 @@
                       <a:pPr algn="ctr"/>
                       <a:r>
                         <a:rPr lang="hu-HU" dirty="0" smtClean="0"/>
-                        <a:t>30,14 s</a:t>
+                        <a:t>&gt;</a:t>
                       </a:r>
-                      <a:endParaRPr lang="hu-HU" dirty="0"/>
-                    </a:p>
-                  </a:txBody>
-                  <a:tcPr/>
-                </a:tc>
-              </a:tr>
-              <a:tr h="298133">
-                <a:tc>
-                  <a:txBody>
-                    <a:bodyPr/>
-                    <a:lstStyle/>
-                    <a:p>
-                      <a:pPr algn="ctr"/>
                       <a:r>
-                        <a:rPr lang="hu-HU" dirty="0" smtClean="0"/>
-                        <a:t>11</a:t>
+                        <a:rPr lang="hu-HU" baseline="0" dirty="0" smtClean="0"/>
+                        <a:t> 60 s</a:t>
                       </a:r>
                       <a:endParaRPr lang="hu-HU" dirty="0"/>
                     </a:p>
                   </a:txBody>
-                  <a:tcPr/>
-                </a:tc>
-                <a:tc>
-                  <a:txBody>
-                    <a:bodyPr/>
-                    <a:lstStyle/>
-                    <a:p>
-                      <a:pPr algn="ctr"/>
-                      <a:endParaRPr lang="hu-HU"/>
-                    </a:p>
-                  </a:txBody>
-                  <a:tcPr/>
-                </a:tc>
-                <a:tc>
-                  <a:txBody>
-                    <a:bodyPr/>
-                    <a:lstStyle/>
-                    <a:p>
-                      <a:pPr algn="ctr"/>
-                      <a:r>
-                        <a:rPr lang="hu-HU" dirty="0" smtClean="0"/>
-                        <a:t>&gt; 60 s</a:t>
-                      </a:r>
-                      <a:endParaRPr lang="hu-HU" dirty="0"/>
-                    </a:p>
-                  </a:txBody>
-                  <a:tcPr/>
+                  <a:tcPr anchor="ctr"/>
                 </a:tc>
               </a:tr>
             </a:tbl>
@@ -6682,13 +6226,13 @@
       </p:sp>
       <p:sp>
         <p:nvSpPr>
-          <p:cNvPr id="6" name="Szövegdoboz 5"/>
+          <p:cNvPr id="5" name="Szövegdoboz 4"/>
           <p:cNvSpPr txBox="1"/>
           <p:nvPr/>
         </p:nvSpPr>
         <p:spPr>
           <a:xfrm>
-            <a:off x="2195736" y="6300028"/>
+            <a:off x="2195736" y="6237312"/>
             <a:ext cx="5688632" cy="369332"/>
           </a:xfrm>
           <a:prstGeom prst="rect">
@@ -6760,15 +6304,612 @@
           <a:p>
             <a:r>
               <a:rPr lang="hu-HU" dirty="0" smtClean="0"/>
-              <a:t>Kapcsolókkal</a:t>
+              <a:t>Tesztelés kapcsolókkal</a:t>
             </a:r>
             <a:endParaRPr lang="hu-HU" dirty="0"/>
           </a:p>
         </p:txBody>
       </p:sp>
-      <p:sp>
-        <p:nvSpPr>
-          <p:cNvPr id="3" name="Dia számának helye 2"/>
+      <p:graphicFrame>
+        <p:nvGraphicFramePr>
+          <p:cNvPr id="5" name="Tartalom helye 4"/>
+          <p:cNvGraphicFramePr>
+            <a:graphicFrameLocks noGrp="1"/>
+          </p:cNvGraphicFramePr>
+          <p:nvPr>
+            <p:ph idx="1"/>
+          </p:nvPr>
+        </p:nvGraphicFramePr>
+        <p:xfrm>
+          <a:off x="1507108" y="1468619"/>
+          <a:ext cx="6665292" cy="4768693"/>
+        </p:xfrm>
+        <a:graphic>
+          <a:graphicData uri="http://schemas.openxmlformats.org/drawingml/2006/table">
+            <a:tbl>
+              <a:tblPr firstRow="1" bandRow="1">
+                <a:tableStyleId>{0E3FDE45-AF77-4B5C-9715-49D594BDF05E}</a:tableStyleId>
+              </a:tblPr>
+              <a:tblGrid>
+                <a:gridCol w="1696740"/>
+                <a:gridCol w="2448272"/>
+                <a:gridCol w="2520280"/>
+              </a:tblGrid>
+              <a:tr h="745333">
+                <a:tc>
+                  <a:txBody>
+                    <a:bodyPr/>
+                    <a:lstStyle/>
+                    <a:p>
+                      <a:pPr algn="ctr"/>
+                      <a:r>
+                        <a:rPr lang="hu-HU" dirty="0" smtClean="0"/>
+                        <a:t>Munkaszám</a:t>
+                      </a:r>
+                      <a:endParaRPr lang="hu-HU" dirty="0"/>
+                    </a:p>
+                  </a:txBody>
+                  <a:tcPr anchor="ctr"/>
+                </a:tc>
+                <a:tc>
+                  <a:txBody>
+                    <a:bodyPr/>
+                    <a:lstStyle/>
+                    <a:p>
+                      <a:pPr algn="ctr"/>
+                      <a:r>
+                        <a:rPr lang="hu-HU" dirty="0" smtClean="0"/>
+                        <a:t>Modell 3</a:t>
+                      </a:r>
+                    </a:p>
+                    <a:p>
+                      <a:pPr algn="ctr"/>
+                      <a:r>
+                        <a:rPr lang="hu-HU" dirty="0" smtClean="0"/>
+                        <a:t>-C –E –n0 –o3 –S2</a:t>
+                      </a:r>
+                      <a:endParaRPr lang="hu-HU" dirty="0"/>
+                    </a:p>
+                  </a:txBody>
+                  <a:tcPr/>
+                </a:tc>
+                <a:tc>
+                  <a:txBody>
+                    <a:bodyPr/>
+                    <a:lstStyle/>
+                    <a:p>
+                      <a:pPr algn="ctr"/>
+                      <a:r>
+                        <a:rPr lang="hu-HU" dirty="0" smtClean="0"/>
+                        <a:t>Modell 5</a:t>
+                      </a:r>
+                    </a:p>
+                    <a:p>
+                      <a:pPr algn="ctr"/>
+                      <a:r>
+                        <a:rPr lang="hu-HU" dirty="0" smtClean="0"/>
+                        <a:t>-C –E –n0 –o2 –S0</a:t>
+                      </a:r>
+                      <a:endParaRPr lang="hu-HU" dirty="0"/>
+                    </a:p>
+                  </a:txBody>
+                  <a:tcPr/>
+                </a:tc>
+              </a:tr>
+              <a:tr h="298133">
+                <a:tc>
+                  <a:txBody>
+                    <a:bodyPr/>
+                    <a:lstStyle/>
+                    <a:p>
+                      <a:pPr algn="ctr"/>
+                      <a:r>
+                        <a:rPr lang="hu-HU" dirty="0" smtClean="0"/>
+                        <a:t>1</a:t>
+                      </a:r>
+                    </a:p>
+                  </a:txBody>
+                  <a:tcPr/>
+                </a:tc>
+                <a:tc>
+                  <a:txBody>
+                    <a:bodyPr/>
+                    <a:lstStyle/>
+                    <a:p>
+                      <a:pPr algn="ctr"/>
+                      <a:r>
+                        <a:rPr lang="hu-HU" dirty="0" smtClean="0"/>
+                        <a:t>0,073 s</a:t>
+                      </a:r>
+                      <a:endParaRPr lang="hu-HU" dirty="0"/>
+                    </a:p>
+                  </a:txBody>
+                  <a:tcPr/>
+                </a:tc>
+                <a:tc>
+                  <a:txBody>
+                    <a:bodyPr/>
+                    <a:lstStyle/>
+                    <a:p>
+                      <a:pPr algn="ctr"/>
+                      <a:r>
+                        <a:rPr lang="hu-HU" dirty="0" smtClean="0"/>
+                        <a:t>0,07 s</a:t>
+                      </a:r>
+                      <a:endParaRPr lang="hu-HU" dirty="0"/>
+                    </a:p>
+                  </a:txBody>
+                  <a:tcPr/>
+                </a:tc>
+              </a:tr>
+              <a:tr h="298133">
+                <a:tc>
+                  <a:txBody>
+                    <a:bodyPr/>
+                    <a:lstStyle/>
+                    <a:p>
+                      <a:pPr algn="ctr"/>
+                      <a:r>
+                        <a:rPr lang="hu-HU" dirty="0" smtClean="0"/>
+                        <a:t>2</a:t>
+                      </a:r>
+                      <a:endParaRPr lang="hu-HU" dirty="0"/>
+                    </a:p>
+                  </a:txBody>
+                  <a:tcPr/>
+                </a:tc>
+                <a:tc>
+                  <a:txBody>
+                    <a:bodyPr/>
+                    <a:lstStyle/>
+                    <a:p>
+                      <a:pPr algn="ctr"/>
+                      <a:r>
+                        <a:rPr lang="hu-HU" dirty="0" smtClean="0"/>
+                        <a:t>0,08 s</a:t>
+                      </a:r>
+                      <a:endParaRPr lang="hu-HU" dirty="0"/>
+                    </a:p>
+                  </a:txBody>
+                  <a:tcPr/>
+                </a:tc>
+                <a:tc>
+                  <a:txBody>
+                    <a:bodyPr/>
+                    <a:lstStyle/>
+                    <a:p>
+                      <a:pPr algn="ctr"/>
+                      <a:r>
+                        <a:rPr lang="hu-HU" dirty="0" smtClean="0"/>
+                        <a:t>0,07 s</a:t>
+                      </a:r>
+                      <a:endParaRPr lang="hu-HU" dirty="0"/>
+                    </a:p>
+                  </a:txBody>
+                  <a:tcPr/>
+                </a:tc>
+              </a:tr>
+              <a:tr h="298133">
+                <a:tc>
+                  <a:txBody>
+                    <a:bodyPr/>
+                    <a:lstStyle/>
+                    <a:p>
+                      <a:pPr algn="ctr"/>
+                      <a:r>
+                        <a:rPr lang="hu-HU" dirty="0" smtClean="0"/>
+                        <a:t>3</a:t>
+                      </a:r>
+                      <a:endParaRPr lang="hu-HU" dirty="0"/>
+                    </a:p>
+                  </a:txBody>
+                  <a:tcPr/>
+                </a:tc>
+                <a:tc>
+                  <a:txBody>
+                    <a:bodyPr/>
+                    <a:lstStyle/>
+                    <a:p>
+                      <a:pPr algn="ctr"/>
+                      <a:r>
+                        <a:rPr lang="hu-HU" dirty="0" smtClean="0"/>
+                        <a:t>0,10 s </a:t>
+                      </a:r>
+                      <a:endParaRPr lang="hu-HU" dirty="0"/>
+                    </a:p>
+                  </a:txBody>
+                  <a:tcPr/>
+                </a:tc>
+                <a:tc>
+                  <a:txBody>
+                    <a:bodyPr/>
+                    <a:lstStyle/>
+                    <a:p>
+                      <a:pPr algn="ctr"/>
+                      <a:r>
+                        <a:rPr lang="hu-HU" dirty="0" smtClean="0"/>
+                        <a:t>0,07 s</a:t>
+                      </a:r>
+                      <a:endParaRPr lang="hu-HU" dirty="0"/>
+                    </a:p>
+                  </a:txBody>
+                  <a:tcPr/>
+                </a:tc>
+              </a:tr>
+              <a:tr h="298133">
+                <a:tc>
+                  <a:txBody>
+                    <a:bodyPr/>
+                    <a:lstStyle/>
+                    <a:p>
+                      <a:pPr algn="ctr"/>
+                      <a:r>
+                        <a:rPr lang="hu-HU" dirty="0" smtClean="0"/>
+                        <a:t>4</a:t>
+                      </a:r>
+                      <a:endParaRPr lang="hu-HU" dirty="0"/>
+                    </a:p>
+                  </a:txBody>
+                  <a:tcPr/>
+                </a:tc>
+                <a:tc>
+                  <a:txBody>
+                    <a:bodyPr/>
+                    <a:lstStyle/>
+                    <a:p>
+                      <a:pPr algn="ctr"/>
+                      <a:r>
+                        <a:rPr lang="hu-HU" dirty="0" smtClean="0"/>
+                        <a:t>0,21s  </a:t>
+                      </a:r>
+                      <a:endParaRPr lang="hu-HU" dirty="0"/>
+                    </a:p>
+                  </a:txBody>
+                  <a:tcPr/>
+                </a:tc>
+                <a:tc>
+                  <a:txBody>
+                    <a:bodyPr/>
+                    <a:lstStyle/>
+                    <a:p>
+                      <a:pPr algn="ctr"/>
+                      <a:r>
+                        <a:rPr lang="hu-HU" dirty="0" smtClean="0"/>
+                        <a:t>0,08 s</a:t>
+                      </a:r>
+                      <a:endParaRPr lang="hu-HU" dirty="0"/>
+                    </a:p>
+                  </a:txBody>
+                  <a:tcPr/>
+                </a:tc>
+              </a:tr>
+              <a:tr h="298133">
+                <a:tc>
+                  <a:txBody>
+                    <a:bodyPr/>
+                    <a:lstStyle/>
+                    <a:p>
+                      <a:pPr algn="ctr"/>
+                      <a:r>
+                        <a:rPr lang="hu-HU" dirty="0" smtClean="0"/>
+                        <a:t>5</a:t>
+                      </a:r>
+                      <a:endParaRPr lang="hu-HU" dirty="0"/>
+                    </a:p>
+                  </a:txBody>
+                  <a:tcPr/>
+                </a:tc>
+                <a:tc>
+                  <a:txBody>
+                    <a:bodyPr/>
+                    <a:lstStyle/>
+                    <a:p>
+                      <a:pPr algn="ctr"/>
+                      <a:r>
+                        <a:rPr lang="hu-HU" dirty="0" smtClean="0"/>
+                        <a:t>0,92 s</a:t>
+                      </a:r>
+                      <a:endParaRPr lang="hu-HU" dirty="0"/>
+                    </a:p>
+                  </a:txBody>
+                  <a:tcPr/>
+                </a:tc>
+                <a:tc>
+                  <a:txBody>
+                    <a:bodyPr/>
+                    <a:lstStyle/>
+                    <a:p>
+                      <a:pPr algn="ctr"/>
+                      <a:r>
+                        <a:rPr lang="hu-HU" dirty="0" smtClean="0"/>
+                        <a:t>0,11 s</a:t>
+                      </a:r>
+                      <a:endParaRPr lang="hu-HU" dirty="0"/>
+                    </a:p>
+                  </a:txBody>
+                  <a:tcPr/>
+                </a:tc>
+              </a:tr>
+              <a:tr h="298133">
+                <a:tc>
+                  <a:txBody>
+                    <a:bodyPr/>
+                    <a:lstStyle/>
+                    <a:p>
+                      <a:pPr algn="ctr"/>
+                      <a:r>
+                        <a:rPr lang="hu-HU" dirty="0" smtClean="0"/>
+                        <a:t>6</a:t>
+                      </a:r>
+                      <a:endParaRPr lang="hu-HU" dirty="0"/>
+                    </a:p>
+                  </a:txBody>
+                  <a:tcPr/>
+                </a:tc>
+                <a:tc>
+                  <a:txBody>
+                    <a:bodyPr/>
+                    <a:lstStyle/>
+                    <a:p>
+                      <a:pPr algn="ctr"/>
+                      <a:r>
+                        <a:rPr lang="hu-HU" dirty="0" smtClean="0"/>
+                        <a:t>4,01 s</a:t>
+                      </a:r>
+                      <a:endParaRPr lang="hu-HU" dirty="0"/>
+                    </a:p>
+                  </a:txBody>
+                  <a:tcPr/>
+                </a:tc>
+                <a:tc>
+                  <a:txBody>
+                    <a:bodyPr/>
+                    <a:lstStyle/>
+                    <a:p>
+                      <a:pPr algn="ctr"/>
+                      <a:r>
+                        <a:rPr lang="hu-HU" dirty="0" smtClean="0"/>
+                        <a:t>0,16 s</a:t>
+                      </a:r>
+                      <a:endParaRPr lang="hu-HU" dirty="0"/>
+                    </a:p>
+                  </a:txBody>
+                  <a:tcPr/>
+                </a:tc>
+              </a:tr>
+              <a:tr h="298133">
+                <a:tc>
+                  <a:txBody>
+                    <a:bodyPr/>
+                    <a:lstStyle/>
+                    <a:p>
+                      <a:pPr algn="ctr"/>
+                      <a:r>
+                        <a:rPr lang="hu-HU" dirty="0" smtClean="0"/>
+                        <a:t>7</a:t>
+                      </a:r>
+                      <a:endParaRPr lang="hu-HU" dirty="0"/>
+                    </a:p>
+                  </a:txBody>
+                  <a:tcPr/>
+                </a:tc>
+                <a:tc>
+                  <a:txBody>
+                    <a:bodyPr/>
+                    <a:lstStyle/>
+                    <a:p>
+                      <a:pPr algn="ctr"/>
+                      <a:r>
+                        <a:rPr lang="hu-HU" dirty="0" smtClean="0"/>
+                        <a:t>24,61 s</a:t>
+                      </a:r>
+                      <a:endParaRPr lang="hu-HU" dirty="0"/>
+                    </a:p>
+                  </a:txBody>
+                  <a:tcPr/>
+                </a:tc>
+                <a:tc>
+                  <a:txBody>
+                    <a:bodyPr/>
+                    <a:lstStyle/>
+                    <a:p>
+                      <a:pPr algn="ctr"/>
+                      <a:r>
+                        <a:rPr lang="hu-HU" dirty="0" smtClean="0"/>
+                        <a:t>0,35 s</a:t>
+                      </a:r>
+                      <a:endParaRPr lang="hu-HU" dirty="0"/>
+                    </a:p>
+                  </a:txBody>
+                  <a:tcPr/>
+                </a:tc>
+              </a:tr>
+              <a:tr h="298133">
+                <a:tc>
+                  <a:txBody>
+                    <a:bodyPr/>
+                    <a:lstStyle/>
+                    <a:p>
+                      <a:pPr algn="ctr"/>
+                      <a:r>
+                        <a:rPr lang="hu-HU" dirty="0" smtClean="0"/>
+                        <a:t>8</a:t>
+                      </a:r>
+                      <a:endParaRPr lang="hu-HU" dirty="0"/>
+                    </a:p>
+                  </a:txBody>
+                  <a:tcPr/>
+                </a:tc>
+                <a:tc>
+                  <a:txBody>
+                    <a:bodyPr/>
+                    <a:lstStyle/>
+                    <a:p>
+                      <a:pPr algn="ctr"/>
+                      <a:r>
+                        <a:rPr lang="hu-HU" dirty="0" smtClean="0"/>
+                        <a:t>&gt; 60</a:t>
+                      </a:r>
+                      <a:r>
+                        <a:rPr lang="hu-HU" baseline="0" dirty="0" smtClean="0"/>
+                        <a:t> s</a:t>
+                      </a:r>
+                      <a:endParaRPr lang="hu-HU" dirty="0"/>
+                    </a:p>
+                  </a:txBody>
+                  <a:tcPr/>
+                </a:tc>
+                <a:tc>
+                  <a:txBody>
+                    <a:bodyPr/>
+                    <a:lstStyle/>
+                    <a:p>
+                      <a:pPr algn="ctr"/>
+                      <a:r>
+                        <a:rPr lang="hu-HU" dirty="0" smtClean="0"/>
+                        <a:t>1,70 s</a:t>
+                      </a:r>
+                      <a:endParaRPr lang="hu-HU" dirty="0"/>
+                    </a:p>
+                  </a:txBody>
+                  <a:tcPr/>
+                </a:tc>
+              </a:tr>
+              <a:tr h="298133">
+                <a:tc>
+                  <a:txBody>
+                    <a:bodyPr/>
+                    <a:lstStyle/>
+                    <a:p>
+                      <a:pPr algn="ctr"/>
+                      <a:r>
+                        <a:rPr lang="hu-HU" dirty="0" smtClean="0"/>
+                        <a:t>9</a:t>
+                      </a:r>
+                      <a:endParaRPr lang="hu-HU" dirty="0"/>
+                    </a:p>
+                  </a:txBody>
+                  <a:tcPr/>
+                </a:tc>
+                <a:tc>
+                  <a:txBody>
+                    <a:bodyPr/>
+                    <a:lstStyle/>
+                    <a:p>
+                      <a:pPr algn="ctr"/>
+                      <a:endParaRPr lang="hu-HU" dirty="0"/>
+                    </a:p>
+                  </a:txBody>
+                  <a:tcPr/>
+                </a:tc>
+                <a:tc>
+                  <a:txBody>
+                    <a:bodyPr/>
+                    <a:lstStyle/>
+                    <a:p>
+                      <a:pPr algn="ctr"/>
+                      <a:r>
+                        <a:rPr lang="hu-HU" dirty="0" smtClean="0"/>
+                        <a:t>2,42 s</a:t>
+                      </a:r>
+                    </a:p>
+                  </a:txBody>
+                  <a:tcPr/>
+                </a:tc>
+              </a:tr>
+              <a:tr h="298133">
+                <a:tc>
+                  <a:txBody>
+                    <a:bodyPr/>
+                    <a:lstStyle/>
+                    <a:p>
+                      <a:pPr algn="ctr"/>
+                      <a:r>
+                        <a:rPr lang="hu-HU" dirty="0" smtClean="0"/>
+                        <a:t>10</a:t>
+                      </a:r>
+                      <a:endParaRPr lang="hu-HU" dirty="0"/>
+                    </a:p>
+                  </a:txBody>
+                  <a:tcPr/>
+                </a:tc>
+                <a:tc>
+                  <a:txBody>
+                    <a:bodyPr/>
+                    <a:lstStyle/>
+                    <a:p>
+                      <a:pPr algn="ctr"/>
+                      <a:endParaRPr lang="hu-HU" dirty="0"/>
+                    </a:p>
+                  </a:txBody>
+                  <a:tcPr/>
+                </a:tc>
+                <a:tc>
+                  <a:txBody>
+                    <a:bodyPr/>
+                    <a:lstStyle/>
+                    <a:p>
+                      <a:pPr algn="ctr"/>
+                      <a:r>
+                        <a:rPr lang="hu-HU" dirty="0" smtClean="0"/>
+                        <a:t>30,14 s</a:t>
+                      </a:r>
+                      <a:endParaRPr lang="hu-HU" dirty="0"/>
+                    </a:p>
+                  </a:txBody>
+                  <a:tcPr/>
+                </a:tc>
+              </a:tr>
+              <a:tr h="298133">
+                <a:tc>
+                  <a:txBody>
+                    <a:bodyPr/>
+                    <a:lstStyle/>
+                    <a:p>
+                      <a:pPr algn="ctr"/>
+                      <a:r>
+                        <a:rPr lang="hu-HU" dirty="0" smtClean="0"/>
+                        <a:t>11</a:t>
+                      </a:r>
+                      <a:endParaRPr lang="hu-HU" dirty="0"/>
+                    </a:p>
+                  </a:txBody>
+                  <a:tcPr/>
+                </a:tc>
+                <a:tc>
+                  <a:txBody>
+                    <a:bodyPr/>
+                    <a:lstStyle/>
+                    <a:p>
+                      <a:pPr algn="ctr"/>
+                      <a:endParaRPr lang="hu-HU"/>
+                    </a:p>
+                  </a:txBody>
+                  <a:tcPr/>
+                </a:tc>
+                <a:tc>
+                  <a:txBody>
+                    <a:bodyPr/>
+                    <a:lstStyle/>
+                    <a:p>
+                      <a:pPr algn="ctr"/>
+                      <a:r>
+                        <a:rPr lang="hu-HU" dirty="0" smtClean="0"/>
+                        <a:t>&gt; 60 s</a:t>
+                      </a:r>
+                      <a:endParaRPr lang="hu-HU" dirty="0"/>
+                    </a:p>
+                  </a:txBody>
+                  <a:tcPr/>
+                </a:tc>
+              </a:tr>
+            </a:tbl>
+          </a:graphicData>
+        </a:graphic>
+      </p:graphicFrame>
+      <p:sp>
+        <p:nvSpPr>
+          <p:cNvPr id="4" name="Dia számának helye 3"/>
           <p:cNvSpPr>
             <a:spLocks noGrp="1"/>
           </p:cNvSpPr>
@@ -6790,32 +6931,16 @@
           </a:p>
         </p:txBody>
       </p:sp>
-      <p:graphicFrame>
-        <p:nvGraphicFramePr>
-          <p:cNvPr id="4" name="Diagram 3"/>
-          <p:cNvGraphicFramePr/>
-          <p:nvPr/>
-        </p:nvGraphicFramePr>
-        <p:xfrm>
-          <a:off x="1475656" y="1340768"/>
-          <a:ext cx="6984776" cy="4824536"/>
-        </p:xfrm>
-        <a:graphic>
-          <a:graphicData uri="http://schemas.openxmlformats.org/drawingml/2006/chart">
-            <c:chart xmlns:c="http://schemas.openxmlformats.org/drawingml/2006/chart" xmlns:r="http://schemas.openxmlformats.org/officeDocument/2006/relationships" r:id="rId2"/>
-          </a:graphicData>
-        </a:graphic>
-      </p:graphicFrame>
-      <p:sp>
-        <p:nvSpPr>
-          <p:cNvPr id="5" name="Szövegdoboz 4"/>
+      <p:sp>
+        <p:nvSpPr>
+          <p:cNvPr id="6" name="Szövegdoboz 5"/>
           <p:cNvSpPr txBox="1"/>
           <p:nvPr/>
         </p:nvSpPr>
         <p:spPr>
           <a:xfrm>
-            <a:off x="1115616" y="1218238"/>
-            <a:ext cx="648072" cy="338554"/>
+            <a:off x="2195736" y="6300028"/>
+            <a:ext cx="5688632" cy="369332"/>
           </a:xfrm>
           <a:prstGeom prst="rect">
             <a:avLst/>
@@ -6828,39 +6953,10 @@
           </a:bodyPr>
           <a:lstStyle/>
           <a:p>
-            <a:r>
-              <a:rPr lang="hu-HU" sz="1600" dirty="0" smtClean="0"/>
-              <a:t>idő</a:t>
-            </a:r>
-            <a:endParaRPr lang="hu-HU" dirty="0"/>
-          </a:p>
-        </p:txBody>
-      </p:sp>
-      <p:sp>
-        <p:nvSpPr>
-          <p:cNvPr id="6" name="Szövegdoboz 5"/>
-          <p:cNvSpPr txBox="1"/>
-          <p:nvPr/>
-        </p:nvSpPr>
-        <p:spPr>
-          <a:xfrm>
-            <a:off x="7236296" y="6093296"/>
-            <a:ext cx="1440160" cy="338554"/>
-          </a:xfrm>
-          <a:prstGeom prst="rect">
-            <a:avLst/>
-          </a:prstGeom>
-          <a:noFill/>
-        </p:spPr>
-        <p:txBody>
-          <a:bodyPr wrap="square" rtlCol="0">
-            <a:spAutoFit/>
-          </a:bodyPr>
-          <a:lstStyle/>
-          <a:p>
-            <a:r>
-              <a:rPr lang="hu-HU" sz="1600" dirty="0" smtClean="0"/>
-              <a:t>Munkák száma</a:t>
+            <a:pPr algn="ctr"/>
+            <a:r>
+              <a:rPr lang="hu-HU" dirty="0" smtClean="0"/>
+              <a:t>Költség = 0</a:t>
             </a:r>
             <a:endParaRPr lang="hu-HU" dirty="0"/>
           </a:p>
@@ -6915,7 +7011,7 @@
           <a:p>
             <a:r>
               <a:rPr lang="hu-HU" dirty="0" smtClean="0"/>
-              <a:t>Jövőbeli tervek</a:t>
+              <a:t>Kapcsolókkal</a:t>
             </a:r>
             <a:endParaRPr lang="hu-HU" dirty="0"/>
           </a:p>
@@ -6923,49 +7019,7 @@
       </p:sp>
       <p:sp>
         <p:nvSpPr>
-          <p:cNvPr id="3" name="Tartalom helye 2"/>
-          <p:cNvSpPr>
-            <a:spLocks noGrp="1"/>
-          </p:cNvSpPr>
-          <p:nvPr>
-            <p:ph idx="1"/>
-          </p:nvPr>
-        </p:nvSpPr>
-        <p:spPr/>
-        <p:txBody>
-          <a:bodyPr/>
-          <a:lstStyle/>
-          <a:p>
-            <a:endParaRPr lang="hu-HU" dirty="0" smtClean="0"/>
-          </a:p>
-          <a:p>
-            <a:r>
-              <a:rPr lang="hu-HU" i="1" dirty="0" err="1" smtClean="0"/>
-              <a:t>Remaining</a:t>
-            </a:r>
-            <a:r>
-              <a:rPr lang="hu-HU" dirty="0" smtClean="0"/>
-              <a:t> függvény készítése</a:t>
-            </a:r>
-          </a:p>
-          <a:p>
-            <a:r>
-              <a:rPr lang="hu-HU" dirty="0" smtClean="0"/>
-              <a:t>További korlátozásokkal való gyorsítás</a:t>
-            </a:r>
-          </a:p>
-          <a:p>
-            <a:r>
-              <a:rPr lang="hu-HU" dirty="0" smtClean="0"/>
-              <a:t>Más megoldó módszerekkel való összehasonlítás</a:t>
-            </a:r>
-            <a:endParaRPr lang="hu-HU" dirty="0"/>
-          </a:p>
-        </p:txBody>
-      </p:sp>
-      <p:sp>
-        <p:nvSpPr>
-          <p:cNvPr id="4" name="Dia számának helye 3"/>
+          <p:cNvPr id="3" name="Dia számának helye 2"/>
           <p:cNvSpPr>
             <a:spLocks noGrp="1"/>
           </p:cNvSpPr>
@@ -6987,6 +7041,82 @@
           </a:p>
         </p:txBody>
       </p:sp>
+      <p:sp>
+        <p:nvSpPr>
+          <p:cNvPr id="5" name="Szövegdoboz 4"/>
+          <p:cNvSpPr txBox="1"/>
+          <p:nvPr/>
+        </p:nvSpPr>
+        <p:spPr>
+          <a:xfrm>
+            <a:off x="1115616" y="1218238"/>
+            <a:ext cx="648072" cy="338554"/>
+          </a:xfrm>
+          <a:prstGeom prst="rect">
+            <a:avLst/>
+          </a:prstGeom>
+          <a:noFill/>
+        </p:spPr>
+        <p:txBody>
+          <a:bodyPr wrap="square" rtlCol="0">
+            <a:spAutoFit/>
+          </a:bodyPr>
+          <a:lstStyle/>
+          <a:p>
+            <a:r>
+              <a:rPr lang="hu-HU" sz="1600" dirty="0" smtClean="0"/>
+              <a:t>idő</a:t>
+            </a:r>
+            <a:endParaRPr lang="hu-HU" dirty="0"/>
+          </a:p>
+        </p:txBody>
+      </p:sp>
+      <p:sp>
+        <p:nvSpPr>
+          <p:cNvPr id="6" name="Szövegdoboz 5"/>
+          <p:cNvSpPr txBox="1"/>
+          <p:nvPr/>
+        </p:nvSpPr>
+        <p:spPr>
+          <a:xfrm>
+            <a:off x="7236296" y="6093296"/>
+            <a:ext cx="1440160" cy="338554"/>
+          </a:xfrm>
+          <a:prstGeom prst="rect">
+            <a:avLst/>
+          </a:prstGeom>
+          <a:noFill/>
+        </p:spPr>
+        <p:txBody>
+          <a:bodyPr wrap="square" rtlCol="0">
+            <a:spAutoFit/>
+          </a:bodyPr>
+          <a:lstStyle/>
+          <a:p>
+            <a:r>
+              <a:rPr lang="hu-HU" sz="1600" dirty="0" smtClean="0"/>
+              <a:t>Munkák száma</a:t>
+            </a:r>
+            <a:endParaRPr lang="hu-HU" dirty="0"/>
+          </a:p>
+        </p:txBody>
+      </p:sp>
+      <p:graphicFrame>
+        <p:nvGraphicFramePr>
+          <p:cNvPr id="7" name="Diagram 6"/>
+          <p:cNvGraphicFramePr/>
+          <p:nvPr/>
+        </p:nvGraphicFramePr>
+        <p:xfrm>
+          <a:off x="1403648" y="1556792"/>
+          <a:ext cx="7416824" cy="4680520"/>
+        </p:xfrm>
+        <a:graphic>
+          <a:graphicData uri="http://schemas.openxmlformats.org/drawingml/2006/chart">
+            <c:chart xmlns:c="http://schemas.openxmlformats.org/drawingml/2006/chart" xmlns:r="http://schemas.openxmlformats.org/officeDocument/2006/relationships" r:id="rId2"/>
+          </a:graphicData>
+        </a:graphic>
+      </p:graphicFrame>
     </p:spTree>
   </p:cSld>
   <p:clrMapOvr>
@@ -7029,6 +7159,184 @@
             <p:ph type="title"/>
           </p:nvPr>
         </p:nvSpPr>
+        <p:spPr/>
+        <p:txBody>
+          <a:bodyPr/>
+          <a:lstStyle/>
+          <a:p>
+            <a:r>
+              <a:rPr lang="hu-HU" dirty="0" smtClean="0"/>
+              <a:t>Összefoglalás</a:t>
+            </a:r>
+            <a:endParaRPr lang="hu-HU" dirty="0"/>
+          </a:p>
+        </p:txBody>
+      </p:sp>
+      <p:sp>
+        <p:nvSpPr>
+          <p:cNvPr id="3" name="Tartalom helye 2"/>
+          <p:cNvSpPr>
+            <a:spLocks noGrp="1"/>
+          </p:cNvSpPr>
+          <p:nvPr>
+            <p:ph idx="1"/>
+          </p:nvPr>
+        </p:nvSpPr>
+        <p:spPr/>
+        <p:txBody>
+          <a:bodyPr>
+            <a:normAutofit fontScale="85000" lnSpcReduction="20000"/>
+          </a:bodyPr>
+          <a:lstStyle/>
+          <a:p>
+            <a:pPr>
+              <a:buNone/>
+            </a:pPr>
+            <a:endParaRPr lang="hu-HU" i="1" dirty="0" smtClean="0"/>
+          </a:p>
+          <a:p>
+            <a:pPr>
+              <a:buNone/>
+            </a:pPr>
+            <a:r>
+              <a:rPr lang="hu-HU" dirty="0" smtClean="0"/>
+              <a:t>Összefoglalás</a:t>
+            </a:r>
+            <a:endParaRPr lang="hu-HU" dirty="0" smtClean="0"/>
+          </a:p>
+          <a:p>
+            <a:r>
+              <a:rPr lang="hu-HU" dirty="0" smtClean="0"/>
+              <a:t>Gyártásütemezés időzített automatával, késztermék tárolási költségének minimalizálása</a:t>
+            </a:r>
+          </a:p>
+          <a:p>
+            <a:r>
+              <a:rPr lang="hu-HU" dirty="0" smtClean="0"/>
+              <a:t>Több elkészített modell</a:t>
+            </a:r>
+          </a:p>
+          <a:p>
+            <a:r>
+              <a:rPr lang="hu-HU" dirty="0" smtClean="0"/>
+              <a:t>Leggyorsabb modell: </a:t>
+            </a:r>
+            <a:r>
+              <a:rPr lang="hu-HU" dirty="0" err="1" smtClean="0"/>
+              <a:t>Modell</a:t>
+            </a:r>
+            <a:r>
+              <a:rPr lang="hu-HU" dirty="0" smtClean="0"/>
+              <a:t> 5</a:t>
+            </a:r>
+          </a:p>
+          <a:p>
+            <a:pPr>
+              <a:buNone/>
+            </a:pPr>
+            <a:endParaRPr lang="hu-HU" i="1" dirty="0" smtClean="0"/>
+          </a:p>
+          <a:p>
+            <a:pPr>
+              <a:buNone/>
+            </a:pPr>
+            <a:r>
+              <a:rPr lang="hu-HU" dirty="0" smtClean="0"/>
+              <a:t>Jövőbeli tervek</a:t>
+            </a:r>
+            <a:endParaRPr lang="hu-HU" i="1" dirty="0" smtClean="0"/>
+          </a:p>
+          <a:p>
+            <a:r>
+              <a:rPr lang="hu-HU" i="1" dirty="0" err="1" smtClean="0"/>
+              <a:t>Remaining</a:t>
+            </a:r>
+            <a:r>
+              <a:rPr lang="hu-HU" dirty="0" smtClean="0"/>
+              <a:t> függvény készítése</a:t>
+            </a:r>
+          </a:p>
+          <a:p>
+            <a:r>
+              <a:rPr lang="hu-HU" dirty="0" smtClean="0"/>
+              <a:t>További korlátozásokkal való gyorsítás</a:t>
+            </a:r>
+          </a:p>
+          <a:p>
+            <a:r>
+              <a:rPr lang="hu-HU" dirty="0" smtClean="0"/>
+              <a:t>Más megoldó módszerekkel való összehasonlítás</a:t>
+            </a:r>
+            <a:endParaRPr lang="hu-HU" dirty="0"/>
+          </a:p>
+        </p:txBody>
+      </p:sp>
+      <p:sp>
+        <p:nvSpPr>
+          <p:cNvPr id="4" name="Dia számának helye 3"/>
+          <p:cNvSpPr>
+            <a:spLocks noGrp="1"/>
+          </p:cNvSpPr>
+          <p:nvPr>
+            <p:ph type="sldNum" sz="quarter" idx="12"/>
+          </p:nvPr>
+        </p:nvSpPr>
+        <p:spPr/>
+        <p:txBody>
+          <a:bodyPr/>
+          <a:lstStyle/>
+          <a:p>
+            <a:fld id="{BF501CA5-1824-45DC-9B86-97C0B54F8DA5}" type="slidenum">
+              <a:rPr lang="hu-HU" smtClean="0"/>
+              <a:pPr/>
+              <a:t>14</a:t>
+            </a:fld>
+            <a:endParaRPr lang="hu-HU"/>
+          </a:p>
+        </p:txBody>
+      </p:sp>
+    </p:spTree>
+  </p:cSld>
+  <p:clrMapOvr>
+    <a:masterClrMapping/>
+  </p:clrMapOvr>
+  <p:timing>
+    <p:tnLst>
+      <p:par>
+        <p:cTn id="1" dur="indefinite" restart="never" nodeType="tmRoot"/>
+      </p:par>
+    </p:tnLst>
+  </p:timing>
+</p:sld>
+</file>
+
+<file path=ppt/slides/slide15.xml><?xml version="1.0" encoding="utf-8"?>
+<p:sld xmlns:a="http://schemas.openxmlformats.org/drawingml/2006/main" xmlns:r="http://schemas.openxmlformats.org/officeDocument/2006/relationships" xmlns:p="http://schemas.openxmlformats.org/presentationml/2006/main">
+  <p:cSld>
+    <p:spTree>
+      <p:nvGrpSpPr>
+        <p:cNvPr id="1" name=""/>
+        <p:cNvGrpSpPr/>
+        <p:nvPr/>
+      </p:nvGrpSpPr>
+      <p:grpSpPr>
+        <a:xfrm>
+          <a:off x="0" y="0"/>
+          <a:ext cx="0" cy="0"/>
+          <a:chOff x="0" y="0"/>
+          <a:chExt cx="0" cy="0"/>
+        </a:xfrm>
+      </p:grpSpPr>
+      <p:sp>
+        <p:nvSpPr>
+          <p:cNvPr id="2" name="Cím 1"/>
+          <p:cNvSpPr>
+            <a:spLocks noGrp="1"/>
+          </p:cNvSpPr>
+          <p:nvPr>
+            <p:ph type="title"/>
+          </p:nvPr>
+        </p:nvSpPr>
         <p:spPr>
           <a:xfrm>
             <a:off x="1403648" y="2060848"/>
@@ -7065,7 +7373,7 @@
             <a:fld id="{BF501CA5-1824-45DC-9B86-97C0B54F8DA5}" type="slidenum">
               <a:rPr lang="hu-HU" smtClean="0"/>
               <a:pPr/>
-              <a:t>14</a:t>
+              <a:t>15</a:t>
             </a:fld>
             <a:endParaRPr lang="hu-HU"/>
           </a:p>
@@ -7157,25 +7465,19 @@
           <a:p>
             <a:r>
               <a:rPr lang="hu-HU" dirty="0" smtClean="0"/>
-              <a:t>Időzített </a:t>
-            </a:r>
-            <a:r>
-              <a:rPr lang="hu-HU" dirty="0" smtClean="0"/>
-              <a:t>automaták, LPTA</a:t>
-            </a:r>
-            <a:endParaRPr lang="hu-HU" dirty="0" smtClean="0"/>
+              <a:t>Időzített automaták, LPTA</a:t>
+            </a:r>
           </a:p>
           <a:p>
             <a:r>
               <a:rPr lang="hu-HU" dirty="0" smtClean="0"/>
               <a:t>Problémadefiníció</a:t>
             </a:r>
-            <a:endParaRPr lang="hu-HU" dirty="0" smtClean="0"/>
           </a:p>
           <a:p>
             <a:r>
               <a:rPr lang="hu-HU" dirty="0" smtClean="0"/>
-              <a:t>A modell</a:t>
+              <a:t>A kidolgozott modell</a:t>
             </a:r>
           </a:p>
           <a:p>
@@ -7283,7 +7585,9 @@
           </a:xfrm>
         </p:spPr>
         <p:txBody>
-          <a:bodyPr/>
+          <a:bodyPr>
+            <a:normAutofit/>
+          </a:bodyPr>
           <a:lstStyle/>
           <a:p>
             <a:pPr lvl="1">
@@ -7292,6 +7596,9 @@
             <a:endParaRPr lang="hu-HU" dirty="0" smtClean="0"/>
           </a:p>
           <a:p>
+            <a:endParaRPr lang="hu-HU" dirty="0" smtClean="0"/>
+          </a:p>
+          <a:p>
             <a:r>
               <a:rPr lang="hu-HU" dirty="0" smtClean="0"/>
               <a:t>Ütemezési feladatok általában</a:t>
@@ -7305,71 +7612,21 @@
             </a:r>
           </a:p>
           <a:p>
+            <a:pPr lvl="2"/>
             <a:r>
               <a:rPr lang="hu-HU" dirty="0" smtClean="0"/>
-              <a:t>Csoportosítása, altípusai</a:t>
-            </a:r>
-          </a:p>
-          <a:p>
-            <a:pPr lvl="1"/>
+              <a:t>Berendezések és munkák</a:t>
+            </a:r>
+          </a:p>
+          <a:p>
+            <a:pPr lvl="2"/>
             <a:r>
               <a:rPr lang="hu-HU" dirty="0" smtClean="0"/>
-              <a:t>Offline, online</a:t>
-            </a:r>
-          </a:p>
-          <a:p>
-            <a:pPr lvl="1"/>
-            <a:r>
-              <a:rPr lang="hu-HU" dirty="0" smtClean="0"/>
-              <a:t>Determinisztikus, sztochasztikus</a:t>
-            </a:r>
-          </a:p>
-          <a:p>
-            <a:pPr lvl="1"/>
-            <a:r>
-              <a:rPr lang="hu-HU" dirty="0" err="1" smtClean="0"/>
-              <a:t>Single</a:t>
-            </a:r>
-            <a:r>
-              <a:rPr lang="hu-HU" dirty="0" smtClean="0"/>
-              <a:t> </a:t>
-            </a:r>
-            <a:r>
-              <a:rPr lang="hu-HU" dirty="0" err="1" smtClean="0"/>
-              <a:t>stage</a:t>
-            </a:r>
-            <a:r>
-              <a:rPr lang="hu-HU" dirty="0" smtClean="0"/>
-              <a:t>, </a:t>
-            </a:r>
-            <a:r>
-              <a:rPr lang="hu-HU" dirty="0" err="1" smtClean="0"/>
-              <a:t>simple</a:t>
-            </a:r>
-            <a:r>
-              <a:rPr lang="hu-HU" dirty="0" smtClean="0"/>
-              <a:t> </a:t>
-            </a:r>
-            <a:r>
-              <a:rPr lang="hu-HU" dirty="0" err="1" smtClean="0"/>
-              <a:t>multiproduct</a:t>
-            </a:r>
-            <a:r>
-              <a:rPr lang="hu-HU" dirty="0" smtClean="0"/>
-              <a:t>,  </a:t>
-            </a:r>
-            <a:r>
-              <a:rPr lang="hu-HU" dirty="0" err="1" smtClean="0"/>
-              <a:t>general</a:t>
-            </a:r>
-            <a:r>
-              <a:rPr lang="hu-HU" dirty="0" smtClean="0"/>
-              <a:t> </a:t>
-            </a:r>
-            <a:r>
-              <a:rPr lang="hu-HU" dirty="0" err="1" smtClean="0"/>
-              <a:t>multiproduct</a:t>
-            </a:r>
+              <a:t>Feladatok, melyeket a munkákon kell elvégezni a berendezések segítségével</a:t>
+            </a:r>
+          </a:p>
+          <a:p>
+            <a:pPr lvl="2"/>
             <a:endParaRPr lang="hu-HU" dirty="0" smtClean="0"/>
           </a:p>
         </p:txBody>
@@ -7447,7 +7704,7 @@
           <a:p>
             <a:r>
               <a:rPr lang="hu-HU" dirty="0" smtClean="0"/>
-              <a:t>Egyéb megoldó módszerek</a:t>
+              <a:t>Ütemezés</a:t>
             </a:r>
             <a:endParaRPr lang="hu-HU" dirty="0"/>
           </a:p>
@@ -7468,16 +7725,33 @@
           <a:bodyPr/>
           <a:lstStyle/>
           <a:p>
+            <a:endParaRPr lang="hu-HU" dirty="0" smtClean="0"/>
+          </a:p>
+          <a:p>
             <a:r>
               <a:rPr lang="hu-HU" dirty="0" smtClean="0"/>
-              <a:t>MILP</a:t>
+              <a:t>Csoportosítása, altípusai</a:t>
             </a:r>
           </a:p>
           <a:p>
             <a:pPr lvl="1"/>
             <a:r>
               <a:rPr lang="hu-HU" dirty="0" smtClean="0"/>
-              <a:t>Időfelosztásos: </a:t>
+              <a:t>Offline, online</a:t>
+            </a:r>
+          </a:p>
+          <a:p>
+            <a:pPr lvl="1"/>
+            <a:r>
+              <a:rPr lang="hu-HU" dirty="0" smtClean="0"/>
+              <a:t>Determinisztikus, sztochasztikus</a:t>
+            </a:r>
+          </a:p>
+          <a:p>
+            <a:pPr lvl="1"/>
+            <a:r>
+              <a:rPr lang="hu-HU" dirty="0" err="1" smtClean="0"/>
+              <a:t>Single</a:t>
             </a:r>
             <a:r>
               <a:rPr lang="hu-HU" dirty="0" smtClean="0"/>
@@ -7485,45 +7759,31 @@
             </a:r>
             <a:r>
               <a:rPr lang="hu-HU" dirty="0" err="1" smtClean="0"/>
-              <a:t>x</a:t>
-            </a:r>
-            <a:r>
-              <a:rPr lang="hu-HU" baseline="-25000" dirty="0" err="1" smtClean="0"/>
-              <a:t>tij</a:t>
-            </a:r>
-            <a:endParaRPr lang="hu-HU" baseline="-25000" dirty="0" smtClean="0"/>
-          </a:p>
-          <a:p>
-            <a:pPr lvl="1"/>
+              <a:t>stage</a:t>
+            </a:r>
+            <a:r>
+              <a:rPr lang="hu-HU" dirty="0" smtClean="0"/>
+              <a:t>, </a:t>
+            </a:r>
             <a:r>
               <a:rPr lang="hu-HU" dirty="0" err="1" smtClean="0"/>
-              <a:t>Precedencia</a:t>
+              <a:t>simple</a:t>
             </a:r>
             <a:r>
               <a:rPr lang="hu-HU" dirty="0" smtClean="0"/>
               <a:t> </a:t>
             </a:r>
             <a:r>
+              <a:rPr lang="hu-HU" dirty="0" err="1" smtClean="0"/>
+              <a:t>multiproduct</a:t>
+            </a:r>
+            <a:r>
               <a:rPr lang="hu-HU" dirty="0" smtClean="0"/>
-              <a:t>alapú:  </a:t>
+              <a:t>,  </a:t>
             </a:r>
             <a:r>
               <a:rPr lang="hu-HU" dirty="0" err="1" smtClean="0"/>
-              <a:t>Y</a:t>
-            </a:r>
-            <a:r>
-              <a:rPr lang="hu-HU" baseline="-25000" dirty="0" err="1" smtClean="0"/>
-              <a:t>ij</a:t>
-            </a:r>
-            <a:endParaRPr lang="hu-HU" dirty="0" smtClean="0"/>
-          </a:p>
-          <a:p>
-            <a:pPr lvl="1">
-              <a:buNone/>
-            </a:pPr>
-            <a:r>
-              <a:rPr lang="hu-HU" dirty="0" smtClean="0"/>
-              <a:t>	Sorrendiség: </a:t>
+              <a:t>general</a:t>
             </a:r>
             <a:r>
               <a:rPr lang="hu-HU" dirty="0" smtClean="0"/>
@@ -7531,46 +7791,39 @@
             </a:r>
             <a:r>
               <a:rPr lang="hu-HU" dirty="0" err="1" smtClean="0"/>
-              <a:t>x</a:t>
-            </a:r>
-            <a:r>
-              <a:rPr lang="hu-HU" baseline="-25000" dirty="0" err="1" smtClean="0"/>
-              <a:t>ii</a:t>
-            </a:r>
-            <a:r>
-              <a:rPr lang="hu-HU" baseline="-25000" dirty="0" smtClean="0"/>
-              <a:t>’</a:t>
+              <a:t>multiproduct</a:t>
+            </a:r>
+            <a:r>
+              <a:rPr lang="hu-HU" dirty="0" smtClean="0"/>
+              <a:t>,  </a:t>
+            </a:r>
+            <a:r>
+              <a:rPr lang="hu-HU" dirty="0" err="1" smtClean="0"/>
+              <a:t>multipurpose</a:t>
+            </a:r>
+            <a:r>
+              <a:rPr lang="hu-HU" dirty="0" smtClean="0"/>
+              <a:t>, </a:t>
+            </a:r>
+            <a:r>
+              <a:rPr lang="hu-HU" dirty="0" err="1" smtClean="0"/>
+              <a:t>general</a:t>
+            </a:r>
+            <a:r>
+              <a:rPr lang="hu-HU" dirty="0" smtClean="0"/>
+              <a:t> </a:t>
+            </a:r>
+            <a:r>
+              <a:rPr lang="hu-HU" dirty="0" err="1" smtClean="0"/>
+              <a:t>network</a:t>
             </a:r>
             <a:endParaRPr lang="hu-HU" dirty="0" smtClean="0"/>
-          </a:p>
-          <a:p>
-            <a:r>
-              <a:rPr lang="hu-HU" dirty="0" smtClean="0"/>
-              <a:t>S-gráf</a:t>
-            </a:r>
-          </a:p>
-          <a:p>
-            <a:pPr lvl="1"/>
-            <a:r>
-              <a:rPr lang="hu-HU" dirty="0" smtClean="0"/>
-              <a:t>Vizuális reprezentáció + matematikai modell irányított gráfokkal</a:t>
-            </a:r>
-          </a:p>
-          <a:p>
-            <a:r>
-              <a:rPr lang="hu-HU" dirty="0" smtClean="0"/>
-              <a:t>Petri háló</a:t>
-            </a:r>
           </a:p>
           <a:p>
             <a:pPr>
               <a:buNone/>
             </a:pPr>
-            <a:endParaRPr lang="hu-HU" dirty="0" smtClean="0"/>
-          </a:p>
-          <a:p>
-            <a:pPr marL="444500" lvl="1" indent="-236538"/>
-            <a:endParaRPr lang="hu-HU" baseline="-25000" dirty="0" smtClean="0"/>
+            <a:endParaRPr lang="hu-HU" dirty="0"/>
           </a:p>
         </p:txBody>
       </p:sp>
@@ -7647,7 +7900,7 @@
           <a:p>
             <a:r>
               <a:rPr lang="hu-HU" dirty="0" smtClean="0"/>
-              <a:t>Időzített automaták</a:t>
+              <a:t>Egyéb megoldó módszerek</a:t>
             </a:r>
             <a:endParaRPr lang="hu-HU" dirty="0"/>
           </a:p>
@@ -7665,195 +7918,94 @@
         </p:nvSpPr>
         <p:spPr/>
         <p:txBody>
-          <a:bodyPr>
-            <a:normAutofit/>
-          </a:bodyPr>
+          <a:bodyPr/>
           <a:lstStyle/>
+          <a:p>
+            <a:r>
+              <a:rPr lang="hu-HU" dirty="0" smtClean="0"/>
+              <a:t>MILP</a:t>
+            </a:r>
+          </a:p>
+          <a:p>
+            <a:pPr lvl="1"/>
+            <a:r>
+              <a:rPr lang="hu-HU" dirty="0" smtClean="0"/>
+              <a:t>Időfelosztásos:  </a:t>
+            </a:r>
+            <a:r>
+              <a:rPr lang="hu-HU" dirty="0" err="1" smtClean="0"/>
+              <a:t>x</a:t>
+            </a:r>
+            <a:r>
+              <a:rPr lang="hu-HU" baseline="-25000" dirty="0" err="1" smtClean="0"/>
+              <a:t>tij</a:t>
+            </a:r>
+            <a:endParaRPr lang="hu-HU" baseline="-25000" dirty="0" smtClean="0"/>
+          </a:p>
+          <a:p>
+            <a:pPr lvl="1"/>
+            <a:r>
+              <a:rPr lang="hu-HU" dirty="0" err="1" smtClean="0"/>
+              <a:t>Precedencia</a:t>
+            </a:r>
+            <a:r>
+              <a:rPr lang="hu-HU" dirty="0" smtClean="0"/>
+              <a:t> alapú:  </a:t>
+            </a:r>
+            <a:r>
+              <a:rPr lang="hu-HU" dirty="0" err="1" smtClean="0"/>
+              <a:t>Y</a:t>
+            </a:r>
+            <a:r>
+              <a:rPr lang="hu-HU" baseline="-25000" dirty="0" err="1" smtClean="0"/>
+              <a:t>ij</a:t>
+            </a:r>
+            <a:r>
+              <a:rPr lang="hu-HU" dirty="0" smtClean="0"/>
+              <a:t>, </a:t>
+            </a:r>
+            <a:r>
+              <a:rPr lang="hu-HU" dirty="0" err="1" smtClean="0"/>
+              <a:t>x</a:t>
+            </a:r>
+            <a:r>
+              <a:rPr lang="hu-HU" baseline="-25000" dirty="0" err="1" smtClean="0"/>
+              <a:t>ii</a:t>
+            </a:r>
+            <a:r>
+              <a:rPr lang="hu-HU" baseline="-25000" dirty="0" smtClean="0"/>
+              <a:t>’</a:t>
+            </a:r>
+            <a:endParaRPr lang="hu-HU" dirty="0" smtClean="0"/>
+          </a:p>
+          <a:p>
+            <a:r>
+              <a:rPr lang="hu-HU" dirty="0" smtClean="0"/>
+              <a:t>S-gráf</a:t>
+            </a:r>
+          </a:p>
+          <a:p>
+            <a:pPr lvl="1"/>
+            <a:r>
+              <a:rPr lang="hu-HU" dirty="0" smtClean="0"/>
+              <a:t>Vizuális reprezentáció + matematikai modell irányított gráfokkal</a:t>
+            </a:r>
+          </a:p>
+          <a:p>
+            <a:r>
+              <a:rPr lang="hu-HU" dirty="0" smtClean="0"/>
+              <a:t>Petri háló</a:t>
+            </a:r>
+          </a:p>
           <a:p>
             <a:pPr>
               <a:buNone/>
             </a:pPr>
-            <a:r>
-              <a:rPr lang="hu-HU" dirty="0" smtClean="0"/>
-              <a:t>Megadása:</a:t>
-            </a:r>
-          </a:p>
-          <a:p>
-            <a:pPr>
-              <a:buNone/>
-            </a:pPr>
-            <a:r>
-              <a:rPr lang="hu-HU" dirty="0" smtClean="0"/>
-              <a:t>M = (K, </a:t>
-            </a:r>
-            <a:r>
-              <a:rPr lang="hu-HU" dirty="0" smtClean="0">
-                <a:sym typeface="Symbol"/>
-              </a:rPr>
-              <a:t></a:t>
-            </a:r>
-            <a:r>
-              <a:rPr lang="hu-HU" dirty="0" smtClean="0"/>
-              <a:t>, C, </a:t>
-            </a:r>
-            <a:r>
-              <a:rPr lang="hu-HU" dirty="0" err="1" smtClean="0"/>
-              <a:t>Tra</a:t>
-            </a:r>
-            <a:r>
-              <a:rPr lang="hu-HU" dirty="0" smtClean="0"/>
-              <a:t>, </a:t>
-            </a:r>
-            <a:r>
-              <a:rPr lang="hu-HU" dirty="0" err="1" smtClean="0"/>
-              <a:t>Inv</a:t>
-            </a:r>
-            <a:r>
-              <a:rPr lang="hu-HU" dirty="0" smtClean="0"/>
-              <a:t>,</a:t>
-            </a:r>
-            <a:r>
-              <a:rPr lang="hu-HU" dirty="0" smtClean="0">
-                <a:sym typeface="Symbol"/>
-              </a:rPr>
-              <a:t> s</a:t>
-            </a:r>
-            <a:r>
-              <a:rPr lang="hu-HU" dirty="0" smtClean="0"/>
-              <a:t>)</a:t>
-            </a:r>
-          </a:p>
-          <a:p>
-            <a:pPr lvl="2"/>
-            <a:r>
-              <a:rPr lang="hu-HU" dirty="0" smtClean="0"/>
-              <a:t>K – állapotok</a:t>
-            </a:r>
-          </a:p>
-          <a:p>
-            <a:pPr lvl="2"/>
-            <a:r>
-              <a:rPr lang="hu-HU" dirty="0" smtClean="0">
-                <a:sym typeface="Symbol"/>
-              </a:rPr>
-              <a:t> - események</a:t>
-            </a:r>
-          </a:p>
-          <a:p>
-            <a:pPr lvl="2"/>
-            <a:r>
-              <a:rPr lang="hu-HU" dirty="0" smtClean="0">
-                <a:sym typeface="Symbol"/>
-              </a:rPr>
-              <a:t>C – órák</a:t>
-            </a:r>
-          </a:p>
-          <a:p>
-            <a:pPr lvl="2"/>
-            <a:r>
-              <a:rPr lang="hu-HU" dirty="0" err="1" smtClean="0">
-                <a:sym typeface="Symbol"/>
-              </a:rPr>
-              <a:t>Tra</a:t>
-            </a:r>
-            <a:r>
-              <a:rPr lang="hu-HU" dirty="0" smtClean="0">
-                <a:sym typeface="Symbol"/>
-              </a:rPr>
-              <a:t> – időzített átmenetek</a:t>
-            </a:r>
-          </a:p>
-          <a:p>
-            <a:pPr lvl="2"/>
-            <a:r>
-              <a:rPr lang="hu-HU" dirty="0" err="1" smtClean="0">
-                <a:sym typeface="Symbol"/>
-              </a:rPr>
-              <a:t>Inv</a:t>
-            </a:r>
-            <a:r>
-              <a:rPr lang="hu-HU" dirty="0" smtClean="0">
-                <a:sym typeface="Symbol"/>
-              </a:rPr>
-              <a:t> – állapot állandó</a:t>
-            </a:r>
-          </a:p>
-          <a:p>
-            <a:pPr lvl="2"/>
-            <a:r>
-              <a:rPr lang="hu-HU" dirty="0" smtClean="0">
-                <a:sym typeface="Symbol"/>
-              </a:rPr>
-              <a:t>s – </a:t>
-            </a:r>
-            <a:r>
-              <a:rPr lang="hu-HU" dirty="0" smtClean="0">
-                <a:sym typeface="Symbol"/>
-              </a:rPr>
-              <a:t>kezdőállapot</a:t>
-            </a:r>
-          </a:p>
-          <a:p>
-            <a:pPr lvl="2"/>
-            <a:endParaRPr lang="hu-HU" dirty="0" smtClean="0">
-              <a:sym typeface="Symbol"/>
-            </a:endParaRPr>
-          </a:p>
-          <a:p>
-            <a:pPr marL="228600" lvl="2" indent="-49213">
-              <a:buNone/>
-            </a:pPr>
-            <a:r>
-              <a:rPr lang="hu-HU" sz="3200" dirty="0" smtClean="0">
-                <a:sym typeface="Symbol"/>
-              </a:rPr>
-              <a:t>LPTA – </a:t>
-            </a:r>
-            <a:r>
-              <a:rPr lang="hu-HU" sz="3200" dirty="0" err="1" smtClean="0">
-                <a:sym typeface="Symbol"/>
-              </a:rPr>
-              <a:t>linearly</a:t>
-            </a:r>
-            <a:r>
-              <a:rPr lang="hu-HU" sz="3200" dirty="0" smtClean="0">
-                <a:sym typeface="Symbol"/>
-              </a:rPr>
-              <a:t> </a:t>
-            </a:r>
-            <a:r>
-              <a:rPr lang="hu-HU" sz="3200" dirty="0" err="1" smtClean="0">
-                <a:sym typeface="Symbol"/>
-              </a:rPr>
-              <a:t>prised</a:t>
-            </a:r>
-            <a:r>
-              <a:rPr lang="hu-HU" sz="3200" dirty="0" smtClean="0">
-                <a:sym typeface="Symbol"/>
-              </a:rPr>
-              <a:t> </a:t>
-            </a:r>
-            <a:r>
-              <a:rPr lang="hu-HU" sz="3200" dirty="0" err="1" smtClean="0">
-                <a:sym typeface="Symbol"/>
-              </a:rPr>
-              <a:t>timed</a:t>
-            </a:r>
-            <a:r>
-              <a:rPr lang="hu-HU" sz="3200" dirty="0" smtClean="0">
-                <a:sym typeface="Symbol"/>
-              </a:rPr>
-              <a:t> automata</a:t>
-            </a:r>
-            <a:endParaRPr lang="hu-HU" sz="3200" dirty="0" smtClean="0">
-              <a:sym typeface="Symbol"/>
-            </a:endParaRPr>
-          </a:p>
-          <a:p>
-            <a:pPr lvl="2">
-              <a:buNone/>
-            </a:pPr>
             <a:endParaRPr lang="hu-HU" dirty="0" smtClean="0"/>
+          </a:p>
+          <a:p>
+            <a:pPr marL="444500" lvl="1" indent="-236538"/>
+            <a:endParaRPr lang="hu-HU" baseline="-25000" dirty="0" smtClean="0"/>
           </a:p>
         </p:txBody>
       </p:sp>
@@ -7930,21 +8082,238 @@
           <a:p>
             <a:r>
               <a:rPr lang="hu-HU" dirty="0" smtClean="0"/>
-              <a:t>Problémadefiníció</a:t>
+              <a:t>Időzített automaták</a:t>
             </a:r>
             <a:endParaRPr lang="hu-HU" dirty="0"/>
+          </a:p>
+        </p:txBody>
+      </p:sp>
+      <p:sp>
+        <p:nvSpPr>
+          <p:cNvPr id="3" name="Tartalom helye 2"/>
+          <p:cNvSpPr>
+            <a:spLocks noGrp="1"/>
+          </p:cNvSpPr>
+          <p:nvPr>
+            <p:ph idx="1"/>
+          </p:nvPr>
+        </p:nvSpPr>
+        <p:spPr/>
+        <p:txBody>
+          <a:bodyPr>
+            <a:normAutofit/>
+          </a:bodyPr>
+          <a:lstStyle/>
+          <a:p>
+            <a:pPr>
+              <a:buNone/>
+            </a:pPr>
+            <a:r>
+              <a:rPr lang="hu-HU" dirty="0" smtClean="0"/>
+              <a:t>Megadása:</a:t>
+            </a:r>
+          </a:p>
+          <a:p>
+            <a:pPr>
+              <a:buNone/>
+            </a:pPr>
+            <a:r>
+              <a:rPr lang="hu-HU" dirty="0" smtClean="0"/>
+              <a:t>M = (K, </a:t>
+            </a:r>
+            <a:r>
+              <a:rPr lang="hu-HU" dirty="0" smtClean="0">
+                <a:sym typeface="Symbol"/>
+              </a:rPr>
+              <a:t></a:t>
+            </a:r>
+            <a:r>
+              <a:rPr lang="hu-HU" dirty="0" smtClean="0"/>
+              <a:t>, C, </a:t>
+            </a:r>
+            <a:r>
+              <a:rPr lang="hu-HU" dirty="0" err="1" smtClean="0"/>
+              <a:t>Tra</a:t>
+            </a:r>
+            <a:r>
+              <a:rPr lang="hu-HU" dirty="0" smtClean="0"/>
+              <a:t>, </a:t>
+            </a:r>
+            <a:r>
+              <a:rPr lang="hu-HU" dirty="0" err="1" smtClean="0"/>
+              <a:t>Inv</a:t>
+            </a:r>
+            <a:r>
+              <a:rPr lang="hu-HU" dirty="0" smtClean="0"/>
+              <a:t>,</a:t>
+            </a:r>
+            <a:r>
+              <a:rPr lang="hu-HU" dirty="0" smtClean="0">
+                <a:sym typeface="Symbol"/>
+              </a:rPr>
+              <a:t> s</a:t>
+            </a:r>
+            <a:r>
+              <a:rPr lang="hu-HU" dirty="0" smtClean="0"/>
+              <a:t>)</a:t>
+            </a:r>
+          </a:p>
+          <a:p>
+            <a:pPr lvl="2"/>
+            <a:r>
+              <a:rPr lang="hu-HU" dirty="0" smtClean="0"/>
+              <a:t>K – állapotok</a:t>
+            </a:r>
+          </a:p>
+          <a:p>
+            <a:pPr lvl="2"/>
+            <a:r>
+              <a:rPr lang="hu-HU" dirty="0" smtClean="0">
+                <a:sym typeface="Symbol"/>
+              </a:rPr>
+              <a:t> - események</a:t>
+            </a:r>
+          </a:p>
+          <a:p>
+            <a:pPr lvl="2"/>
+            <a:r>
+              <a:rPr lang="hu-HU" dirty="0" smtClean="0">
+                <a:sym typeface="Symbol"/>
+              </a:rPr>
+              <a:t>C – órák</a:t>
+            </a:r>
+          </a:p>
+          <a:p>
+            <a:pPr lvl="2"/>
+            <a:r>
+              <a:rPr lang="hu-HU" dirty="0" err="1" smtClean="0">
+                <a:sym typeface="Symbol"/>
+              </a:rPr>
+              <a:t>Tra</a:t>
+            </a:r>
+            <a:r>
+              <a:rPr lang="hu-HU" dirty="0" smtClean="0">
+                <a:sym typeface="Symbol"/>
+              </a:rPr>
+              <a:t> – időzített átmenetek</a:t>
+            </a:r>
+          </a:p>
+          <a:p>
+            <a:pPr lvl="2"/>
+            <a:r>
+              <a:rPr lang="hu-HU" dirty="0" err="1" smtClean="0">
+                <a:sym typeface="Symbol"/>
+              </a:rPr>
+              <a:t>Inv</a:t>
+            </a:r>
+            <a:r>
+              <a:rPr lang="hu-HU" dirty="0" smtClean="0">
+                <a:sym typeface="Symbol"/>
+              </a:rPr>
+              <a:t> – állapot állandó</a:t>
+            </a:r>
+          </a:p>
+          <a:p>
+            <a:pPr lvl="2"/>
+            <a:r>
+              <a:rPr lang="hu-HU" dirty="0" smtClean="0">
+                <a:sym typeface="Symbol"/>
+              </a:rPr>
+              <a:t>s – kezdőállapot</a:t>
+            </a:r>
+          </a:p>
+          <a:p>
+            <a:pPr lvl="2"/>
+            <a:endParaRPr lang="hu-HU" dirty="0" smtClean="0">
+              <a:sym typeface="Symbol"/>
+            </a:endParaRPr>
+          </a:p>
+          <a:p>
+            <a:pPr marL="228600" lvl="2" indent="-49213">
+              <a:buNone/>
+            </a:pPr>
+            <a:r>
+              <a:rPr lang="hu-HU" sz="3200" dirty="0" smtClean="0">
+                <a:sym typeface="Symbol"/>
+              </a:rPr>
+              <a:t>LPTA – </a:t>
+            </a:r>
+            <a:r>
+              <a:rPr lang="hu-HU" sz="3200" dirty="0" err="1" smtClean="0">
+                <a:sym typeface="Symbol"/>
+              </a:rPr>
+              <a:t>linearly</a:t>
+            </a:r>
+            <a:r>
+              <a:rPr lang="hu-HU" sz="3200" dirty="0" smtClean="0">
+                <a:sym typeface="Symbol"/>
+              </a:rPr>
+              <a:t> </a:t>
+            </a:r>
+            <a:r>
+              <a:rPr lang="hu-HU" sz="3200" dirty="0" err="1" smtClean="0">
+                <a:sym typeface="Symbol"/>
+              </a:rPr>
+              <a:t>priced</a:t>
+            </a:r>
+            <a:r>
+              <a:rPr lang="hu-HU" sz="3200" dirty="0" smtClean="0">
+                <a:sym typeface="Symbol"/>
+              </a:rPr>
+              <a:t> </a:t>
+            </a:r>
+            <a:r>
+              <a:rPr lang="hu-HU" sz="3200" dirty="0" err="1" smtClean="0">
+                <a:sym typeface="Symbol"/>
+              </a:rPr>
+              <a:t>timed</a:t>
+            </a:r>
+            <a:r>
+              <a:rPr lang="hu-HU" sz="3200" dirty="0" smtClean="0">
+                <a:sym typeface="Symbol"/>
+              </a:rPr>
+              <a:t> automata</a:t>
+            </a:r>
+          </a:p>
+          <a:p>
+            <a:pPr lvl="2">
+              <a:buNone/>
+            </a:pPr>
+            <a:endParaRPr lang="hu-HU" dirty="0" smtClean="0"/>
+          </a:p>
+        </p:txBody>
+      </p:sp>
+      <p:sp>
+        <p:nvSpPr>
+          <p:cNvPr id="4" name="Dia számának helye 3"/>
+          <p:cNvSpPr>
+            <a:spLocks noGrp="1"/>
+          </p:cNvSpPr>
+          <p:nvPr>
+            <p:ph type="sldNum" sz="quarter" idx="12"/>
+          </p:nvPr>
+        </p:nvSpPr>
+        <p:spPr/>
+        <p:txBody>
+          <a:bodyPr/>
+          <a:lstStyle/>
+          <a:p>
+            <a:fld id="{BF501CA5-1824-45DC-9B86-97C0B54F8DA5}" type="slidenum">
+              <a:rPr lang="hu-HU" smtClean="0"/>
+              <a:pPr/>
+              <a:t>6</a:t>
+            </a:fld>
+            <a:endParaRPr lang="hu-HU"/>
           </a:p>
         </p:txBody>
       </p:sp>
       <p:pic>
         <p:nvPicPr>
-          <p:cNvPr id="5" name="Tartalom helye 4" descr="reszlet.PNG"/>
+          <p:cNvPr id="5" name="Kép 4" descr="pélsa.png"/>
           <p:cNvPicPr>
-            <a:picLocks noGrp="1" noChangeAspect="1"/>
+            <a:picLocks noChangeAspect="1"/>
           </p:cNvPicPr>
-          <p:nvPr>
-            <p:ph idx="1"/>
-          </p:nvPr>
+          <p:nvPr/>
         </p:nvPicPr>
         <p:blipFill>
           <a:blip r:embed="rId2" cstate="print"/>
@@ -7954,129 +8323,14 @@
         </p:blipFill>
         <p:spPr>
           <a:xfrm>
-            <a:off x="2050051" y="1915998"/>
-            <a:ext cx="5906325" cy="2953162"/>
-          </a:xfrm>
-        </p:spPr>
-      </p:pic>
-      <p:sp>
-        <p:nvSpPr>
-          <p:cNvPr id="4" name="Dia számának helye 3"/>
-          <p:cNvSpPr>
-            <a:spLocks noGrp="1"/>
-          </p:cNvSpPr>
-          <p:nvPr>
-            <p:ph type="sldNum" sz="quarter" idx="12"/>
-          </p:nvPr>
-        </p:nvSpPr>
-        <p:spPr/>
-        <p:txBody>
-          <a:bodyPr/>
-          <a:lstStyle/>
-          <a:p>
-            <a:fld id="{BF501CA5-1824-45DC-9B86-97C0B54F8DA5}" type="slidenum">
-              <a:rPr lang="hu-HU" smtClean="0"/>
-              <a:pPr/>
-              <a:t>6</a:t>
-            </a:fld>
-            <a:endParaRPr lang="hu-HU"/>
-          </a:p>
-        </p:txBody>
-      </p:sp>
-      <p:pic>
-        <p:nvPicPr>
-          <p:cNvPr id="6" name="Kép 5" descr="reszlet2.PNG"/>
-          <p:cNvPicPr>
-            <a:picLocks noChangeAspect="1"/>
-          </p:cNvPicPr>
-          <p:nvPr/>
-        </p:nvPicPr>
-        <p:blipFill>
-          <a:blip r:embed="rId3" cstate="print"/>
-          <a:stretch>
-            <a:fillRect/>
-          </a:stretch>
-        </p:blipFill>
-        <p:spPr>
-          <a:xfrm>
-            <a:off x="2192752" y="5026724"/>
-            <a:ext cx="5580000" cy="418500"/>
+            <a:off x="5543600" y="2276872"/>
+            <a:ext cx="3600400" cy="2206696"/>
           </a:xfrm>
           <a:prstGeom prst="rect">
             <a:avLst/>
           </a:prstGeom>
         </p:spPr>
       </p:pic>
-      <p:sp>
-        <p:nvSpPr>
-          <p:cNvPr id="10" name="Szövegdoboz 9"/>
-          <p:cNvSpPr txBox="1"/>
-          <p:nvPr/>
-        </p:nvSpPr>
-        <p:spPr>
-          <a:xfrm>
-            <a:off x="1475656" y="5603756"/>
-            <a:ext cx="7344816" cy="2062103"/>
-          </a:xfrm>
-          <a:prstGeom prst="rect">
-            <a:avLst/>
-          </a:prstGeom>
-          <a:noFill/>
-        </p:spPr>
-        <p:txBody>
-          <a:bodyPr wrap="square" rtlCol="0">
-            <a:spAutoFit/>
-          </a:bodyPr>
-          <a:lstStyle/>
-          <a:p>
-            <a:pPr algn="ctr"/>
-            <a:r>
-              <a:rPr lang="hu-HU" sz="3200" dirty="0" smtClean="0"/>
-              <a:t>Feladat:  költségoptimalizálás a tárolás minimalizálásával </a:t>
-            </a:r>
-          </a:p>
-          <a:p>
-            <a:endParaRPr lang="hu-HU" sz="3200" dirty="0" smtClean="0"/>
-          </a:p>
-          <a:p>
-            <a:endParaRPr lang="hu-HU" sz="3200" dirty="0" smtClean="0"/>
-          </a:p>
-        </p:txBody>
-      </p:sp>
-      <p:sp>
-        <p:nvSpPr>
-          <p:cNvPr id="7" name="Szövegdoboz 6"/>
-          <p:cNvSpPr txBox="1"/>
-          <p:nvPr/>
-        </p:nvSpPr>
-        <p:spPr>
-          <a:xfrm>
-            <a:off x="1331640" y="1340768"/>
-            <a:ext cx="1728192" cy="369332"/>
-          </a:xfrm>
-          <a:prstGeom prst="rect">
-            <a:avLst/>
-          </a:prstGeom>
-          <a:noFill/>
-        </p:spPr>
-        <p:txBody>
-          <a:bodyPr wrap="square" rtlCol="0">
-            <a:spAutoFit/>
-          </a:bodyPr>
-          <a:lstStyle/>
-          <a:p>
-            <a:r>
-              <a:rPr lang="hu-HU" dirty="0" err="1" smtClean="0"/>
-              <a:t>Kopanos</a:t>
-            </a:r>
-            <a:r>
-              <a:rPr lang="hu-HU" dirty="0" smtClean="0"/>
-              <a:t>:</a:t>
-            </a:r>
-            <a:endParaRPr lang="hu-HU" dirty="0"/>
-          </a:p>
-        </p:txBody>
-      </p:sp>
     </p:spTree>
   </p:cSld>
   <p:clrMapOvr>
@@ -8126,12 +8380,35 @@
           <a:p>
             <a:r>
               <a:rPr lang="hu-HU" dirty="0" smtClean="0"/>
-              <a:t>UPPAAL</a:t>
+              <a:t>Problémadefiníció</a:t>
             </a:r>
             <a:endParaRPr lang="hu-HU" dirty="0"/>
           </a:p>
         </p:txBody>
       </p:sp>
+      <p:pic>
+        <p:nvPicPr>
+          <p:cNvPr id="5" name="Tartalom helye 4" descr="reszlet.PNG"/>
+          <p:cNvPicPr>
+            <a:picLocks noGrp="1" noChangeAspect="1"/>
+          </p:cNvPicPr>
+          <p:nvPr>
+            <p:ph idx="1"/>
+          </p:nvPr>
+        </p:nvPicPr>
+        <p:blipFill>
+          <a:blip r:embed="rId2" cstate="print"/>
+          <a:stretch>
+            <a:fillRect/>
+          </a:stretch>
+        </p:blipFill>
+        <p:spPr>
+          <a:xfrm>
+            <a:off x="2050051" y="1915998"/>
+            <a:ext cx="5906325" cy="2953162"/>
+          </a:xfrm>
+        </p:spPr>
+      </p:pic>
       <p:sp>
         <p:nvSpPr>
           <p:cNvPr id="4" name="Dia számának helye 3"/>
@@ -8151,6 +8428,183 @@
               <a:rPr lang="hu-HU" smtClean="0"/>
               <a:pPr/>
               <a:t>7</a:t>
+            </a:fld>
+            <a:endParaRPr lang="hu-HU"/>
+          </a:p>
+        </p:txBody>
+      </p:sp>
+      <p:pic>
+        <p:nvPicPr>
+          <p:cNvPr id="6" name="Kép 5" descr="reszlet2.PNG"/>
+          <p:cNvPicPr>
+            <a:picLocks noChangeAspect="1"/>
+          </p:cNvPicPr>
+          <p:nvPr/>
+        </p:nvPicPr>
+        <p:blipFill>
+          <a:blip r:embed="rId3" cstate="print"/>
+          <a:stretch>
+            <a:fillRect/>
+          </a:stretch>
+        </p:blipFill>
+        <p:spPr>
+          <a:xfrm>
+            <a:off x="2192752" y="5026724"/>
+            <a:ext cx="5580000" cy="418500"/>
+          </a:xfrm>
+          <a:prstGeom prst="rect">
+            <a:avLst/>
+          </a:prstGeom>
+        </p:spPr>
+      </p:pic>
+      <p:sp>
+        <p:nvSpPr>
+          <p:cNvPr id="10" name="Szövegdoboz 9"/>
+          <p:cNvSpPr txBox="1"/>
+          <p:nvPr/>
+        </p:nvSpPr>
+        <p:spPr>
+          <a:xfrm>
+            <a:off x="1475656" y="5603756"/>
+            <a:ext cx="7344816" cy="2554545"/>
+          </a:xfrm>
+          <a:prstGeom prst="rect">
+            <a:avLst/>
+          </a:prstGeom>
+          <a:noFill/>
+        </p:spPr>
+        <p:txBody>
+          <a:bodyPr wrap="square" rtlCol="0">
+            <a:spAutoFit/>
+          </a:bodyPr>
+          <a:lstStyle/>
+          <a:p>
+            <a:pPr algn="ctr"/>
+            <a:r>
+              <a:rPr lang="hu-HU" sz="3200" dirty="0" smtClean="0"/>
+              <a:t>Feladat:  Késztermék tárolási költségének minimalizálása</a:t>
+            </a:r>
+          </a:p>
+          <a:p>
+            <a:pPr algn="ctr"/>
+            <a:endParaRPr lang="hu-HU" sz="3200" dirty="0" smtClean="0"/>
+          </a:p>
+          <a:p>
+            <a:endParaRPr lang="hu-HU" sz="3200" dirty="0" smtClean="0"/>
+          </a:p>
+          <a:p>
+            <a:endParaRPr lang="hu-HU" sz="3200" dirty="0" smtClean="0"/>
+          </a:p>
+        </p:txBody>
+      </p:sp>
+      <p:sp>
+        <p:nvSpPr>
+          <p:cNvPr id="7" name="Szövegdoboz 6"/>
+          <p:cNvSpPr txBox="1"/>
+          <p:nvPr/>
+        </p:nvSpPr>
+        <p:spPr>
+          <a:xfrm>
+            <a:off x="1331640" y="1340768"/>
+            <a:ext cx="2736304" cy="369332"/>
+          </a:xfrm>
+          <a:prstGeom prst="rect">
+            <a:avLst/>
+          </a:prstGeom>
+          <a:noFill/>
+        </p:spPr>
+        <p:txBody>
+          <a:bodyPr wrap="square" rtlCol="0">
+            <a:spAutoFit/>
+          </a:bodyPr>
+          <a:lstStyle/>
+          <a:p>
+            <a:r>
+              <a:rPr lang="hu-HU" dirty="0" err="1" smtClean="0"/>
+              <a:t>Kopanos</a:t>
+            </a:r>
+            <a:r>
+              <a:rPr lang="hu-HU" dirty="0" smtClean="0"/>
+              <a:t> és társai (2009)</a:t>
+            </a:r>
+            <a:endParaRPr lang="hu-HU" dirty="0"/>
+          </a:p>
+        </p:txBody>
+      </p:sp>
+    </p:spTree>
+  </p:cSld>
+  <p:clrMapOvr>
+    <a:masterClrMapping/>
+  </p:clrMapOvr>
+  <p:timing>
+    <p:tnLst>
+      <p:par>
+        <p:cTn id="1" dur="indefinite" restart="never" nodeType="tmRoot"/>
+      </p:par>
+    </p:tnLst>
+  </p:timing>
+</p:sld>
+</file>
+
+<file path=ppt/slides/slide8.xml><?xml version="1.0" encoding="utf-8"?>
+<p:sld xmlns:a="http://schemas.openxmlformats.org/drawingml/2006/main" xmlns:r="http://schemas.openxmlformats.org/officeDocument/2006/relationships" xmlns:p="http://schemas.openxmlformats.org/presentationml/2006/main">
+  <p:cSld>
+    <p:spTree>
+      <p:nvGrpSpPr>
+        <p:cNvPr id="1" name=""/>
+        <p:cNvGrpSpPr/>
+        <p:nvPr/>
+      </p:nvGrpSpPr>
+      <p:grpSpPr>
+        <a:xfrm>
+          <a:off x="0" y="0"/>
+          <a:ext cx="0" cy="0"/>
+          <a:chOff x="0" y="0"/>
+          <a:chExt cx="0" cy="0"/>
+        </a:xfrm>
+      </p:grpSpPr>
+      <p:sp>
+        <p:nvSpPr>
+          <p:cNvPr id="2" name="Cím 1"/>
+          <p:cNvSpPr>
+            <a:spLocks noGrp="1"/>
+          </p:cNvSpPr>
+          <p:nvPr>
+            <p:ph type="title"/>
+          </p:nvPr>
+        </p:nvSpPr>
+        <p:spPr/>
+        <p:txBody>
+          <a:bodyPr/>
+          <a:lstStyle/>
+          <a:p>
+            <a:r>
+              <a:rPr lang="hu-HU" dirty="0" smtClean="0"/>
+              <a:t>UPPAAL</a:t>
+            </a:r>
+            <a:endParaRPr lang="hu-HU" dirty="0"/>
+          </a:p>
+        </p:txBody>
+      </p:sp>
+      <p:sp>
+        <p:nvSpPr>
+          <p:cNvPr id="4" name="Dia számának helye 3"/>
+          <p:cNvSpPr>
+            <a:spLocks noGrp="1"/>
+          </p:cNvSpPr>
+          <p:nvPr>
+            <p:ph type="sldNum" sz="quarter" idx="12"/>
+          </p:nvPr>
+        </p:nvSpPr>
+        <p:spPr/>
+        <p:txBody>
+          <a:bodyPr/>
+          <a:lstStyle/>
+          <a:p>
+            <a:fld id="{BF501CA5-1824-45DC-9B86-97C0B54F8DA5}" type="slidenum">
+              <a:rPr lang="hu-HU" smtClean="0"/>
+              <a:pPr/>
+              <a:t>8</a:t>
             </a:fld>
             <a:endParaRPr lang="hu-HU"/>
           </a:p>
@@ -8252,7 +8706,7 @@
 </p:sld>
 </file>
 
-<file path=ppt/slides/slide8.xml><?xml version="1.0" encoding="utf-8"?>
+<file path=ppt/slides/slide9.xml><?xml version="1.0" encoding="utf-8"?>
 <p:sld xmlns:a="http://schemas.openxmlformats.org/drawingml/2006/main" xmlns:r="http://schemas.openxmlformats.org/officeDocument/2006/relationships" xmlns:p="http://schemas.openxmlformats.org/presentationml/2006/main">
   <p:cSld>
     <p:spTree>
@@ -8336,7 +8790,7 @@
             <a:fld id="{BF501CA5-1824-45DC-9B86-97C0B54F8DA5}" type="slidenum">
               <a:rPr lang="hu-HU" smtClean="0"/>
               <a:pPr/>
-              <a:t>8</a:t>
+              <a:t>9</a:t>
             </a:fld>
             <a:endParaRPr lang="hu-HU"/>
           </a:p>
@@ -8364,134 +8818,6 @@
           <a:prstGeom prst="rect">
             <a:avLst/>
           </a:prstGeom>
-        </p:spPr>
-      </p:pic>
-    </p:spTree>
-  </p:cSld>
-  <p:clrMapOvr>
-    <a:masterClrMapping/>
-  </p:clrMapOvr>
-  <p:timing>
-    <p:tnLst>
-      <p:par>
-        <p:cTn id="1" dur="indefinite" restart="never" nodeType="tmRoot"/>
-      </p:par>
-    </p:tnLst>
-  </p:timing>
-</p:sld>
-</file>
-
-<file path=ppt/slides/slide9.xml><?xml version="1.0" encoding="utf-8"?>
-<p:sld xmlns:a="http://schemas.openxmlformats.org/drawingml/2006/main" xmlns:r="http://schemas.openxmlformats.org/officeDocument/2006/relationships" xmlns:p="http://schemas.openxmlformats.org/presentationml/2006/main">
-  <p:cSld>
-    <p:spTree>
-      <p:nvGrpSpPr>
-        <p:cNvPr id="1" name=""/>
-        <p:cNvGrpSpPr/>
-        <p:nvPr/>
-      </p:nvGrpSpPr>
-      <p:grpSpPr>
-        <a:xfrm>
-          <a:off x="0" y="0"/>
-          <a:ext cx="0" cy="0"/>
-          <a:chOff x="0" y="0"/>
-          <a:chExt cx="0" cy="0"/>
-        </a:xfrm>
-      </p:grpSpPr>
-      <p:sp>
-        <p:nvSpPr>
-          <p:cNvPr id="2" name="Cím 1"/>
-          <p:cNvSpPr>
-            <a:spLocks noGrp="1"/>
-          </p:cNvSpPr>
-          <p:nvPr>
-            <p:ph type="title"/>
-          </p:nvPr>
-        </p:nvSpPr>
-        <p:spPr/>
-        <p:txBody>
-          <a:bodyPr/>
-          <a:lstStyle/>
-          <a:p>
-            <a:endParaRPr lang="hu-HU" dirty="0"/>
-          </a:p>
-        </p:txBody>
-      </p:sp>
-      <p:sp>
-        <p:nvSpPr>
-          <p:cNvPr id="4" name="Dia számának helye 3"/>
-          <p:cNvSpPr>
-            <a:spLocks noGrp="1"/>
-          </p:cNvSpPr>
-          <p:nvPr>
-            <p:ph type="sldNum" sz="quarter" idx="12"/>
-          </p:nvPr>
-        </p:nvSpPr>
-        <p:spPr/>
-        <p:txBody>
-          <a:bodyPr/>
-          <a:lstStyle/>
-          <a:p>
-            <a:fld id="{BF501CA5-1824-45DC-9B86-97C0B54F8DA5}" type="slidenum">
-              <a:rPr lang="hu-HU" smtClean="0"/>
-              <a:pPr/>
-              <a:t>9</a:t>
-            </a:fld>
-            <a:endParaRPr lang="hu-HU"/>
-          </a:p>
-        </p:txBody>
-      </p:sp>
-      <p:sp>
-        <p:nvSpPr>
-          <p:cNvPr id="20" name="Szövegdoboz 19"/>
-          <p:cNvSpPr txBox="1"/>
-          <p:nvPr/>
-        </p:nvSpPr>
-        <p:spPr>
-          <a:xfrm>
-            <a:off x="1043608" y="620688"/>
-            <a:ext cx="7632848" cy="1200329"/>
-          </a:xfrm>
-          <a:prstGeom prst="rect">
-            <a:avLst/>
-          </a:prstGeom>
-          <a:noFill/>
-        </p:spPr>
-        <p:txBody>
-          <a:bodyPr wrap="square" rtlCol="0">
-            <a:spAutoFit/>
-          </a:bodyPr>
-          <a:lstStyle/>
-          <a:p>
-            <a:r>
-              <a:rPr lang="hu-HU" sz="3600" dirty="0" smtClean="0"/>
-              <a:t>	Gép					Feladat					</a:t>
-            </a:r>
-            <a:endParaRPr lang="hu-HU" sz="3600" dirty="0"/>
-          </a:p>
-        </p:txBody>
-      </p:sp>
-      <p:pic>
-        <p:nvPicPr>
-          <p:cNvPr id="12" name="Tartalom helye 11" descr="ábra.png"/>
-          <p:cNvPicPr>
-            <a:picLocks noGrp="1" noChangeAspect="1"/>
-          </p:cNvPicPr>
-          <p:nvPr>
-            <p:ph idx="1"/>
-          </p:nvPr>
-        </p:nvPicPr>
-        <p:blipFill>
-          <a:blip r:embed="rId2" cstate="print"/>
-          <a:stretch>
-            <a:fillRect/>
-          </a:stretch>
-        </p:blipFill>
-        <p:spPr>
-          <a:xfrm>
-            <a:off x="323528" y="1340768"/>
-            <a:ext cx="8652317" cy="4896544"/>
-          </a:xfrm>
         </p:spPr>
       </p:pic>
     </p:spTree>

--- a/prezentáció/Vida Judit LPTA.pptx
+++ b/prezentáció/Vida Judit LPTA.pptx
@@ -5,7 +5,7 @@
     <p:sldMasterId id="2147483660" r:id="rId1"/>
   </p:sldMasterIdLst>
   <p:notesMasterIdLst>
-    <p:notesMasterId r:id="rId17"/>
+    <p:notesMasterId r:id="rId19"/>
   </p:notesMasterIdLst>
   <p:sldIdLst>
     <p:sldId id="256" r:id="rId2"/>
@@ -18,11 +18,13 @@
     <p:sldId id="263" r:id="rId9"/>
     <p:sldId id="262" r:id="rId10"/>
     <p:sldId id="264" r:id="rId11"/>
-    <p:sldId id="265" r:id="rId12"/>
-    <p:sldId id="266" r:id="rId13"/>
-    <p:sldId id="269" r:id="rId14"/>
-    <p:sldId id="270" r:id="rId15"/>
-    <p:sldId id="268" r:id="rId16"/>
+    <p:sldId id="272" r:id="rId12"/>
+    <p:sldId id="273" r:id="rId13"/>
+    <p:sldId id="265" r:id="rId14"/>
+    <p:sldId id="266" r:id="rId15"/>
+    <p:sldId id="269" r:id="rId16"/>
+    <p:sldId id="270" r:id="rId17"/>
+    <p:sldId id="268" r:id="rId18"/>
   </p:sldIdLst>
   <p:sldSz cx="9144000" cy="6858000" type="screen4x3"/>
   <p:notesSz cx="6858000" cy="9144000"/>
@@ -126,9 +128,7 @@
 
 <file path=ppt/charts/chart1.xml><?xml version="1.0" encoding="utf-8"?>
 <c:chartSpace xmlns:c="http://schemas.openxmlformats.org/drawingml/2006/chart" xmlns:a="http://schemas.openxmlformats.org/drawingml/2006/main" xmlns:r="http://schemas.openxmlformats.org/officeDocument/2006/relationships">
-  <c:date1904 val="1"/>
   <c:lang val="hu-HU"/>
-  <c:style val="18"/>
   <c:chart>
     <c:plotArea>
       <c:layout/>
@@ -138,162 +138,109 @@
         <c:ser>
           <c:idx val="0"/>
           <c:order val="0"/>
-          <c:tx>
+          <c:cat>
             <c:strRef>
-              <c:f>Munka1!$E$8</c:f>
+              <c:f>Munka1!$B$14:$B$18</c:f>
               <c:strCache>
-                <c:ptCount val="1"/>
+                <c:ptCount val="5"/>
                 <c:pt idx="0">
+                  <c:v>Modell 1</c:v>
+                </c:pt>
+                <c:pt idx="1">
+                  <c:v>Modell 2</c:v>
+                </c:pt>
+                <c:pt idx="2">
                   <c:v>Modell 3</c:v>
+                </c:pt>
+                <c:pt idx="3">
+                  <c:v>Modell 4</c:v>
+                </c:pt>
+                <c:pt idx="4">
+                  <c:v>Modell 5</c:v>
                 </c:pt>
               </c:strCache>
             </c:strRef>
-          </c:tx>
-          <c:spPr>
-            <a:solidFill>
-              <a:schemeClr val="accent3">
-                <a:lumMod val="75000"/>
-              </a:schemeClr>
-            </a:solidFill>
-          </c:spPr>
-          <c:invertIfNegative val="1"/>
+          </c:cat>
           <c:val>
             <c:numRef>
-              <c:f>Munka1!$F$8:$O$8</c:f>
+              <c:f>Munka1!$C$14:$C$18</c:f>
               <c:numCache>
                 <c:formatCode>General</c:formatCode>
-                <c:ptCount val="10"/>
+                <c:ptCount val="5"/>
                 <c:pt idx="0">
-                  <c:v>7.3000000000000009E-2</c:v>
+                  <c:v>7</c:v>
                 </c:pt>
                 <c:pt idx="1">
-                  <c:v>8.0000000000000016E-2</c:v>
+                  <c:v>6</c:v>
                 </c:pt>
                 <c:pt idx="2">
-                  <c:v>0.1</c:v>
+                  <c:v>7</c:v>
                 </c:pt>
                 <c:pt idx="3">
-                  <c:v>0.21000000000000002</c:v>
+                  <c:v>7</c:v>
                 </c:pt>
                 <c:pt idx="4">
-                  <c:v>0.92</c:v>
-                </c:pt>
-                <c:pt idx="5">
-                  <c:v>4.01</c:v>
-                </c:pt>
-                <c:pt idx="6">
-                  <c:v>24.610000000000003</c:v>
+                  <c:v>10</c:v>
                 </c:pt>
               </c:numCache>
             </c:numRef>
           </c:val>
         </c:ser>
-        <c:ser>
-          <c:idx val="1"/>
-          <c:order val="1"/>
-          <c:tx>
-            <c:strRef>
-              <c:f>Munka1!$E$9</c:f>
-              <c:strCache>
-                <c:ptCount val="1"/>
-                <c:pt idx="0">
-                  <c:v>Modell 5</c:v>
-                </c:pt>
-              </c:strCache>
-            </c:strRef>
-          </c:tx>
-          <c:spPr>
-            <a:solidFill>
-              <a:srgbClr val="00B050"/>
-            </a:solidFill>
-          </c:spPr>
-          <c:val>
-            <c:numRef>
-              <c:f>Munka1!$F$9:$O$9</c:f>
-              <c:numCache>
-                <c:formatCode>General</c:formatCode>
-                <c:ptCount val="10"/>
-                <c:pt idx="0">
-                  <c:v>7.0000000000000021E-2</c:v>
-                </c:pt>
-                <c:pt idx="1">
-                  <c:v>7.6000000000000012E-2</c:v>
-                </c:pt>
-                <c:pt idx="2">
-                  <c:v>7.6000000000000012E-2</c:v>
-                </c:pt>
-                <c:pt idx="3">
-                  <c:v>8.6000000000000035E-2</c:v>
-                </c:pt>
-                <c:pt idx="4">
-                  <c:v>0.11000000000000001</c:v>
-                </c:pt>
-                <c:pt idx="5">
-                  <c:v>0.16000000000000003</c:v>
-                </c:pt>
-                <c:pt idx="6">
-                  <c:v>0.35000000000000003</c:v>
-                </c:pt>
-                <c:pt idx="7">
-                  <c:v>1.7000000000000002</c:v>
-                </c:pt>
-                <c:pt idx="8">
-                  <c:v>2.42</c:v>
-                </c:pt>
-                <c:pt idx="9">
-                  <c:v>30.14</c:v>
-                </c:pt>
-              </c:numCache>
-            </c:numRef>
-          </c:val>
-        </c:ser>
-        <c:axId val="61809408"/>
-        <c:axId val="61810944"/>
+        <c:axId val="49414528"/>
+        <c:axId val="65323776"/>
       </c:barChart>
       <c:catAx>
-        <c:axId val="61809408"/>
+        <c:axId val="49414528"/>
         <c:scaling>
           <c:orientation val="minMax"/>
         </c:scaling>
         <c:axPos val="b"/>
         <c:tickLblPos val="nextTo"/>
-        <c:crossAx val="61810944"/>
+        <c:txPr>
+          <a:bodyPr/>
+          <a:lstStyle/>
+          <a:p>
+            <a:pPr>
+              <a:defRPr sz="1200"/>
+            </a:pPr>
+            <a:endParaRPr lang="hu-HU"/>
+          </a:p>
+        </c:txPr>
+        <c:crossAx val="65323776"/>
         <c:crosses val="autoZero"/>
         <c:auto val="1"/>
         <c:lblAlgn val="ctr"/>
         <c:lblOffset val="100"/>
       </c:catAx>
       <c:valAx>
-        <c:axId val="61810944"/>
+        <c:axId val="65323776"/>
         <c:scaling>
           <c:orientation val="minMax"/>
-          <c:max val="30"/>
+          <c:max val="11"/>
+          <c:min val="0"/>
         </c:scaling>
         <c:axPos val="l"/>
         <c:majorGridlines/>
         <c:numFmt formatCode="General" sourceLinked="1"/>
         <c:tickLblPos val="nextTo"/>
-        <c:crossAx val="61809408"/>
+        <c:txPr>
+          <a:bodyPr/>
+          <a:lstStyle/>
+          <a:p>
+            <a:pPr>
+              <a:defRPr sz="1200"/>
+            </a:pPr>
+            <a:endParaRPr lang="hu-HU"/>
+          </a:p>
+        </c:txPr>
+        <c:crossAx val="49414528"/>
         <c:crosses val="autoZero"/>
         <c:crossBetween val="between"/>
+        <c:majorUnit val="2"/>
       </c:valAx>
     </c:plotArea>
-    <c:legend>
-      <c:legendPos val="r"/>
-      <c:layout/>
-    </c:legend>
     <c:plotVisOnly val="1"/>
   </c:chart>
-  <c:txPr>
-    <a:bodyPr/>
-    <a:lstStyle/>
-    <a:p>
-      <a:pPr>
-        <a:defRPr sz="1800"/>
-      </a:pPr>
-      <a:endParaRPr lang="hu-HU"/>
-    </a:p>
-  </c:txPr>
   <c:externalData r:id="rId1"/>
 </c:chartSpace>
 </file>
@@ -381,7 +328,7 @@
             <a:fld id="{44000EB8-CD6D-4224-B83D-EB1B10E721DF}" type="datetimeFigureOut">
               <a:rPr lang="hu-HU" smtClean="0"/>
               <a:pPr/>
-              <a:t>2018.04.24.</a:t>
+              <a:t>2019.01.24.</a:t>
             </a:fld>
             <a:endParaRPr lang="hu-HU"/>
           </a:p>
@@ -864,7 +811,7 @@
             <a:fld id="{0B294D23-E99F-428B-88AC-DE62C3297A78}" type="datetime1">
               <a:rPr lang="hu-HU" smtClean="0"/>
               <a:pPr/>
-              <a:t>2018.04.24.</a:t>
+              <a:t>2019.01.24.</a:t>
             </a:fld>
             <a:endParaRPr lang="hu-HU"/>
           </a:p>
@@ -1179,7 +1126,7 @@
             <a:fld id="{1586D958-C373-47A3-858D-475AD76BA774}" type="datetime1">
               <a:rPr lang="hu-HU" smtClean="0"/>
               <a:pPr/>
-              <a:t>2018.04.24.</a:t>
+              <a:t>2019.01.24.</a:t>
             </a:fld>
             <a:endParaRPr lang="hu-HU"/>
           </a:p>
@@ -1366,7 +1313,7 @@
             <a:fld id="{DAC56151-6710-49CA-B8BC-73BF82EDB114}" type="datetime1">
               <a:rPr lang="hu-HU" smtClean="0"/>
               <a:pPr/>
-              <a:t>2018.04.24.</a:t>
+              <a:t>2019.01.24.</a:t>
             </a:fld>
             <a:endParaRPr lang="hu-HU"/>
           </a:p>
@@ -1543,7 +1490,7 @@
             <a:fld id="{9400B4B7-1E83-4F4D-B910-301FB25CE365}" type="datetime1">
               <a:rPr lang="hu-HU" smtClean="0"/>
               <a:pPr/>
-              <a:t>2018.04.24.</a:t>
+              <a:t>2019.01.24.</a:t>
             </a:fld>
             <a:endParaRPr lang="hu-HU"/>
           </a:p>
@@ -1813,7 +1760,7 @@
             <a:fld id="{83B63268-820F-47B4-AB2D-3E474A702746}" type="datetime1">
               <a:rPr lang="hu-HU" smtClean="0"/>
               <a:pPr/>
-              <a:t>2018.04.24.</a:t>
+              <a:t>2019.01.24.</a:t>
             </a:fld>
             <a:endParaRPr lang="hu-HU"/>
           </a:p>
@@ -2283,7 +2230,7 @@
             <a:fld id="{A69997BE-77E2-4380-A57E-AA8DA19A4578}" type="datetime1">
               <a:rPr lang="hu-HU" smtClean="0"/>
               <a:pPr/>
-              <a:t>2018.04.24.</a:t>
+              <a:t>2019.01.24.</a:t>
             </a:fld>
             <a:endParaRPr lang="hu-HU"/>
           </a:p>
@@ -2774,7 +2721,7 @@
             <a:fld id="{E831572D-D559-4E85-95CC-7CBD6667BD58}" type="datetime1">
               <a:rPr lang="hu-HU" smtClean="0"/>
               <a:pPr/>
-              <a:t>2018.04.24.</a:t>
+              <a:t>2019.01.24.</a:t>
             </a:fld>
             <a:endParaRPr lang="hu-HU"/>
           </a:p>
@@ -2902,7 +2849,7 @@
             <a:fld id="{F1CC7271-5A92-4CF4-9ABB-43555B3B4EA0}" type="datetime1">
               <a:rPr lang="hu-HU" smtClean="0"/>
               <a:pPr/>
-              <a:t>2018.04.24.</a:t>
+              <a:t>2019.01.24.</a:t>
             </a:fld>
             <a:endParaRPr lang="hu-HU"/>
           </a:p>
@@ -3048,7 +2995,7 @@
             <a:fld id="{E5E9407D-59A5-434E-B9B1-1C74BADF9D91}" type="datetime1">
               <a:rPr lang="hu-HU" smtClean="0"/>
               <a:pPr/>
-              <a:t>2018.04.24.</a:t>
+              <a:t>2019.01.24.</a:t>
             </a:fld>
             <a:endParaRPr lang="hu-HU"/>
           </a:p>
@@ -3372,7 +3319,7 @@
             <a:fld id="{9D7A7D4C-B32D-4410-853F-7C90AEF6BB3F}" type="datetime1">
               <a:rPr lang="hu-HU" smtClean="0"/>
               <a:pPr/>
-              <a:t>2018.04.24.</a:t>
+              <a:t>2019.01.24.</a:t>
             </a:fld>
             <a:endParaRPr lang="hu-HU"/>
           </a:p>
@@ -3508,7 +3455,7 @@
             <a:fld id="{E358F43E-5305-453C-9671-97E04A1CE6F5}" type="datetime1">
               <a:rPr lang="hu-HU" smtClean="0"/>
               <a:pPr/>
-              <a:t>2018.04.24.</a:t>
+              <a:t>2019.01.24.</a:t>
             </a:fld>
             <a:endParaRPr lang="hu-HU"/>
           </a:p>
@@ -4291,7 +4238,7 @@
             <a:fld id="{C292DA96-9066-4BDB-A3A8-84DAE8AD0A64}" type="datetime1">
               <a:rPr lang="hu-HU" smtClean="0"/>
               <a:pPr/>
-              <a:t>2018.04.24.</a:t>
+              <a:t>2019.01.24.</a:t>
             </a:fld>
             <a:endParaRPr lang="hu-HU"/>
           </a:p>
@@ -4801,7 +4748,7 @@
         </p:nvSpPr>
         <p:spPr>
           <a:xfrm>
-            <a:off x="1403648" y="692696"/>
+            <a:off x="1043608" y="620688"/>
             <a:ext cx="7406640" cy="1800200"/>
           </a:xfrm>
         </p:spPr>
@@ -4850,16 +4797,28 @@
           <a:lstStyle/>
           <a:p>
             <a:pPr algn="r"/>
+            <a:endParaRPr lang="hu-HU" sz="2800" dirty="0" smtClean="0"/>
+          </a:p>
+          <a:p>
+            <a:pPr algn="ctr"/>
             <a:r>
               <a:rPr lang="hu-HU" sz="2800" dirty="0" smtClean="0"/>
-              <a:t>Vida Judit</a:t>
-            </a:r>
-          </a:p>
-          <a:p>
-            <a:pPr algn="r"/>
+              <a:t>Vida </a:t>
+            </a:r>
             <a:r>
               <a:rPr lang="hu-HU" sz="2800" dirty="0" smtClean="0"/>
-              <a:t>gazdaságinformatikus </a:t>
+              <a:t>Judit</a:t>
+            </a:r>
+          </a:p>
+          <a:p>
+            <a:pPr algn="ctr"/>
+            <a:r>
+              <a:rPr lang="hu-HU" sz="2800" dirty="0" smtClean="0"/>
+              <a:t>G</a:t>
+            </a:r>
+            <a:r>
+              <a:rPr lang="hu-HU" sz="2800" dirty="0" smtClean="0"/>
+              <a:t>azdaságinformatikus </a:t>
             </a:r>
             <a:r>
               <a:rPr lang="hu-HU" sz="2800" dirty="0" err="1" smtClean="0"/>
@@ -4871,33 +4830,78 @@
             </a:r>
           </a:p>
           <a:p>
-            <a:pPr algn="r"/>
+            <a:pPr algn="ctr"/>
             <a:endParaRPr lang="hu-HU" sz="2800" dirty="0" smtClean="0"/>
           </a:p>
           <a:p>
-            <a:pPr algn="r"/>
+            <a:pPr algn="ctr"/>
             <a:r>
               <a:rPr lang="hu-HU" dirty="0" smtClean="0"/>
               <a:t>Témavezető:  dr. Hegyháti Máté</a:t>
             </a:r>
           </a:p>
           <a:p>
-            <a:pPr algn="r"/>
+            <a:pPr algn="ctr"/>
             <a:r>
               <a:rPr lang="hu-HU" dirty="0" smtClean="0"/>
-              <a:t>Széchenyi István Egyetem</a:t>
-            </a:r>
-          </a:p>
-          <a:p>
-            <a:pPr algn="r"/>
+              <a:t>Széchenyi István </a:t>
+            </a:r>
             <a:r>
               <a:rPr lang="hu-HU" dirty="0" smtClean="0"/>
-              <a:t>2018.</a:t>
-            </a:r>
-            <a:endParaRPr lang="hu-HU" dirty="0"/>
-          </a:p>
-        </p:txBody>
-      </p:sp>
+              <a:t>Egyetem</a:t>
+            </a:r>
+            <a:endParaRPr lang="hu-HU" dirty="0" smtClean="0"/>
+          </a:p>
+        </p:txBody>
+      </p:sp>
+      <p:pic>
+        <p:nvPicPr>
+          <p:cNvPr id="4" name="Kép 3" descr="sze_logo01.jpg"/>
+          <p:cNvPicPr>
+            <a:picLocks noChangeAspect="1"/>
+          </p:cNvPicPr>
+          <p:nvPr/>
+        </p:nvPicPr>
+        <p:blipFill>
+          <a:blip r:embed="rId2" cstate="print"/>
+          <a:stretch>
+            <a:fillRect/>
+          </a:stretch>
+        </p:blipFill>
+        <p:spPr>
+          <a:xfrm>
+            <a:off x="7380312" y="260648"/>
+            <a:ext cx="747762" cy="900000"/>
+          </a:xfrm>
+          <a:prstGeom prst="rect">
+            <a:avLst/>
+          </a:prstGeom>
+        </p:spPr>
+      </p:pic>
+      <p:pic>
+        <p:nvPicPr>
+          <p:cNvPr id="5" name="Kép 4" descr="it_logo.png"/>
+          <p:cNvPicPr>
+            <a:picLocks noChangeAspect="1"/>
+          </p:cNvPicPr>
+          <p:nvPr/>
+        </p:nvPicPr>
+        <p:blipFill>
+          <a:blip r:embed="rId3" cstate="print"/>
+          <a:stretch>
+            <a:fillRect/>
+          </a:stretch>
+        </p:blipFill>
+        <p:spPr>
+          <a:xfrm>
+            <a:off x="8135209" y="260648"/>
+            <a:ext cx="1008791" cy="900000"/>
+          </a:xfrm>
+          <a:prstGeom prst="rect">
+            <a:avLst/>
+          </a:prstGeom>
+        </p:spPr>
+      </p:pic>
     </p:spTree>
   </p:cSld>
   <p:clrMapOvr>
@@ -4997,7 +5001,7 @@
           <a:p>
             <a:r>
               <a:rPr lang="hu-HU" sz="3600" dirty="0" smtClean="0"/>
-              <a:t>	Gép					Feladat					</a:t>
+              <a:t>	Gép (X4)			Feladat (x25)					</a:t>
             </a:r>
             <a:endParaRPr lang="hu-HU" sz="3600" dirty="0"/>
           </a:p>
@@ -5181,1025 +5185,43 @@
           <a:p>
             <a:r>
               <a:rPr lang="hu-HU" dirty="0" smtClean="0"/>
-              <a:t>Tesztelés</a:t>
+              <a:t>Modell 5</a:t>
             </a:r>
             <a:endParaRPr lang="hu-HU" dirty="0"/>
           </a:p>
         </p:txBody>
       </p:sp>
-      <p:graphicFrame>
-        <p:nvGraphicFramePr>
-          <p:cNvPr id="6" name="Tartalom helye 5"/>
-          <p:cNvGraphicFramePr>
-            <a:graphicFrameLocks noGrp="1"/>
-          </p:cNvGraphicFramePr>
+      <p:sp>
+        <p:nvSpPr>
+          <p:cNvPr id="3" name="Tartalom helye 2"/>
+          <p:cNvSpPr>
+            <a:spLocks noGrp="1"/>
+          </p:cNvSpPr>
           <p:nvPr>
             <p:ph idx="1"/>
           </p:nvPr>
-        </p:nvGraphicFramePr>
-        <p:xfrm>
-          <a:off x="2195736" y="1556789"/>
-          <a:ext cx="5616624" cy="4559530"/>
-        </p:xfrm>
-        <a:graphic>
-          <a:graphicData uri="http://schemas.openxmlformats.org/drawingml/2006/table">
-            <a:tbl>
-              <a:tblPr firstRow="1" bandRow="1">
-                <a:tableStyleId>{0E3FDE45-AF77-4B5C-9715-49D594BDF05E}</a:tableStyleId>
-              </a:tblPr>
-              <a:tblGrid>
-                <a:gridCol w="936104"/>
-                <a:gridCol w="936104"/>
-                <a:gridCol w="936104"/>
-                <a:gridCol w="936104"/>
-                <a:gridCol w="936104"/>
-                <a:gridCol w="936104"/>
-              </a:tblGrid>
-              <a:tr h="391945">
-                <a:tc>
-                  <a:txBody>
-                    <a:bodyPr/>
-                    <a:lstStyle/>
-                    <a:p>
-                      <a:pPr algn="ctr"/>
-                      <a:r>
-                        <a:rPr lang="hu-HU" dirty="0" smtClean="0"/>
-                        <a:t>Munkaszám</a:t>
-                      </a:r>
-                      <a:endParaRPr lang="hu-HU" dirty="0"/>
-                    </a:p>
-                  </a:txBody>
-                  <a:tcPr anchor="ctr"/>
-                </a:tc>
-                <a:tc>
-                  <a:txBody>
-                    <a:bodyPr/>
-                    <a:lstStyle/>
-                    <a:p>
-                      <a:pPr algn="ctr"/>
-                      <a:r>
-                        <a:rPr lang="hu-HU" dirty="0" smtClean="0"/>
-                        <a:t>Modell 1</a:t>
-                      </a:r>
-                      <a:endParaRPr lang="hu-HU" dirty="0"/>
-                    </a:p>
-                  </a:txBody>
-                  <a:tcPr anchor="ctr"/>
-                </a:tc>
-                <a:tc>
-                  <a:txBody>
-                    <a:bodyPr/>
-                    <a:lstStyle/>
-                    <a:p>
-                      <a:pPr algn="ctr"/>
-                      <a:r>
-                        <a:rPr lang="hu-HU" dirty="0" smtClean="0"/>
-                        <a:t>Modell 2</a:t>
-                      </a:r>
-                      <a:endParaRPr lang="hu-HU" dirty="0"/>
-                    </a:p>
-                  </a:txBody>
-                  <a:tcPr anchor="ctr"/>
-                </a:tc>
-                <a:tc>
-                  <a:txBody>
-                    <a:bodyPr/>
-                    <a:lstStyle/>
-                    <a:p>
-                      <a:pPr algn="ctr"/>
-                      <a:r>
-                        <a:rPr lang="hu-HU" dirty="0" smtClean="0"/>
-                        <a:t>Modell 3</a:t>
-                      </a:r>
-                      <a:endParaRPr lang="hu-HU" dirty="0"/>
-                    </a:p>
-                  </a:txBody>
-                  <a:tcPr anchor="ctr"/>
-                </a:tc>
-                <a:tc>
-                  <a:txBody>
-                    <a:bodyPr/>
-                    <a:lstStyle/>
-                    <a:p>
-                      <a:pPr algn="ctr"/>
-                      <a:r>
-                        <a:rPr lang="hu-HU" dirty="0" smtClean="0"/>
-                        <a:t>Modell 4</a:t>
-                      </a:r>
-                      <a:endParaRPr lang="hu-HU" dirty="0"/>
-                    </a:p>
-                  </a:txBody>
-                  <a:tcPr anchor="ctr"/>
-                </a:tc>
-                <a:tc>
-                  <a:txBody>
-                    <a:bodyPr/>
-                    <a:lstStyle/>
-                    <a:p>
-                      <a:pPr algn="ctr"/>
-                      <a:r>
-                        <a:rPr lang="hu-HU" dirty="0" smtClean="0"/>
-                        <a:t>Modell 5</a:t>
-                      </a:r>
-                      <a:endParaRPr lang="hu-HU" dirty="0"/>
-                    </a:p>
-                  </a:txBody>
-                  <a:tcPr anchor="ctr"/>
-                </a:tc>
-              </a:tr>
-              <a:tr h="391945">
-                <a:tc>
-                  <a:txBody>
-                    <a:bodyPr/>
-                    <a:lstStyle/>
-                    <a:p>
-                      <a:pPr algn="ctr"/>
-                      <a:r>
-                        <a:rPr lang="hu-HU" dirty="0" smtClean="0"/>
-                        <a:t>1</a:t>
-                      </a:r>
-                    </a:p>
-                  </a:txBody>
-                  <a:tcPr anchor="ctr"/>
-                </a:tc>
-                <a:tc>
-                  <a:txBody>
-                    <a:bodyPr/>
-                    <a:lstStyle/>
-                    <a:p>
-                      <a:pPr algn="ctr"/>
-                      <a:r>
-                        <a:rPr lang="hu-HU" dirty="0" smtClean="0"/>
-                        <a:t>0,07 s</a:t>
-                      </a:r>
-                    </a:p>
-                  </a:txBody>
-                  <a:tcPr anchor="ctr"/>
-                </a:tc>
-                <a:tc>
-                  <a:txBody>
-                    <a:bodyPr/>
-                    <a:lstStyle/>
-                    <a:p>
-                      <a:pPr algn="ctr"/>
-                      <a:r>
-                        <a:rPr lang="hu-HU" dirty="0" smtClean="0"/>
-                        <a:t>0,07 s</a:t>
-                      </a:r>
-                      <a:endParaRPr lang="hu-HU" dirty="0"/>
-                    </a:p>
-                  </a:txBody>
-                  <a:tcPr anchor="ctr"/>
-                </a:tc>
-                <a:tc>
-                  <a:txBody>
-                    <a:bodyPr/>
-                    <a:lstStyle/>
-                    <a:p>
-                      <a:pPr algn="ctr"/>
-                      <a:r>
-                        <a:rPr lang="hu-HU" dirty="0" smtClean="0"/>
-                        <a:t>0,06 s</a:t>
-                      </a:r>
-                      <a:endParaRPr lang="hu-HU" dirty="0"/>
-                    </a:p>
-                  </a:txBody>
-                  <a:tcPr anchor="ctr"/>
-                </a:tc>
-                <a:tc>
-                  <a:txBody>
-                    <a:bodyPr/>
-                    <a:lstStyle/>
-                    <a:p>
-                      <a:pPr algn="ctr"/>
-                      <a:r>
-                        <a:rPr lang="hu-HU" dirty="0" smtClean="0"/>
-                        <a:t>0,05</a:t>
-                      </a:r>
-                      <a:r>
-                        <a:rPr lang="hu-HU" baseline="0" dirty="0" smtClean="0"/>
-                        <a:t> </a:t>
-                      </a:r>
-                      <a:r>
-                        <a:rPr lang="hu-HU" dirty="0" smtClean="0"/>
-                        <a:t>s</a:t>
-                      </a:r>
-                      <a:endParaRPr lang="hu-HU" dirty="0"/>
-                    </a:p>
-                  </a:txBody>
-                  <a:tcPr anchor="ctr"/>
-                </a:tc>
-                <a:tc>
-                  <a:txBody>
-                    <a:bodyPr/>
-                    <a:lstStyle/>
-                    <a:p>
-                      <a:pPr algn="ctr"/>
-                      <a:r>
-                        <a:rPr lang="hu-HU" dirty="0" smtClean="0"/>
-                        <a:t>0,05 s</a:t>
-                      </a:r>
-                      <a:endParaRPr lang="hu-HU" dirty="0"/>
-                    </a:p>
-                  </a:txBody>
-                  <a:tcPr anchor="ctr"/>
-                </a:tc>
-              </a:tr>
-              <a:tr h="391945">
-                <a:tc>
-                  <a:txBody>
-                    <a:bodyPr/>
-                    <a:lstStyle/>
-                    <a:p>
-                      <a:pPr algn="ctr"/>
-                      <a:r>
-                        <a:rPr lang="hu-HU" dirty="0" smtClean="0"/>
-                        <a:t>2</a:t>
-                      </a:r>
-                      <a:endParaRPr lang="hu-HU" dirty="0"/>
-                    </a:p>
-                  </a:txBody>
-                  <a:tcPr anchor="ctr"/>
-                </a:tc>
-                <a:tc>
-                  <a:txBody>
-                    <a:bodyPr/>
-                    <a:lstStyle/>
-                    <a:p>
-                      <a:pPr algn="ctr"/>
-                      <a:r>
-                        <a:rPr lang="hu-HU" dirty="0" smtClean="0"/>
-                        <a:t>0,08</a:t>
-                      </a:r>
-                      <a:r>
-                        <a:rPr lang="hu-HU" baseline="0" dirty="0" smtClean="0"/>
-                        <a:t> s</a:t>
-                      </a:r>
-                      <a:endParaRPr lang="hu-HU" dirty="0"/>
-                    </a:p>
-                  </a:txBody>
-                  <a:tcPr anchor="ctr"/>
-                </a:tc>
-                <a:tc>
-                  <a:txBody>
-                    <a:bodyPr/>
-                    <a:lstStyle/>
-                    <a:p>
-                      <a:pPr algn="ctr"/>
-                      <a:r>
-                        <a:rPr lang="hu-HU" dirty="0" smtClean="0"/>
-                        <a:t>0,083 s</a:t>
-                      </a:r>
-                      <a:endParaRPr lang="hu-HU" dirty="0"/>
-                    </a:p>
-                  </a:txBody>
-                  <a:tcPr anchor="ctr"/>
-                </a:tc>
-                <a:tc>
-                  <a:txBody>
-                    <a:bodyPr/>
-                    <a:lstStyle/>
-                    <a:p>
-                      <a:pPr algn="ctr"/>
-                      <a:r>
-                        <a:rPr lang="hu-HU" dirty="0" smtClean="0"/>
-                        <a:t>0,05 s</a:t>
-                      </a:r>
-                      <a:endParaRPr lang="hu-HU" dirty="0"/>
-                    </a:p>
-                  </a:txBody>
-                  <a:tcPr anchor="ctr"/>
-                </a:tc>
-                <a:tc>
-                  <a:txBody>
-                    <a:bodyPr/>
-                    <a:lstStyle/>
-                    <a:p>
-                      <a:pPr algn="ctr"/>
-                      <a:r>
-                        <a:rPr lang="hu-HU" dirty="0" smtClean="0"/>
-                        <a:t>0,06 s</a:t>
-                      </a:r>
-                      <a:endParaRPr lang="hu-HU" dirty="0"/>
-                    </a:p>
-                  </a:txBody>
-                  <a:tcPr anchor="ctr"/>
-                </a:tc>
-                <a:tc>
-                  <a:txBody>
-                    <a:bodyPr/>
-                    <a:lstStyle/>
-                    <a:p>
-                      <a:pPr algn="ctr"/>
-                      <a:r>
-                        <a:rPr lang="hu-HU" dirty="0" smtClean="0"/>
-                        <a:t>0,06 s</a:t>
-                      </a:r>
-                      <a:endParaRPr lang="hu-HU" dirty="0"/>
-                    </a:p>
-                  </a:txBody>
-                  <a:tcPr anchor="ctr"/>
-                </a:tc>
-              </a:tr>
-              <a:tr h="391945">
-                <a:tc>
-                  <a:txBody>
-                    <a:bodyPr/>
-                    <a:lstStyle/>
-                    <a:p>
-                      <a:pPr algn="ctr"/>
-                      <a:r>
-                        <a:rPr lang="hu-HU" dirty="0" smtClean="0"/>
-                        <a:t>3</a:t>
-                      </a:r>
-                    </a:p>
-                  </a:txBody>
-                  <a:tcPr anchor="ctr"/>
-                </a:tc>
-                <a:tc>
-                  <a:txBody>
-                    <a:bodyPr/>
-                    <a:lstStyle/>
-                    <a:p>
-                      <a:pPr algn="ctr"/>
-                      <a:r>
-                        <a:rPr lang="hu-HU" dirty="0" smtClean="0"/>
-                        <a:t>0,11 s</a:t>
-                      </a:r>
-                      <a:endParaRPr lang="hu-HU" dirty="0"/>
-                    </a:p>
-                  </a:txBody>
-                  <a:tcPr anchor="ctr"/>
-                </a:tc>
-                <a:tc>
-                  <a:txBody>
-                    <a:bodyPr/>
-                    <a:lstStyle/>
-                    <a:p>
-                      <a:pPr algn="ctr"/>
-                      <a:r>
-                        <a:rPr lang="hu-HU" dirty="0" smtClean="0"/>
-                        <a:t>0,11 s</a:t>
-                      </a:r>
-                      <a:endParaRPr lang="hu-HU" dirty="0"/>
-                    </a:p>
-                  </a:txBody>
-                  <a:tcPr anchor="ctr"/>
-                </a:tc>
-                <a:tc>
-                  <a:txBody>
-                    <a:bodyPr/>
-                    <a:lstStyle/>
-                    <a:p>
-                      <a:pPr algn="ctr"/>
-                      <a:r>
-                        <a:rPr lang="hu-HU" dirty="0" smtClean="0"/>
-                        <a:t>0,07 s</a:t>
-                      </a:r>
-                      <a:endParaRPr lang="hu-HU" dirty="0"/>
-                    </a:p>
-                  </a:txBody>
-                  <a:tcPr anchor="ctr"/>
-                </a:tc>
-                <a:tc>
-                  <a:txBody>
-                    <a:bodyPr/>
-                    <a:lstStyle/>
-                    <a:p>
-                      <a:pPr algn="ctr"/>
-                      <a:r>
-                        <a:rPr lang="hu-HU" dirty="0" smtClean="0"/>
-                        <a:t>0,07 s</a:t>
-                      </a:r>
-                      <a:endParaRPr lang="hu-HU" dirty="0"/>
-                    </a:p>
-                  </a:txBody>
-                  <a:tcPr anchor="ctr"/>
-                </a:tc>
-                <a:tc>
-                  <a:txBody>
-                    <a:bodyPr/>
-                    <a:lstStyle/>
-                    <a:p>
-                      <a:pPr algn="ctr"/>
-                      <a:r>
-                        <a:rPr lang="hu-HU" dirty="0" smtClean="0"/>
-                        <a:t>0,07 s</a:t>
-                      </a:r>
-                      <a:endParaRPr lang="hu-HU" dirty="0"/>
-                    </a:p>
-                  </a:txBody>
-                  <a:tcPr anchor="ctr"/>
-                </a:tc>
-              </a:tr>
-              <a:tr h="391945">
-                <a:tc>
-                  <a:txBody>
-                    <a:bodyPr/>
-                    <a:lstStyle/>
-                    <a:p>
-                      <a:pPr algn="ctr"/>
-                      <a:r>
-                        <a:rPr lang="hu-HU" dirty="0" smtClean="0"/>
-                        <a:t>4</a:t>
-                      </a:r>
-                      <a:endParaRPr lang="hu-HU" dirty="0"/>
-                    </a:p>
-                  </a:txBody>
-                  <a:tcPr anchor="ctr"/>
-                </a:tc>
-                <a:tc>
-                  <a:txBody>
-                    <a:bodyPr/>
-                    <a:lstStyle/>
-                    <a:p>
-                      <a:pPr algn="ctr"/>
-                      <a:r>
-                        <a:rPr lang="hu-HU" dirty="0" smtClean="0"/>
-                        <a:t>0,23 s </a:t>
-                      </a:r>
-                      <a:endParaRPr lang="hu-HU" dirty="0"/>
-                    </a:p>
-                  </a:txBody>
-                  <a:tcPr anchor="ctr"/>
-                </a:tc>
-                <a:tc>
-                  <a:txBody>
-                    <a:bodyPr/>
-                    <a:lstStyle/>
-                    <a:p>
-                      <a:pPr algn="ctr"/>
-                      <a:r>
-                        <a:rPr lang="hu-HU" dirty="0" smtClean="0"/>
-                        <a:t>0,43 s</a:t>
-                      </a:r>
-                      <a:endParaRPr lang="hu-HU" dirty="0"/>
-                    </a:p>
-                  </a:txBody>
-                  <a:tcPr anchor="ctr"/>
-                </a:tc>
-                <a:tc>
-                  <a:txBody>
-                    <a:bodyPr/>
-                    <a:lstStyle/>
-                    <a:p>
-                      <a:pPr algn="ctr"/>
-                      <a:r>
-                        <a:rPr lang="hu-HU" dirty="0" smtClean="0"/>
-                        <a:t>0,18 s</a:t>
-                      </a:r>
-                      <a:endParaRPr lang="hu-HU" dirty="0"/>
-                    </a:p>
-                  </a:txBody>
-                  <a:tcPr anchor="ctr"/>
-                </a:tc>
-                <a:tc>
-                  <a:txBody>
-                    <a:bodyPr/>
-                    <a:lstStyle/>
-                    <a:p>
-                      <a:pPr algn="ctr"/>
-                      <a:r>
-                        <a:rPr lang="hu-HU" dirty="0" smtClean="0"/>
-                        <a:t>0,23 s</a:t>
-                      </a:r>
-                      <a:endParaRPr lang="hu-HU" dirty="0"/>
-                    </a:p>
-                  </a:txBody>
-                  <a:tcPr anchor="ctr"/>
-                </a:tc>
-                <a:tc>
-                  <a:txBody>
-                    <a:bodyPr/>
-                    <a:lstStyle/>
-                    <a:p>
-                      <a:pPr algn="ctr"/>
-                      <a:r>
-                        <a:rPr lang="hu-HU" dirty="0" smtClean="0"/>
-                        <a:t>0,08 s</a:t>
-                      </a:r>
-                      <a:endParaRPr lang="hu-HU" dirty="0"/>
-                    </a:p>
-                  </a:txBody>
-                  <a:tcPr anchor="ctr"/>
-                </a:tc>
-              </a:tr>
-              <a:tr h="391945">
-                <a:tc>
-                  <a:txBody>
-                    <a:bodyPr/>
-                    <a:lstStyle/>
-                    <a:p>
-                      <a:pPr algn="ctr"/>
-                      <a:r>
-                        <a:rPr lang="hu-HU" dirty="0" smtClean="0"/>
-                        <a:t>5</a:t>
-                      </a:r>
-                      <a:endParaRPr lang="hu-HU" dirty="0"/>
-                    </a:p>
-                  </a:txBody>
-                  <a:tcPr anchor="ctr"/>
-                </a:tc>
-                <a:tc>
-                  <a:txBody>
-                    <a:bodyPr/>
-                    <a:lstStyle/>
-                    <a:p>
-                      <a:pPr algn="ctr"/>
-                      <a:r>
-                        <a:rPr lang="hu-HU" dirty="0" smtClean="0"/>
-                        <a:t>0,69 s</a:t>
-                      </a:r>
-                      <a:endParaRPr lang="hu-HU" dirty="0"/>
-                    </a:p>
-                  </a:txBody>
-                  <a:tcPr anchor="ctr"/>
-                </a:tc>
-                <a:tc>
-                  <a:txBody>
-                    <a:bodyPr/>
-                    <a:lstStyle/>
-                    <a:p>
-                      <a:pPr algn="ctr"/>
-                      <a:r>
-                        <a:rPr lang="hu-HU" dirty="0" smtClean="0"/>
-                        <a:t>4,48 s</a:t>
-                      </a:r>
-                      <a:endParaRPr lang="hu-HU" dirty="0"/>
-                    </a:p>
-                  </a:txBody>
-                  <a:tcPr anchor="ctr"/>
-                </a:tc>
-                <a:tc>
-                  <a:txBody>
-                    <a:bodyPr/>
-                    <a:lstStyle/>
-                    <a:p>
-                      <a:pPr algn="ctr"/>
-                      <a:r>
-                        <a:rPr lang="hu-HU" dirty="0" smtClean="0"/>
-                        <a:t>1,94 s</a:t>
-                      </a:r>
-                      <a:endParaRPr lang="hu-HU" dirty="0"/>
-                    </a:p>
-                  </a:txBody>
-                  <a:tcPr anchor="ctr"/>
-                </a:tc>
-                <a:tc>
-                  <a:txBody>
-                    <a:bodyPr/>
-                    <a:lstStyle/>
-                    <a:p>
-                      <a:pPr algn="ctr"/>
-                      <a:r>
-                        <a:rPr lang="hu-HU" dirty="0" smtClean="0"/>
-                        <a:t>1,63 s</a:t>
-                      </a:r>
-                      <a:endParaRPr lang="hu-HU" dirty="0"/>
-                    </a:p>
-                  </a:txBody>
-                  <a:tcPr anchor="ctr"/>
-                </a:tc>
-                <a:tc>
-                  <a:txBody>
-                    <a:bodyPr/>
-                    <a:lstStyle/>
-                    <a:p>
-                      <a:pPr algn="ctr"/>
-                      <a:r>
-                        <a:rPr lang="hu-HU" dirty="0" smtClean="0"/>
-                        <a:t>0,12 s</a:t>
-                      </a:r>
-                      <a:endParaRPr lang="hu-HU" dirty="0"/>
-                    </a:p>
-                  </a:txBody>
-                  <a:tcPr anchor="ctr"/>
-                </a:tc>
-              </a:tr>
-              <a:tr h="391945">
-                <a:tc>
-                  <a:txBody>
-                    <a:bodyPr/>
-                    <a:lstStyle/>
-                    <a:p>
-                      <a:pPr algn="ctr"/>
-                      <a:r>
-                        <a:rPr lang="hu-HU" dirty="0" smtClean="0"/>
-                        <a:t>6</a:t>
-                      </a:r>
-                      <a:endParaRPr lang="hu-HU" dirty="0"/>
-                    </a:p>
-                  </a:txBody>
-                  <a:tcPr anchor="ctr"/>
-                </a:tc>
-                <a:tc>
-                  <a:txBody>
-                    <a:bodyPr/>
-                    <a:lstStyle/>
-                    <a:p>
-                      <a:pPr algn="ctr"/>
-                      <a:r>
-                        <a:rPr lang="hu-HU" dirty="0" smtClean="0"/>
-                        <a:t>13,30 s</a:t>
-                      </a:r>
-                      <a:endParaRPr lang="hu-HU" dirty="0"/>
-                    </a:p>
-                  </a:txBody>
-                  <a:tcPr anchor="ctr"/>
-                </a:tc>
-                <a:tc>
-                  <a:txBody>
-                    <a:bodyPr/>
-                    <a:lstStyle/>
-                    <a:p>
-                      <a:pPr algn="ctr"/>
-                      <a:r>
-                        <a:rPr lang="hu-HU" dirty="0" smtClean="0"/>
-                        <a:t>&gt; 60 s</a:t>
-                      </a:r>
-                      <a:endParaRPr lang="hu-HU" dirty="0"/>
-                    </a:p>
-                  </a:txBody>
-                  <a:tcPr anchor="ctr"/>
-                </a:tc>
-                <a:tc>
-                  <a:txBody>
-                    <a:bodyPr/>
-                    <a:lstStyle/>
-                    <a:p>
-                      <a:pPr algn="ctr"/>
-                      <a:r>
-                        <a:rPr lang="hu-HU" dirty="0" smtClean="0"/>
-                        <a:t>16,33 s</a:t>
-                      </a:r>
-                      <a:endParaRPr lang="hu-HU" dirty="0"/>
-                    </a:p>
-                  </a:txBody>
-                  <a:tcPr anchor="ctr"/>
-                </a:tc>
-                <a:tc>
-                  <a:txBody>
-                    <a:bodyPr/>
-                    <a:lstStyle/>
-                    <a:p>
-                      <a:pPr algn="ctr"/>
-                      <a:r>
-                        <a:rPr lang="hu-HU" dirty="0" smtClean="0"/>
-                        <a:t>13,8</a:t>
-                      </a:r>
-                      <a:r>
-                        <a:rPr lang="hu-HU" baseline="0" dirty="0" smtClean="0"/>
-                        <a:t> s</a:t>
-                      </a:r>
-                      <a:endParaRPr lang="hu-HU" dirty="0"/>
-                    </a:p>
-                  </a:txBody>
-                  <a:tcPr anchor="ctr"/>
-                </a:tc>
-                <a:tc>
-                  <a:txBody>
-                    <a:bodyPr/>
-                    <a:lstStyle/>
-                    <a:p>
-                      <a:pPr algn="ctr"/>
-                      <a:r>
-                        <a:rPr lang="hu-HU" dirty="0" smtClean="0"/>
-                        <a:t>0,15 s</a:t>
-                      </a:r>
-                      <a:endParaRPr lang="hu-HU" dirty="0"/>
-                    </a:p>
-                  </a:txBody>
-                  <a:tcPr anchor="ctr"/>
-                </a:tc>
-              </a:tr>
-              <a:tr h="391945">
-                <a:tc>
-                  <a:txBody>
-                    <a:bodyPr/>
-                    <a:lstStyle/>
-                    <a:p>
-                      <a:pPr algn="ctr"/>
-                      <a:r>
-                        <a:rPr lang="hu-HU" dirty="0" smtClean="0"/>
-                        <a:t>7</a:t>
-                      </a:r>
-                      <a:endParaRPr lang="hu-HU" dirty="0"/>
-                    </a:p>
-                  </a:txBody>
-                  <a:tcPr anchor="ctr"/>
-                </a:tc>
-                <a:tc>
-                  <a:txBody>
-                    <a:bodyPr/>
-                    <a:lstStyle/>
-                    <a:p>
-                      <a:pPr algn="ctr"/>
-                      <a:r>
-                        <a:rPr lang="hu-HU" dirty="0" smtClean="0"/>
-                        <a:t>&gt; 60 s</a:t>
-                      </a:r>
-                      <a:endParaRPr lang="hu-HU" dirty="0"/>
-                    </a:p>
-                  </a:txBody>
-                  <a:tcPr anchor="ctr"/>
-                </a:tc>
-                <a:tc>
-                  <a:txBody>
-                    <a:bodyPr/>
-                    <a:lstStyle/>
-                    <a:p>
-                      <a:pPr algn="ctr"/>
-                      <a:endParaRPr lang="hu-HU" dirty="0"/>
-                    </a:p>
-                  </a:txBody>
-                  <a:tcPr anchor="ctr"/>
-                </a:tc>
-                <a:tc>
-                  <a:txBody>
-                    <a:bodyPr/>
-                    <a:lstStyle/>
-                    <a:p>
-                      <a:pPr algn="ctr"/>
-                      <a:r>
-                        <a:rPr lang="hu-HU" dirty="0" smtClean="0"/>
-                        <a:t>&gt; 60 s</a:t>
-                      </a:r>
-                      <a:endParaRPr lang="hu-HU" dirty="0"/>
-                    </a:p>
-                  </a:txBody>
-                  <a:tcPr anchor="ctr"/>
-                </a:tc>
-                <a:tc>
-                  <a:txBody>
-                    <a:bodyPr/>
-                    <a:lstStyle/>
-                    <a:p>
-                      <a:pPr algn="ctr"/>
-                      <a:r>
-                        <a:rPr lang="hu-HU" dirty="0" smtClean="0"/>
-                        <a:t>&gt;</a:t>
-                      </a:r>
-                      <a:r>
-                        <a:rPr lang="hu-HU" baseline="0" dirty="0" smtClean="0"/>
-                        <a:t> 60 s</a:t>
-                      </a:r>
-                      <a:endParaRPr lang="hu-HU" dirty="0"/>
-                    </a:p>
-                  </a:txBody>
-                  <a:tcPr anchor="ctr"/>
-                </a:tc>
-                <a:tc>
-                  <a:txBody>
-                    <a:bodyPr/>
-                    <a:lstStyle/>
-                    <a:p>
-                      <a:pPr algn="ctr"/>
-                      <a:r>
-                        <a:rPr lang="hu-HU" dirty="0" smtClean="0"/>
-                        <a:t>0,92 s </a:t>
-                      </a:r>
-                      <a:endParaRPr lang="hu-HU" dirty="0"/>
-                    </a:p>
-                  </a:txBody>
-                  <a:tcPr anchor="ctr"/>
-                </a:tc>
-              </a:tr>
-              <a:tr h="391945">
-                <a:tc>
-                  <a:txBody>
-                    <a:bodyPr/>
-                    <a:lstStyle/>
-                    <a:p>
-                      <a:pPr algn="ctr"/>
-                      <a:r>
-                        <a:rPr lang="hu-HU" dirty="0" smtClean="0"/>
-                        <a:t>8</a:t>
-                      </a:r>
-                      <a:endParaRPr lang="hu-HU" dirty="0"/>
-                    </a:p>
-                  </a:txBody>
-                  <a:tcPr anchor="ctr"/>
-                </a:tc>
-                <a:tc>
-                  <a:txBody>
-                    <a:bodyPr/>
-                    <a:lstStyle/>
-                    <a:p>
-                      <a:pPr algn="ctr"/>
-                      <a:endParaRPr lang="hu-HU" dirty="0"/>
-                    </a:p>
-                  </a:txBody>
-                  <a:tcPr anchor="ctr"/>
-                </a:tc>
-                <a:tc>
-                  <a:txBody>
-                    <a:bodyPr/>
-                    <a:lstStyle/>
-                    <a:p>
-                      <a:pPr algn="ctr"/>
-                      <a:endParaRPr lang="hu-HU" dirty="0"/>
-                    </a:p>
-                  </a:txBody>
-                  <a:tcPr anchor="ctr"/>
-                </a:tc>
-                <a:tc>
-                  <a:txBody>
-                    <a:bodyPr/>
-                    <a:lstStyle/>
-                    <a:p>
-                      <a:pPr algn="ctr"/>
-                      <a:endParaRPr lang="hu-HU" dirty="0"/>
-                    </a:p>
-                  </a:txBody>
-                  <a:tcPr anchor="ctr"/>
-                </a:tc>
-                <a:tc>
-                  <a:txBody>
-                    <a:bodyPr/>
-                    <a:lstStyle/>
-                    <a:p>
-                      <a:pPr algn="ctr"/>
-                      <a:endParaRPr lang="hu-HU" dirty="0"/>
-                    </a:p>
-                  </a:txBody>
-                  <a:tcPr anchor="ctr"/>
-                </a:tc>
-                <a:tc>
-                  <a:txBody>
-                    <a:bodyPr/>
-                    <a:lstStyle/>
-                    <a:p>
-                      <a:pPr algn="ctr"/>
-                      <a:r>
-                        <a:rPr lang="hu-HU" dirty="0" smtClean="0"/>
-                        <a:t>3,41 s</a:t>
-                      </a:r>
-                      <a:endParaRPr lang="hu-HU" dirty="0"/>
-                    </a:p>
-                  </a:txBody>
-                  <a:tcPr anchor="ctr"/>
-                </a:tc>
-              </a:tr>
-              <a:tr h="391945">
-                <a:tc>
-                  <a:txBody>
-                    <a:bodyPr/>
-                    <a:lstStyle/>
-                    <a:p>
-                      <a:pPr algn="ctr"/>
-                      <a:r>
-                        <a:rPr lang="hu-HU" dirty="0" smtClean="0"/>
-                        <a:t>9</a:t>
-                      </a:r>
-                      <a:endParaRPr lang="hu-HU" dirty="0"/>
-                    </a:p>
-                  </a:txBody>
-                  <a:tcPr anchor="ctr"/>
-                </a:tc>
-                <a:tc>
-                  <a:txBody>
-                    <a:bodyPr/>
-                    <a:lstStyle/>
-                    <a:p>
-                      <a:pPr algn="ctr"/>
-                      <a:endParaRPr lang="hu-HU" dirty="0"/>
-                    </a:p>
-                  </a:txBody>
-                  <a:tcPr anchor="ctr"/>
-                </a:tc>
-                <a:tc>
-                  <a:txBody>
-                    <a:bodyPr/>
-                    <a:lstStyle/>
-                    <a:p>
-                      <a:pPr algn="ctr"/>
-                      <a:endParaRPr lang="hu-HU" dirty="0"/>
-                    </a:p>
-                  </a:txBody>
-                  <a:tcPr anchor="ctr"/>
-                </a:tc>
-                <a:tc>
-                  <a:txBody>
-                    <a:bodyPr/>
-                    <a:lstStyle/>
-                    <a:p>
-                      <a:pPr algn="ctr"/>
-                      <a:endParaRPr lang="hu-HU" dirty="0"/>
-                    </a:p>
-                  </a:txBody>
-                  <a:tcPr anchor="ctr"/>
-                </a:tc>
-                <a:tc>
-                  <a:txBody>
-                    <a:bodyPr/>
-                    <a:lstStyle/>
-                    <a:p>
-                      <a:pPr algn="ctr"/>
-                      <a:endParaRPr lang="hu-HU" dirty="0"/>
-                    </a:p>
-                  </a:txBody>
-                  <a:tcPr anchor="ctr"/>
-                </a:tc>
-                <a:tc>
-                  <a:txBody>
-                    <a:bodyPr/>
-                    <a:lstStyle/>
-                    <a:p>
-                      <a:pPr algn="ctr"/>
-                      <a:r>
-                        <a:rPr lang="hu-HU" dirty="0" smtClean="0"/>
-                        <a:t>6,33 s</a:t>
-                      </a:r>
-                      <a:endParaRPr lang="hu-HU" dirty="0"/>
-                    </a:p>
-                  </a:txBody>
-                  <a:tcPr anchor="ctr"/>
-                </a:tc>
-              </a:tr>
-              <a:tr h="391945">
-                <a:tc>
-                  <a:txBody>
-                    <a:bodyPr/>
-                    <a:lstStyle/>
-                    <a:p>
-                      <a:pPr algn="ctr"/>
-                      <a:r>
-                        <a:rPr lang="hu-HU" dirty="0" smtClean="0"/>
-                        <a:t>10</a:t>
-                      </a:r>
-                      <a:endParaRPr lang="hu-HU" dirty="0"/>
-                    </a:p>
-                  </a:txBody>
-                  <a:tcPr anchor="ctr"/>
-                </a:tc>
-                <a:tc>
-                  <a:txBody>
-                    <a:bodyPr/>
-                    <a:lstStyle/>
-                    <a:p>
-                      <a:pPr algn="ctr"/>
-                      <a:endParaRPr lang="hu-HU" dirty="0"/>
-                    </a:p>
-                  </a:txBody>
-                  <a:tcPr anchor="ctr"/>
-                </a:tc>
-                <a:tc>
-                  <a:txBody>
-                    <a:bodyPr/>
-                    <a:lstStyle/>
-                    <a:p>
-                      <a:pPr algn="ctr"/>
-                      <a:endParaRPr lang="hu-HU" dirty="0"/>
-                    </a:p>
-                  </a:txBody>
-                  <a:tcPr anchor="ctr"/>
-                </a:tc>
-                <a:tc>
-                  <a:txBody>
-                    <a:bodyPr/>
-                    <a:lstStyle/>
-                    <a:p>
-                      <a:pPr algn="ctr"/>
-                      <a:endParaRPr lang="hu-HU" dirty="0"/>
-                    </a:p>
-                  </a:txBody>
-                  <a:tcPr anchor="ctr"/>
-                </a:tc>
-                <a:tc>
-                  <a:txBody>
-                    <a:bodyPr/>
-                    <a:lstStyle/>
-                    <a:p>
-                      <a:pPr algn="ctr"/>
-                      <a:endParaRPr lang="hu-HU" dirty="0"/>
-                    </a:p>
-                  </a:txBody>
-                  <a:tcPr anchor="ctr"/>
-                </a:tc>
-                <a:tc>
-                  <a:txBody>
-                    <a:bodyPr/>
-                    <a:lstStyle/>
-                    <a:p>
-                      <a:pPr algn="ctr"/>
-                      <a:r>
-                        <a:rPr lang="hu-HU" dirty="0" smtClean="0"/>
-                        <a:t>&gt;</a:t>
-                      </a:r>
-                      <a:r>
-                        <a:rPr lang="hu-HU" baseline="0" dirty="0" smtClean="0"/>
-                        <a:t> 60 s</a:t>
-                      </a:r>
-                      <a:endParaRPr lang="hu-HU" dirty="0"/>
-                    </a:p>
-                  </a:txBody>
-                  <a:tcPr anchor="ctr"/>
-                </a:tc>
-              </a:tr>
-            </a:tbl>
-          </a:graphicData>
-        </a:graphic>
-      </p:graphicFrame>
+        </p:nvSpPr>
+        <p:spPr/>
+        <p:txBody>
+          <a:bodyPr/>
+          <a:lstStyle/>
+          <a:p>
+            <a:r>
+              <a:rPr lang="hu-HU" dirty="0" smtClean="0"/>
+              <a:t>Gép </a:t>
+            </a:r>
+            <a:r>
+              <a:rPr lang="hu-HU" dirty="0" err="1" smtClean="0"/>
+              <a:t>template</a:t>
+            </a:r>
+            <a:r>
+              <a:rPr lang="hu-HU" dirty="0" smtClean="0"/>
+              <a:t> helyett tömb</a:t>
+            </a:r>
+            <a:endParaRPr lang="hu-HU" dirty="0"/>
+          </a:p>
+        </p:txBody>
+      </p:sp>
       <p:sp>
         <p:nvSpPr>
           <p:cNvPr id="4" name="Dia számának helye 3"/>
@@ -6224,49 +5246,35 @@
           </a:p>
         </p:txBody>
       </p:sp>
-      <p:sp>
-        <p:nvSpPr>
-          <p:cNvPr id="5" name="Szövegdoboz 4"/>
-          <p:cNvSpPr txBox="1"/>
+      <p:pic>
+        <p:nvPicPr>
+          <p:cNvPr id="5" name="Kép 4" descr="modell5.PNG"/>
+          <p:cNvPicPr>
+            <a:picLocks noChangeAspect="1"/>
+          </p:cNvPicPr>
           <p:nvPr/>
-        </p:nvSpPr>
+        </p:nvPicPr>
+        <p:blipFill>
+          <a:blip r:embed="rId2" cstate="print"/>
+          <a:stretch>
+            <a:fillRect/>
+          </a:stretch>
+        </p:blipFill>
         <p:spPr>
           <a:xfrm>
-            <a:off x="2195736" y="6237312"/>
-            <a:ext cx="5688632" cy="369332"/>
+            <a:off x="2267743" y="2132856"/>
+            <a:ext cx="5942929" cy="4332520"/>
           </a:xfrm>
           <a:prstGeom prst="rect">
             <a:avLst/>
           </a:prstGeom>
-          <a:noFill/>
         </p:spPr>
-        <p:txBody>
-          <a:bodyPr wrap="square" rtlCol="0">
-            <a:spAutoFit/>
-          </a:bodyPr>
-          <a:lstStyle/>
-          <a:p>
-            <a:pPr algn="ctr"/>
-            <a:r>
-              <a:rPr lang="hu-HU" dirty="0" smtClean="0"/>
-              <a:t>Költség = 0</a:t>
-            </a:r>
-            <a:endParaRPr lang="hu-HU" dirty="0"/>
-          </a:p>
-        </p:txBody>
-      </p:sp>
+      </p:pic>
     </p:spTree>
   </p:cSld>
   <p:clrMapOvr>
     <a:masterClrMapping/>
   </p:clrMapOvr>
-  <p:timing>
-    <p:tnLst>
-      <p:par>
-        <p:cTn id="1" dur="indefinite" restart="never" nodeType="tmRoot"/>
-      </p:par>
-    </p:tnLst>
-  </p:timing>
 </p:sld>
 </file>
 
@@ -6304,609 +5312,89 @@
           <a:p>
             <a:r>
               <a:rPr lang="hu-HU" dirty="0" smtClean="0"/>
-              <a:t>Tesztelés kapcsolókkal</a:t>
+              <a:t>Modell R</a:t>
             </a:r>
             <a:endParaRPr lang="hu-HU" dirty="0"/>
           </a:p>
         </p:txBody>
       </p:sp>
-      <p:graphicFrame>
-        <p:nvGraphicFramePr>
-          <p:cNvPr id="5" name="Tartalom helye 4"/>
-          <p:cNvGraphicFramePr>
-            <a:graphicFrameLocks noGrp="1"/>
-          </p:cNvGraphicFramePr>
+      <p:sp>
+        <p:nvSpPr>
+          <p:cNvPr id="3" name="Tartalom helye 2"/>
+          <p:cNvSpPr>
+            <a:spLocks noGrp="1"/>
+          </p:cNvSpPr>
           <p:nvPr>
             <p:ph idx="1"/>
           </p:nvPr>
-        </p:nvGraphicFramePr>
-        <p:xfrm>
-          <a:off x="1507108" y="1468619"/>
-          <a:ext cx="6665292" cy="4768693"/>
-        </p:xfrm>
-        <a:graphic>
-          <a:graphicData uri="http://schemas.openxmlformats.org/drawingml/2006/table">
-            <a:tbl>
-              <a:tblPr firstRow="1" bandRow="1">
-                <a:tableStyleId>{0E3FDE45-AF77-4B5C-9715-49D594BDF05E}</a:tableStyleId>
-              </a:tblPr>
-              <a:tblGrid>
-                <a:gridCol w="1696740"/>
-                <a:gridCol w="2448272"/>
-                <a:gridCol w="2520280"/>
-              </a:tblGrid>
-              <a:tr h="745333">
-                <a:tc>
-                  <a:txBody>
-                    <a:bodyPr/>
-                    <a:lstStyle/>
-                    <a:p>
-                      <a:pPr algn="ctr"/>
-                      <a:r>
-                        <a:rPr lang="hu-HU" dirty="0" smtClean="0"/>
-                        <a:t>Munkaszám</a:t>
-                      </a:r>
-                      <a:endParaRPr lang="hu-HU" dirty="0"/>
-                    </a:p>
-                  </a:txBody>
-                  <a:tcPr anchor="ctr"/>
-                </a:tc>
-                <a:tc>
-                  <a:txBody>
-                    <a:bodyPr/>
-                    <a:lstStyle/>
-                    <a:p>
-                      <a:pPr algn="ctr"/>
-                      <a:r>
-                        <a:rPr lang="hu-HU" dirty="0" smtClean="0"/>
-                        <a:t>Modell 3</a:t>
-                      </a:r>
-                    </a:p>
-                    <a:p>
-                      <a:pPr algn="ctr"/>
-                      <a:r>
-                        <a:rPr lang="hu-HU" dirty="0" smtClean="0"/>
-                        <a:t>-C –E –n0 –o3 –S2</a:t>
-                      </a:r>
-                      <a:endParaRPr lang="hu-HU" dirty="0"/>
-                    </a:p>
-                  </a:txBody>
-                  <a:tcPr/>
-                </a:tc>
-                <a:tc>
-                  <a:txBody>
-                    <a:bodyPr/>
-                    <a:lstStyle/>
-                    <a:p>
-                      <a:pPr algn="ctr"/>
-                      <a:r>
-                        <a:rPr lang="hu-HU" dirty="0" smtClean="0"/>
-                        <a:t>Modell 5</a:t>
-                      </a:r>
-                    </a:p>
-                    <a:p>
-                      <a:pPr algn="ctr"/>
-                      <a:r>
-                        <a:rPr lang="hu-HU" dirty="0" smtClean="0"/>
-                        <a:t>-C –E –n0 –o2 –S0</a:t>
-                      </a:r>
-                      <a:endParaRPr lang="hu-HU" dirty="0"/>
-                    </a:p>
-                  </a:txBody>
-                  <a:tcPr/>
-                </a:tc>
-              </a:tr>
-              <a:tr h="298133">
-                <a:tc>
-                  <a:txBody>
-                    <a:bodyPr/>
-                    <a:lstStyle/>
-                    <a:p>
-                      <a:pPr algn="ctr"/>
-                      <a:r>
-                        <a:rPr lang="hu-HU" dirty="0" smtClean="0"/>
-                        <a:t>1</a:t>
-                      </a:r>
-                    </a:p>
-                  </a:txBody>
-                  <a:tcPr/>
-                </a:tc>
-                <a:tc>
-                  <a:txBody>
-                    <a:bodyPr/>
-                    <a:lstStyle/>
-                    <a:p>
-                      <a:pPr algn="ctr"/>
-                      <a:r>
-                        <a:rPr lang="hu-HU" dirty="0" smtClean="0"/>
-                        <a:t>0,073 s</a:t>
-                      </a:r>
-                      <a:endParaRPr lang="hu-HU" dirty="0"/>
-                    </a:p>
-                  </a:txBody>
-                  <a:tcPr/>
-                </a:tc>
-                <a:tc>
-                  <a:txBody>
-                    <a:bodyPr/>
-                    <a:lstStyle/>
-                    <a:p>
-                      <a:pPr algn="ctr"/>
-                      <a:r>
-                        <a:rPr lang="hu-HU" dirty="0" smtClean="0"/>
-                        <a:t>0,07 s</a:t>
-                      </a:r>
-                      <a:endParaRPr lang="hu-HU" dirty="0"/>
-                    </a:p>
-                  </a:txBody>
-                  <a:tcPr/>
-                </a:tc>
-              </a:tr>
-              <a:tr h="298133">
-                <a:tc>
-                  <a:txBody>
-                    <a:bodyPr/>
-                    <a:lstStyle/>
-                    <a:p>
-                      <a:pPr algn="ctr"/>
-                      <a:r>
-                        <a:rPr lang="hu-HU" dirty="0" smtClean="0"/>
-                        <a:t>2</a:t>
-                      </a:r>
-                      <a:endParaRPr lang="hu-HU" dirty="0"/>
-                    </a:p>
-                  </a:txBody>
-                  <a:tcPr/>
-                </a:tc>
-                <a:tc>
-                  <a:txBody>
-                    <a:bodyPr/>
-                    <a:lstStyle/>
-                    <a:p>
-                      <a:pPr algn="ctr"/>
-                      <a:r>
-                        <a:rPr lang="hu-HU" dirty="0" smtClean="0"/>
-                        <a:t>0,08 s</a:t>
-                      </a:r>
-                      <a:endParaRPr lang="hu-HU" dirty="0"/>
-                    </a:p>
-                  </a:txBody>
-                  <a:tcPr/>
-                </a:tc>
-                <a:tc>
-                  <a:txBody>
-                    <a:bodyPr/>
-                    <a:lstStyle/>
-                    <a:p>
-                      <a:pPr algn="ctr"/>
-                      <a:r>
-                        <a:rPr lang="hu-HU" dirty="0" smtClean="0"/>
-                        <a:t>0,07 s</a:t>
-                      </a:r>
-                      <a:endParaRPr lang="hu-HU" dirty="0"/>
-                    </a:p>
-                  </a:txBody>
-                  <a:tcPr/>
-                </a:tc>
-              </a:tr>
-              <a:tr h="298133">
-                <a:tc>
-                  <a:txBody>
-                    <a:bodyPr/>
-                    <a:lstStyle/>
-                    <a:p>
-                      <a:pPr algn="ctr"/>
-                      <a:r>
-                        <a:rPr lang="hu-HU" dirty="0" smtClean="0"/>
-                        <a:t>3</a:t>
-                      </a:r>
-                      <a:endParaRPr lang="hu-HU" dirty="0"/>
-                    </a:p>
-                  </a:txBody>
-                  <a:tcPr/>
-                </a:tc>
-                <a:tc>
-                  <a:txBody>
-                    <a:bodyPr/>
-                    <a:lstStyle/>
-                    <a:p>
-                      <a:pPr algn="ctr"/>
-                      <a:r>
-                        <a:rPr lang="hu-HU" dirty="0" smtClean="0"/>
-                        <a:t>0,10 s </a:t>
-                      </a:r>
-                      <a:endParaRPr lang="hu-HU" dirty="0"/>
-                    </a:p>
-                  </a:txBody>
-                  <a:tcPr/>
-                </a:tc>
-                <a:tc>
-                  <a:txBody>
-                    <a:bodyPr/>
-                    <a:lstStyle/>
-                    <a:p>
-                      <a:pPr algn="ctr"/>
-                      <a:r>
-                        <a:rPr lang="hu-HU" dirty="0" smtClean="0"/>
-                        <a:t>0,07 s</a:t>
-                      </a:r>
-                      <a:endParaRPr lang="hu-HU" dirty="0"/>
-                    </a:p>
-                  </a:txBody>
-                  <a:tcPr/>
-                </a:tc>
-              </a:tr>
-              <a:tr h="298133">
-                <a:tc>
-                  <a:txBody>
-                    <a:bodyPr/>
-                    <a:lstStyle/>
-                    <a:p>
-                      <a:pPr algn="ctr"/>
-                      <a:r>
-                        <a:rPr lang="hu-HU" dirty="0" smtClean="0"/>
-                        <a:t>4</a:t>
-                      </a:r>
-                      <a:endParaRPr lang="hu-HU" dirty="0"/>
-                    </a:p>
-                  </a:txBody>
-                  <a:tcPr/>
-                </a:tc>
-                <a:tc>
-                  <a:txBody>
-                    <a:bodyPr/>
-                    <a:lstStyle/>
-                    <a:p>
-                      <a:pPr algn="ctr"/>
-                      <a:r>
-                        <a:rPr lang="hu-HU" dirty="0" smtClean="0"/>
-                        <a:t>0,21s  </a:t>
-                      </a:r>
-                      <a:endParaRPr lang="hu-HU" dirty="0"/>
-                    </a:p>
-                  </a:txBody>
-                  <a:tcPr/>
-                </a:tc>
-                <a:tc>
-                  <a:txBody>
-                    <a:bodyPr/>
-                    <a:lstStyle/>
-                    <a:p>
-                      <a:pPr algn="ctr"/>
-                      <a:r>
-                        <a:rPr lang="hu-HU" dirty="0" smtClean="0"/>
-                        <a:t>0,08 s</a:t>
-                      </a:r>
-                      <a:endParaRPr lang="hu-HU" dirty="0"/>
-                    </a:p>
-                  </a:txBody>
-                  <a:tcPr/>
-                </a:tc>
-              </a:tr>
-              <a:tr h="298133">
-                <a:tc>
-                  <a:txBody>
-                    <a:bodyPr/>
-                    <a:lstStyle/>
-                    <a:p>
-                      <a:pPr algn="ctr"/>
-                      <a:r>
-                        <a:rPr lang="hu-HU" dirty="0" smtClean="0"/>
-                        <a:t>5</a:t>
-                      </a:r>
-                      <a:endParaRPr lang="hu-HU" dirty="0"/>
-                    </a:p>
-                  </a:txBody>
-                  <a:tcPr/>
-                </a:tc>
-                <a:tc>
-                  <a:txBody>
-                    <a:bodyPr/>
-                    <a:lstStyle/>
-                    <a:p>
-                      <a:pPr algn="ctr"/>
-                      <a:r>
-                        <a:rPr lang="hu-HU" dirty="0" smtClean="0"/>
-                        <a:t>0,92 s</a:t>
-                      </a:r>
-                      <a:endParaRPr lang="hu-HU" dirty="0"/>
-                    </a:p>
-                  </a:txBody>
-                  <a:tcPr/>
-                </a:tc>
-                <a:tc>
-                  <a:txBody>
-                    <a:bodyPr/>
-                    <a:lstStyle/>
-                    <a:p>
-                      <a:pPr algn="ctr"/>
-                      <a:r>
-                        <a:rPr lang="hu-HU" dirty="0" smtClean="0"/>
-                        <a:t>0,11 s</a:t>
-                      </a:r>
-                      <a:endParaRPr lang="hu-HU" dirty="0"/>
-                    </a:p>
-                  </a:txBody>
-                  <a:tcPr/>
-                </a:tc>
-              </a:tr>
-              <a:tr h="298133">
-                <a:tc>
-                  <a:txBody>
-                    <a:bodyPr/>
-                    <a:lstStyle/>
-                    <a:p>
-                      <a:pPr algn="ctr"/>
-                      <a:r>
-                        <a:rPr lang="hu-HU" dirty="0" smtClean="0"/>
-                        <a:t>6</a:t>
-                      </a:r>
-                      <a:endParaRPr lang="hu-HU" dirty="0"/>
-                    </a:p>
-                  </a:txBody>
-                  <a:tcPr/>
-                </a:tc>
-                <a:tc>
-                  <a:txBody>
-                    <a:bodyPr/>
-                    <a:lstStyle/>
-                    <a:p>
-                      <a:pPr algn="ctr"/>
-                      <a:r>
-                        <a:rPr lang="hu-HU" dirty="0" smtClean="0"/>
-                        <a:t>4,01 s</a:t>
-                      </a:r>
-                      <a:endParaRPr lang="hu-HU" dirty="0"/>
-                    </a:p>
-                  </a:txBody>
-                  <a:tcPr/>
-                </a:tc>
-                <a:tc>
-                  <a:txBody>
-                    <a:bodyPr/>
-                    <a:lstStyle/>
-                    <a:p>
-                      <a:pPr algn="ctr"/>
-                      <a:r>
-                        <a:rPr lang="hu-HU" dirty="0" smtClean="0"/>
-                        <a:t>0,16 s</a:t>
-                      </a:r>
-                      <a:endParaRPr lang="hu-HU" dirty="0"/>
-                    </a:p>
-                  </a:txBody>
-                  <a:tcPr/>
-                </a:tc>
-              </a:tr>
-              <a:tr h="298133">
-                <a:tc>
-                  <a:txBody>
-                    <a:bodyPr/>
-                    <a:lstStyle/>
-                    <a:p>
-                      <a:pPr algn="ctr"/>
-                      <a:r>
-                        <a:rPr lang="hu-HU" dirty="0" smtClean="0"/>
-                        <a:t>7</a:t>
-                      </a:r>
-                      <a:endParaRPr lang="hu-HU" dirty="0"/>
-                    </a:p>
-                  </a:txBody>
-                  <a:tcPr/>
-                </a:tc>
-                <a:tc>
-                  <a:txBody>
-                    <a:bodyPr/>
-                    <a:lstStyle/>
-                    <a:p>
-                      <a:pPr algn="ctr"/>
-                      <a:r>
-                        <a:rPr lang="hu-HU" dirty="0" smtClean="0"/>
-                        <a:t>24,61 s</a:t>
-                      </a:r>
-                      <a:endParaRPr lang="hu-HU" dirty="0"/>
-                    </a:p>
-                  </a:txBody>
-                  <a:tcPr/>
-                </a:tc>
-                <a:tc>
-                  <a:txBody>
-                    <a:bodyPr/>
-                    <a:lstStyle/>
-                    <a:p>
-                      <a:pPr algn="ctr"/>
-                      <a:r>
-                        <a:rPr lang="hu-HU" dirty="0" smtClean="0"/>
-                        <a:t>0,35 s</a:t>
-                      </a:r>
-                      <a:endParaRPr lang="hu-HU" dirty="0"/>
-                    </a:p>
-                  </a:txBody>
-                  <a:tcPr/>
-                </a:tc>
-              </a:tr>
-              <a:tr h="298133">
-                <a:tc>
-                  <a:txBody>
-                    <a:bodyPr/>
-                    <a:lstStyle/>
-                    <a:p>
-                      <a:pPr algn="ctr"/>
-                      <a:r>
-                        <a:rPr lang="hu-HU" dirty="0" smtClean="0"/>
-                        <a:t>8</a:t>
-                      </a:r>
-                      <a:endParaRPr lang="hu-HU" dirty="0"/>
-                    </a:p>
-                  </a:txBody>
-                  <a:tcPr/>
-                </a:tc>
-                <a:tc>
-                  <a:txBody>
-                    <a:bodyPr/>
-                    <a:lstStyle/>
-                    <a:p>
-                      <a:pPr algn="ctr"/>
-                      <a:r>
-                        <a:rPr lang="hu-HU" dirty="0" smtClean="0"/>
-                        <a:t>&gt; 60</a:t>
-                      </a:r>
-                      <a:r>
-                        <a:rPr lang="hu-HU" baseline="0" dirty="0" smtClean="0"/>
-                        <a:t> s</a:t>
-                      </a:r>
-                      <a:endParaRPr lang="hu-HU" dirty="0"/>
-                    </a:p>
-                  </a:txBody>
-                  <a:tcPr/>
-                </a:tc>
-                <a:tc>
-                  <a:txBody>
-                    <a:bodyPr/>
-                    <a:lstStyle/>
-                    <a:p>
-                      <a:pPr algn="ctr"/>
-                      <a:r>
-                        <a:rPr lang="hu-HU" dirty="0" smtClean="0"/>
-                        <a:t>1,70 s</a:t>
-                      </a:r>
-                      <a:endParaRPr lang="hu-HU" dirty="0"/>
-                    </a:p>
-                  </a:txBody>
-                  <a:tcPr/>
-                </a:tc>
-              </a:tr>
-              <a:tr h="298133">
-                <a:tc>
-                  <a:txBody>
-                    <a:bodyPr/>
-                    <a:lstStyle/>
-                    <a:p>
-                      <a:pPr algn="ctr"/>
-                      <a:r>
-                        <a:rPr lang="hu-HU" dirty="0" smtClean="0"/>
-                        <a:t>9</a:t>
-                      </a:r>
-                      <a:endParaRPr lang="hu-HU" dirty="0"/>
-                    </a:p>
-                  </a:txBody>
-                  <a:tcPr/>
-                </a:tc>
-                <a:tc>
-                  <a:txBody>
-                    <a:bodyPr/>
-                    <a:lstStyle/>
-                    <a:p>
-                      <a:pPr algn="ctr"/>
-                      <a:endParaRPr lang="hu-HU" dirty="0"/>
-                    </a:p>
-                  </a:txBody>
-                  <a:tcPr/>
-                </a:tc>
-                <a:tc>
-                  <a:txBody>
-                    <a:bodyPr/>
-                    <a:lstStyle/>
-                    <a:p>
-                      <a:pPr algn="ctr"/>
-                      <a:r>
-                        <a:rPr lang="hu-HU" dirty="0" smtClean="0"/>
-                        <a:t>2,42 s</a:t>
-                      </a:r>
-                    </a:p>
-                  </a:txBody>
-                  <a:tcPr/>
-                </a:tc>
-              </a:tr>
-              <a:tr h="298133">
-                <a:tc>
-                  <a:txBody>
-                    <a:bodyPr/>
-                    <a:lstStyle/>
-                    <a:p>
-                      <a:pPr algn="ctr"/>
-                      <a:r>
-                        <a:rPr lang="hu-HU" dirty="0" smtClean="0"/>
-                        <a:t>10</a:t>
-                      </a:r>
-                      <a:endParaRPr lang="hu-HU" dirty="0"/>
-                    </a:p>
-                  </a:txBody>
-                  <a:tcPr/>
-                </a:tc>
-                <a:tc>
-                  <a:txBody>
-                    <a:bodyPr/>
-                    <a:lstStyle/>
-                    <a:p>
-                      <a:pPr algn="ctr"/>
-                      <a:endParaRPr lang="hu-HU" dirty="0"/>
-                    </a:p>
-                  </a:txBody>
-                  <a:tcPr/>
-                </a:tc>
-                <a:tc>
-                  <a:txBody>
-                    <a:bodyPr/>
-                    <a:lstStyle/>
-                    <a:p>
-                      <a:pPr algn="ctr"/>
-                      <a:r>
-                        <a:rPr lang="hu-HU" dirty="0" smtClean="0"/>
-                        <a:t>30,14 s</a:t>
-                      </a:r>
-                      <a:endParaRPr lang="hu-HU" dirty="0"/>
-                    </a:p>
-                  </a:txBody>
-                  <a:tcPr/>
-                </a:tc>
-              </a:tr>
-              <a:tr h="298133">
-                <a:tc>
-                  <a:txBody>
-                    <a:bodyPr/>
-                    <a:lstStyle/>
-                    <a:p>
-                      <a:pPr algn="ctr"/>
-                      <a:r>
-                        <a:rPr lang="hu-HU" dirty="0" smtClean="0"/>
-                        <a:t>11</a:t>
-                      </a:r>
-                      <a:endParaRPr lang="hu-HU" dirty="0"/>
-                    </a:p>
-                  </a:txBody>
-                  <a:tcPr/>
-                </a:tc>
-                <a:tc>
-                  <a:txBody>
-                    <a:bodyPr/>
-                    <a:lstStyle/>
-                    <a:p>
-                      <a:pPr algn="ctr"/>
-                      <a:endParaRPr lang="hu-HU"/>
-                    </a:p>
-                  </a:txBody>
-                  <a:tcPr/>
-                </a:tc>
-                <a:tc>
-                  <a:txBody>
-                    <a:bodyPr/>
-                    <a:lstStyle/>
-                    <a:p>
-                      <a:pPr algn="ctr"/>
-                      <a:r>
-                        <a:rPr lang="hu-HU" dirty="0" smtClean="0"/>
-                        <a:t>&gt; 60 s</a:t>
-                      </a:r>
-                      <a:endParaRPr lang="hu-HU" dirty="0"/>
-                    </a:p>
-                  </a:txBody>
-                  <a:tcPr/>
-                </a:tc>
-              </a:tr>
-            </a:tbl>
-          </a:graphicData>
-        </a:graphic>
-      </p:graphicFrame>
+        </p:nvSpPr>
+        <p:spPr/>
+        <p:txBody>
+          <a:bodyPr/>
+          <a:lstStyle/>
+          <a:p>
+            <a:r>
+              <a:rPr lang="hu-HU" dirty="0" err="1" smtClean="0"/>
+              <a:t>Remaining</a:t>
+            </a:r>
+            <a:r>
+              <a:rPr lang="hu-HU" dirty="0" smtClean="0"/>
+              <a:t> </a:t>
+            </a:r>
+            <a:r>
+              <a:rPr lang="hu-HU" dirty="0" smtClean="0"/>
+              <a:t>függvény definiálása</a:t>
+            </a:r>
+            <a:endParaRPr lang="hu-HU" dirty="0" smtClean="0"/>
+          </a:p>
+          <a:p>
+            <a:r>
+              <a:rPr lang="hu-HU" dirty="0" smtClean="0"/>
+              <a:t>Módosított bemeneti adatok</a:t>
+            </a:r>
+          </a:p>
+          <a:p>
+            <a:pPr lvl="1"/>
+            <a:r>
+              <a:rPr lang="hu-HU" dirty="0" smtClean="0"/>
+              <a:t>Egy gép, alacsonyabb munkaidők, eltérő költségek</a:t>
+            </a:r>
+          </a:p>
+          <a:p>
+            <a:pPr marL="365760" lvl="1" indent="-283464">
+              <a:spcBef>
+                <a:spcPts val="600"/>
+              </a:spcBef>
+              <a:buSzPct val="80000"/>
+              <a:buFont typeface="Wingdings 2"/>
+              <a:buChar char=""/>
+            </a:pPr>
+            <a:r>
+              <a:rPr lang="hu-HU" sz="3200" dirty="0" smtClean="0"/>
+              <a:t>Cél:  költségkorlát meghatározása, az ütemezés gyorsítása</a:t>
+            </a:r>
+          </a:p>
+          <a:p>
+            <a:pPr marL="365760" lvl="1" indent="-283464">
+              <a:spcBef>
+                <a:spcPts val="600"/>
+              </a:spcBef>
+              <a:buSzPct val="80000"/>
+              <a:buFont typeface="Wingdings 2"/>
+              <a:buChar char=""/>
+            </a:pPr>
+            <a:r>
+              <a:rPr lang="hu-HU" sz="3200" dirty="0" smtClean="0"/>
+              <a:t>Feladatok egységnyi részekre bontása </a:t>
+            </a:r>
+            <a:endParaRPr lang="hu-HU" sz="3200" dirty="0" smtClean="0"/>
+          </a:p>
+          <a:p>
+            <a:pPr lvl="1"/>
+            <a:endParaRPr lang="hu-HU" dirty="0" smtClean="0"/>
+          </a:p>
+        </p:txBody>
+      </p:sp>
       <p:sp>
         <p:nvSpPr>
           <p:cNvPr id="4" name="Dia számának helye 3"/>
@@ -6931,49 +5419,11 @@
           </a:p>
         </p:txBody>
       </p:sp>
-      <p:sp>
-        <p:nvSpPr>
-          <p:cNvPr id="6" name="Szövegdoboz 5"/>
-          <p:cNvSpPr txBox="1"/>
-          <p:nvPr/>
-        </p:nvSpPr>
-        <p:spPr>
-          <a:xfrm>
-            <a:off x="2195736" y="6300028"/>
-            <a:ext cx="5688632" cy="369332"/>
-          </a:xfrm>
-          <a:prstGeom prst="rect">
-            <a:avLst/>
-          </a:prstGeom>
-          <a:noFill/>
-        </p:spPr>
-        <p:txBody>
-          <a:bodyPr wrap="square" rtlCol="0">
-            <a:spAutoFit/>
-          </a:bodyPr>
-          <a:lstStyle/>
-          <a:p>
-            <a:pPr algn="ctr"/>
-            <a:r>
-              <a:rPr lang="hu-HU" dirty="0" smtClean="0"/>
-              <a:t>Költség = 0</a:t>
-            </a:r>
-            <a:endParaRPr lang="hu-HU" dirty="0"/>
-          </a:p>
-        </p:txBody>
-      </p:sp>
     </p:spTree>
   </p:cSld>
   <p:clrMapOvr>
     <a:masterClrMapping/>
   </p:clrMapOvr>
-  <p:timing>
-    <p:tnLst>
-      <p:par>
-        <p:cTn id="1" dur="indefinite" restart="never" nodeType="tmRoot"/>
-      </p:par>
-    </p:tnLst>
-  </p:timing>
 </p:sld>
 </file>
 
@@ -7011,15 +5461,934 @@
           <a:p>
             <a:r>
               <a:rPr lang="hu-HU" dirty="0" smtClean="0"/>
-              <a:t>Kapcsolókkal</a:t>
+              <a:t>Tesztelés</a:t>
             </a:r>
             <a:endParaRPr lang="hu-HU" dirty="0"/>
           </a:p>
         </p:txBody>
       </p:sp>
-      <p:sp>
-        <p:nvSpPr>
-          <p:cNvPr id="3" name="Dia számának helye 2"/>
+      <p:graphicFrame>
+        <p:nvGraphicFramePr>
+          <p:cNvPr id="6" name="Tartalom helye 5"/>
+          <p:cNvGraphicFramePr>
+            <a:graphicFrameLocks noGrp="1"/>
+          </p:cNvGraphicFramePr>
+          <p:nvPr>
+            <p:ph idx="1"/>
+          </p:nvPr>
+        </p:nvGraphicFramePr>
+        <p:xfrm>
+          <a:off x="1187625" y="1556789"/>
+          <a:ext cx="7344815" cy="4351501"/>
+        </p:xfrm>
+        <a:graphic>
+          <a:graphicData uri="http://schemas.openxmlformats.org/drawingml/2006/table">
+            <a:tbl>
+              <a:tblPr firstRow="1" bandRow="1">
+                <a:tableStyleId>{0E3FDE45-AF77-4B5C-9715-49D594BDF05E}</a:tableStyleId>
+              </a:tblPr>
+              <a:tblGrid>
+                <a:gridCol w="1468963"/>
+                <a:gridCol w="1468963"/>
+                <a:gridCol w="1468963"/>
+                <a:gridCol w="1468963"/>
+                <a:gridCol w="1468963"/>
+              </a:tblGrid>
+              <a:tr h="432051">
+                <a:tc>
+                  <a:txBody>
+                    <a:bodyPr/>
+                    <a:lstStyle/>
+                    <a:p>
+                      <a:pPr algn="ctr"/>
+                      <a:r>
+                        <a:rPr lang="hu-HU" dirty="0" smtClean="0"/>
+                        <a:t>Munkaszám</a:t>
+                      </a:r>
+                      <a:endParaRPr lang="hu-HU" dirty="0"/>
+                    </a:p>
+                  </a:txBody>
+                  <a:tcPr anchor="ctr"/>
+                </a:tc>
+                <a:tc>
+                  <a:txBody>
+                    <a:bodyPr/>
+                    <a:lstStyle/>
+                    <a:p>
+                      <a:pPr algn="ctr"/>
+                      <a:r>
+                        <a:rPr lang="hu-HU" dirty="0" smtClean="0"/>
+                        <a:t>Modell 1</a:t>
+                      </a:r>
+                      <a:endParaRPr lang="hu-HU" dirty="0"/>
+                    </a:p>
+                  </a:txBody>
+                  <a:tcPr anchor="ctr"/>
+                </a:tc>
+                <a:tc>
+                  <a:txBody>
+                    <a:bodyPr/>
+                    <a:lstStyle/>
+                    <a:p>
+                      <a:pPr algn="ctr"/>
+                      <a:r>
+                        <a:rPr lang="hu-HU" dirty="0" smtClean="0"/>
+                        <a:t>Modell 3</a:t>
+                      </a:r>
+                      <a:endParaRPr lang="hu-HU" dirty="0"/>
+                    </a:p>
+                  </a:txBody>
+                  <a:tcPr anchor="ctr"/>
+                </a:tc>
+                <a:tc>
+                  <a:txBody>
+                    <a:bodyPr/>
+                    <a:lstStyle/>
+                    <a:p>
+                      <a:pPr algn="ctr"/>
+                      <a:r>
+                        <a:rPr lang="hu-HU" dirty="0" smtClean="0"/>
+                        <a:t>Modell </a:t>
+                      </a:r>
+                      <a:r>
+                        <a:rPr lang="hu-HU" dirty="0" smtClean="0"/>
+                        <a:t>5</a:t>
+                      </a:r>
+                      <a:endParaRPr lang="hu-HU" dirty="0"/>
+                    </a:p>
+                  </a:txBody>
+                  <a:tcPr anchor="ctr"/>
+                </a:tc>
+                <a:tc>
+                  <a:txBody>
+                    <a:bodyPr/>
+                    <a:lstStyle/>
+                    <a:p>
+                      <a:pPr algn="ctr"/>
+                      <a:r>
+                        <a:rPr lang="hu-HU" dirty="0" smtClean="0"/>
+                        <a:t>Költség</a:t>
+                      </a:r>
+                      <a:endParaRPr lang="hu-HU" dirty="0"/>
+                    </a:p>
+                  </a:txBody>
+                  <a:tcPr anchor="ctr"/>
+                </a:tc>
+              </a:tr>
+              <a:tr h="391945">
+                <a:tc>
+                  <a:txBody>
+                    <a:bodyPr/>
+                    <a:lstStyle/>
+                    <a:p>
+                      <a:pPr algn="ctr"/>
+                      <a:r>
+                        <a:rPr lang="hu-HU" dirty="0" smtClean="0"/>
+                        <a:t>1</a:t>
+                      </a:r>
+                    </a:p>
+                  </a:txBody>
+                  <a:tcPr anchor="ctr"/>
+                </a:tc>
+                <a:tc>
+                  <a:txBody>
+                    <a:bodyPr/>
+                    <a:lstStyle/>
+                    <a:p>
+                      <a:pPr algn="ctr"/>
+                      <a:r>
+                        <a:rPr lang="hu-HU" dirty="0" smtClean="0"/>
+                        <a:t>0,08 </a:t>
+                      </a:r>
+                      <a:r>
+                        <a:rPr lang="hu-HU" dirty="0" smtClean="0"/>
+                        <a:t>s</a:t>
+                      </a:r>
+                    </a:p>
+                  </a:txBody>
+                  <a:tcPr anchor="ctr"/>
+                </a:tc>
+                <a:tc>
+                  <a:txBody>
+                    <a:bodyPr/>
+                    <a:lstStyle/>
+                    <a:p>
+                      <a:pPr algn="ctr"/>
+                      <a:r>
+                        <a:rPr lang="hu-HU" dirty="0" smtClean="0"/>
+                        <a:t>0,06 s</a:t>
+                      </a:r>
+                      <a:endParaRPr lang="hu-HU" dirty="0"/>
+                    </a:p>
+                  </a:txBody>
+                  <a:tcPr anchor="ctr"/>
+                </a:tc>
+                <a:tc>
+                  <a:txBody>
+                    <a:bodyPr/>
+                    <a:lstStyle/>
+                    <a:p>
+                      <a:pPr algn="ctr"/>
+                      <a:r>
+                        <a:rPr lang="hu-HU" dirty="0" smtClean="0"/>
+                        <a:t>0,05</a:t>
+                      </a:r>
+                      <a:r>
+                        <a:rPr lang="hu-HU" baseline="0" dirty="0" smtClean="0"/>
+                        <a:t> </a:t>
+                      </a:r>
+                      <a:r>
+                        <a:rPr lang="hu-HU" dirty="0" smtClean="0"/>
+                        <a:t>s</a:t>
+                      </a:r>
+                      <a:endParaRPr lang="hu-HU" dirty="0"/>
+                    </a:p>
+                  </a:txBody>
+                  <a:tcPr anchor="ctr"/>
+                </a:tc>
+                <a:tc>
+                  <a:txBody>
+                    <a:bodyPr/>
+                    <a:lstStyle/>
+                    <a:p>
+                      <a:pPr algn="ctr"/>
+                      <a:r>
+                        <a:rPr lang="hu-HU" dirty="0" smtClean="0"/>
+                        <a:t>0</a:t>
+                      </a:r>
+                      <a:endParaRPr lang="hu-HU" dirty="0"/>
+                    </a:p>
+                  </a:txBody>
+                  <a:tcPr anchor="ctr"/>
+                </a:tc>
+              </a:tr>
+              <a:tr h="391945">
+                <a:tc>
+                  <a:txBody>
+                    <a:bodyPr/>
+                    <a:lstStyle/>
+                    <a:p>
+                      <a:pPr algn="ctr"/>
+                      <a:r>
+                        <a:rPr lang="hu-HU" dirty="0" smtClean="0"/>
+                        <a:t>2</a:t>
+                      </a:r>
+                      <a:endParaRPr lang="hu-HU" dirty="0"/>
+                    </a:p>
+                  </a:txBody>
+                  <a:tcPr anchor="ctr"/>
+                </a:tc>
+                <a:tc>
+                  <a:txBody>
+                    <a:bodyPr/>
+                    <a:lstStyle/>
+                    <a:p>
+                      <a:pPr algn="ctr"/>
+                      <a:r>
+                        <a:rPr lang="hu-HU" dirty="0" smtClean="0"/>
+                        <a:t>0,09</a:t>
+                      </a:r>
+                      <a:r>
+                        <a:rPr lang="hu-HU" baseline="0" dirty="0" smtClean="0"/>
+                        <a:t> </a:t>
+                      </a:r>
+                      <a:r>
+                        <a:rPr lang="hu-HU" baseline="0" dirty="0" smtClean="0"/>
+                        <a:t>s</a:t>
+                      </a:r>
+                      <a:endParaRPr lang="hu-HU" dirty="0"/>
+                    </a:p>
+                  </a:txBody>
+                  <a:tcPr anchor="ctr"/>
+                </a:tc>
+                <a:tc>
+                  <a:txBody>
+                    <a:bodyPr/>
+                    <a:lstStyle/>
+                    <a:p>
+                      <a:pPr algn="ctr"/>
+                      <a:r>
+                        <a:rPr lang="hu-HU" dirty="0" smtClean="0"/>
+                        <a:t>0,08 </a:t>
+                      </a:r>
+                      <a:r>
+                        <a:rPr lang="hu-HU" dirty="0" smtClean="0"/>
+                        <a:t>s</a:t>
+                      </a:r>
+                      <a:endParaRPr lang="hu-HU" dirty="0"/>
+                    </a:p>
+                  </a:txBody>
+                  <a:tcPr anchor="ctr"/>
+                </a:tc>
+                <a:tc>
+                  <a:txBody>
+                    <a:bodyPr/>
+                    <a:lstStyle/>
+                    <a:p>
+                      <a:pPr algn="ctr"/>
+                      <a:r>
+                        <a:rPr lang="hu-HU" dirty="0" smtClean="0"/>
+                        <a:t>0,07 </a:t>
+                      </a:r>
+                      <a:r>
+                        <a:rPr lang="hu-HU" dirty="0" smtClean="0"/>
+                        <a:t>s</a:t>
+                      </a:r>
+                      <a:endParaRPr lang="hu-HU" dirty="0"/>
+                    </a:p>
+                  </a:txBody>
+                  <a:tcPr anchor="ctr"/>
+                </a:tc>
+                <a:tc>
+                  <a:txBody>
+                    <a:bodyPr/>
+                    <a:lstStyle/>
+                    <a:p>
+                      <a:pPr algn="ctr"/>
+                      <a:r>
+                        <a:rPr lang="hu-HU" dirty="0" smtClean="0"/>
+                        <a:t>0</a:t>
+                      </a:r>
+                      <a:endParaRPr lang="hu-HU" dirty="0"/>
+                    </a:p>
+                  </a:txBody>
+                  <a:tcPr anchor="ctr"/>
+                </a:tc>
+              </a:tr>
+              <a:tr h="391945">
+                <a:tc>
+                  <a:txBody>
+                    <a:bodyPr/>
+                    <a:lstStyle/>
+                    <a:p>
+                      <a:pPr algn="ctr"/>
+                      <a:r>
+                        <a:rPr lang="hu-HU" dirty="0" smtClean="0"/>
+                        <a:t>3</a:t>
+                      </a:r>
+                    </a:p>
+                  </a:txBody>
+                  <a:tcPr anchor="ctr"/>
+                </a:tc>
+                <a:tc>
+                  <a:txBody>
+                    <a:bodyPr/>
+                    <a:lstStyle/>
+                    <a:p>
+                      <a:pPr algn="ctr"/>
+                      <a:r>
+                        <a:rPr lang="hu-HU" dirty="0" smtClean="0"/>
+                        <a:t>0,37 </a:t>
+                      </a:r>
+                      <a:r>
+                        <a:rPr lang="hu-HU" dirty="0" smtClean="0"/>
+                        <a:t>s</a:t>
+                      </a:r>
+                      <a:endParaRPr lang="hu-HU" dirty="0"/>
+                    </a:p>
+                  </a:txBody>
+                  <a:tcPr anchor="ctr"/>
+                </a:tc>
+                <a:tc>
+                  <a:txBody>
+                    <a:bodyPr/>
+                    <a:lstStyle/>
+                    <a:p>
+                      <a:pPr algn="ctr"/>
+                      <a:r>
+                        <a:rPr lang="hu-HU" dirty="0" smtClean="0"/>
+                        <a:t>0,13 </a:t>
+                      </a:r>
+                      <a:r>
+                        <a:rPr lang="hu-HU" dirty="0" smtClean="0"/>
+                        <a:t>s</a:t>
+                      </a:r>
+                      <a:endParaRPr lang="hu-HU" dirty="0"/>
+                    </a:p>
+                  </a:txBody>
+                  <a:tcPr anchor="ctr"/>
+                </a:tc>
+                <a:tc>
+                  <a:txBody>
+                    <a:bodyPr/>
+                    <a:lstStyle/>
+                    <a:p>
+                      <a:pPr algn="ctr"/>
+                      <a:r>
+                        <a:rPr lang="hu-HU" dirty="0" smtClean="0"/>
+                        <a:t>0,09 </a:t>
+                      </a:r>
+                      <a:r>
+                        <a:rPr lang="hu-HU" dirty="0" smtClean="0"/>
+                        <a:t>s</a:t>
+                      </a:r>
+                      <a:endParaRPr lang="hu-HU" dirty="0"/>
+                    </a:p>
+                  </a:txBody>
+                  <a:tcPr anchor="ctr"/>
+                </a:tc>
+                <a:tc>
+                  <a:txBody>
+                    <a:bodyPr/>
+                    <a:lstStyle/>
+                    <a:p>
+                      <a:pPr algn="ctr"/>
+                      <a:r>
+                        <a:rPr lang="hu-HU" dirty="0" smtClean="0"/>
+                        <a:t>0</a:t>
+                      </a:r>
+                      <a:endParaRPr lang="hu-HU" dirty="0"/>
+                    </a:p>
+                  </a:txBody>
+                  <a:tcPr anchor="ctr"/>
+                </a:tc>
+              </a:tr>
+              <a:tr h="391945">
+                <a:tc>
+                  <a:txBody>
+                    <a:bodyPr/>
+                    <a:lstStyle/>
+                    <a:p>
+                      <a:pPr algn="ctr"/>
+                      <a:r>
+                        <a:rPr lang="hu-HU" dirty="0" smtClean="0"/>
+                        <a:t>4</a:t>
+                      </a:r>
+                      <a:endParaRPr lang="hu-HU" dirty="0"/>
+                    </a:p>
+                  </a:txBody>
+                  <a:tcPr anchor="ctr"/>
+                </a:tc>
+                <a:tc>
+                  <a:txBody>
+                    <a:bodyPr/>
+                    <a:lstStyle/>
+                    <a:p>
+                      <a:pPr algn="ctr"/>
+                      <a:r>
+                        <a:rPr lang="hu-HU" dirty="0" smtClean="0"/>
+                        <a:t>12,2 </a:t>
+                      </a:r>
+                      <a:r>
+                        <a:rPr lang="hu-HU" dirty="0" smtClean="0"/>
+                        <a:t>s </a:t>
+                      </a:r>
+                      <a:endParaRPr lang="hu-HU" dirty="0"/>
+                    </a:p>
+                  </a:txBody>
+                  <a:tcPr anchor="ctr"/>
+                </a:tc>
+                <a:tc>
+                  <a:txBody>
+                    <a:bodyPr/>
+                    <a:lstStyle/>
+                    <a:p>
+                      <a:pPr algn="ctr"/>
+                      <a:r>
+                        <a:rPr lang="hu-HU" dirty="0" smtClean="0"/>
+                        <a:t>0,49</a:t>
+                      </a:r>
+                      <a:r>
+                        <a:rPr lang="hu-HU" baseline="0" dirty="0" smtClean="0"/>
+                        <a:t> s</a:t>
+                      </a:r>
+                      <a:endParaRPr lang="hu-HU" dirty="0"/>
+                    </a:p>
+                  </a:txBody>
+                  <a:tcPr anchor="ctr"/>
+                </a:tc>
+                <a:tc>
+                  <a:txBody>
+                    <a:bodyPr/>
+                    <a:lstStyle/>
+                    <a:p>
+                      <a:pPr algn="ctr"/>
+                      <a:r>
+                        <a:rPr lang="hu-HU" dirty="0" smtClean="0"/>
+                        <a:t>0,14 </a:t>
+                      </a:r>
+                      <a:r>
+                        <a:rPr lang="hu-HU" dirty="0" smtClean="0"/>
+                        <a:t>s</a:t>
+                      </a:r>
+                      <a:endParaRPr lang="hu-HU" dirty="0"/>
+                    </a:p>
+                  </a:txBody>
+                  <a:tcPr anchor="ctr"/>
+                </a:tc>
+                <a:tc>
+                  <a:txBody>
+                    <a:bodyPr/>
+                    <a:lstStyle/>
+                    <a:p>
+                      <a:pPr algn="ctr"/>
+                      <a:r>
+                        <a:rPr lang="hu-HU" dirty="0" smtClean="0"/>
+                        <a:t>0</a:t>
+                      </a:r>
+                      <a:endParaRPr lang="hu-HU" dirty="0"/>
+                    </a:p>
+                  </a:txBody>
+                  <a:tcPr anchor="ctr"/>
+                </a:tc>
+              </a:tr>
+              <a:tr h="391945">
+                <a:tc>
+                  <a:txBody>
+                    <a:bodyPr/>
+                    <a:lstStyle/>
+                    <a:p>
+                      <a:pPr algn="ctr"/>
+                      <a:r>
+                        <a:rPr lang="hu-HU" dirty="0" smtClean="0"/>
+                        <a:t>5</a:t>
+                      </a:r>
+                      <a:endParaRPr lang="hu-HU" dirty="0"/>
+                    </a:p>
+                  </a:txBody>
+                  <a:tcPr anchor="ctr"/>
+                </a:tc>
+                <a:tc>
+                  <a:txBody>
+                    <a:bodyPr/>
+                    <a:lstStyle/>
+                    <a:p>
+                      <a:pPr algn="ctr"/>
+                      <a:r>
+                        <a:rPr lang="hu-HU" dirty="0" smtClean="0"/>
+                        <a:t>47,8 </a:t>
+                      </a:r>
+                      <a:r>
+                        <a:rPr lang="hu-HU" dirty="0" smtClean="0"/>
+                        <a:t>s</a:t>
+                      </a:r>
+                      <a:endParaRPr lang="hu-HU" dirty="0"/>
+                    </a:p>
+                  </a:txBody>
+                  <a:tcPr anchor="ctr"/>
+                </a:tc>
+                <a:tc>
+                  <a:txBody>
+                    <a:bodyPr/>
+                    <a:lstStyle/>
+                    <a:p>
+                      <a:pPr algn="ctr"/>
+                      <a:r>
+                        <a:rPr lang="hu-HU" dirty="0" smtClean="0"/>
+                        <a:t>12,8 </a:t>
+                      </a:r>
+                      <a:r>
+                        <a:rPr lang="hu-HU" dirty="0" smtClean="0"/>
+                        <a:t>s</a:t>
+                      </a:r>
+                      <a:endParaRPr lang="hu-HU" dirty="0"/>
+                    </a:p>
+                  </a:txBody>
+                  <a:tcPr anchor="ctr"/>
+                </a:tc>
+                <a:tc>
+                  <a:txBody>
+                    <a:bodyPr/>
+                    <a:lstStyle/>
+                    <a:p>
+                      <a:pPr algn="ctr"/>
+                      <a:r>
+                        <a:rPr lang="hu-HU" dirty="0" smtClean="0"/>
+                        <a:t>0,38 </a:t>
+                      </a:r>
+                      <a:r>
+                        <a:rPr lang="hu-HU" dirty="0" smtClean="0"/>
+                        <a:t>s</a:t>
+                      </a:r>
+                      <a:endParaRPr lang="hu-HU" dirty="0"/>
+                    </a:p>
+                  </a:txBody>
+                  <a:tcPr anchor="ctr"/>
+                </a:tc>
+                <a:tc>
+                  <a:txBody>
+                    <a:bodyPr/>
+                    <a:lstStyle/>
+                    <a:p>
+                      <a:pPr algn="ctr"/>
+                      <a:r>
+                        <a:rPr lang="hu-HU" dirty="0" smtClean="0"/>
+                        <a:t>0</a:t>
+                      </a:r>
+                      <a:endParaRPr lang="hu-HU" dirty="0"/>
+                    </a:p>
+                  </a:txBody>
+                  <a:tcPr anchor="ctr"/>
+                </a:tc>
+              </a:tr>
+              <a:tr h="391945">
+                <a:tc>
+                  <a:txBody>
+                    <a:bodyPr/>
+                    <a:lstStyle/>
+                    <a:p>
+                      <a:pPr algn="ctr"/>
+                      <a:r>
+                        <a:rPr lang="hu-HU" dirty="0" smtClean="0"/>
+                        <a:t>6</a:t>
+                      </a:r>
+                      <a:endParaRPr lang="hu-HU" dirty="0"/>
+                    </a:p>
+                  </a:txBody>
+                  <a:tcPr anchor="ctr"/>
+                </a:tc>
+                <a:tc>
+                  <a:txBody>
+                    <a:bodyPr/>
+                    <a:lstStyle/>
+                    <a:p>
+                      <a:pPr algn="ctr"/>
+                      <a:r>
+                        <a:rPr lang="hu-HU" dirty="0" smtClean="0"/>
+                        <a:t>&gt; 60 s</a:t>
+                      </a:r>
+                      <a:endParaRPr lang="hu-HU" dirty="0"/>
+                    </a:p>
+                  </a:txBody>
+                  <a:tcPr anchor="ctr"/>
+                </a:tc>
+                <a:tc>
+                  <a:txBody>
+                    <a:bodyPr/>
+                    <a:lstStyle/>
+                    <a:p>
+                      <a:pPr algn="ctr"/>
+                      <a:r>
+                        <a:rPr lang="hu-HU" dirty="0" smtClean="0"/>
+                        <a:t>57,5 s</a:t>
+                      </a:r>
+                      <a:endParaRPr lang="hu-HU" dirty="0"/>
+                    </a:p>
+                  </a:txBody>
+                  <a:tcPr anchor="ctr"/>
+                </a:tc>
+                <a:tc>
+                  <a:txBody>
+                    <a:bodyPr/>
+                    <a:lstStyle/>
+                    <a:p>
+                      <a:pPr algn="ctr"/>
+                      <a:r>
+                        <a:rPr lang="hu-HU" baseline="0" dirty="0" smtClean="0"/>
+                        <a:t>1,43 </a:t>
+                      </a:r>
+                      <a:r>
+                        <a:rPr lang="hu-HU" baseline="0" dirty="0" smtClean="0"/>
+                        <a:t>s</a:t>
+                      </a:r>
+                      <a:endParaRPr lang="hu-HU" dirty="0"/>
+                    </a:p>
+                  </a:txBody>
+                  <a:tcPr anchor="ctr"/>
+                </a:tc>
+                <a:tc>
+                  <a:txBody>
+                    <a:bodyPr/>
+                    <a:lstStyle/>
+                    <a:p>
+                      <a:pPr algn="ctr"/>
+                      <a:r>
+                        <a:rPr lang="hu-HU" dirty="0" smtClean="0"/>
+                        <a:t>0</a:t>
+                      </a:r>
+                      <a:endParaRPr lang="hu-HU" dirty="0"/>
+                    </a:p>
+                  </a:txBody>
+                  <a:tcPr anchor="ctr"/>
+                </a:tc>
+              </a:tr>
+              <a:tr h="391945">
+                <a:tc>
+                  <a:txBody>
+                    <a:bodyPr/>
+                    <a:lstStyle/>
+                    <a:p>
+                      <a:pPr algn="ctr"/>
+                      <a:r>
+                        <a:rPr lang="hu-HU" dirty="0" smtClean="0"/>
+                        <a:t>7</a:t>
+                      </a:r>
+                      <a:endParaRPr lang="hu-HU" dirty="0"/>
+                    </a:p>
+                  </a:txBody>
+                  <a:tcPr anchor="ctr"/>
+                </a:tc>
+                <a:tc>
+                  <a:txBody>
+                    <a:bodyPr/>
+                    <a:lstStyle/>
+                    <a:p>
+                      <a:pPr algn="ctr"/>
+                      <a:endParaRPr lang="hu-HU" dirty="0"/>
+                    </a:p>
+                  </a:txBody>
+                  <a:tcPr anchor="ctr"/>
+                </a:tc>
+                <a:tc>
+                  <a:txBody>
+                    <a:bodyPr/>
+                    <a:lstStyle/>
+                    <a:p>
+                      <a:pPr algn="ctr"/>
+                      <a:r>
+                        <a:rPr lang="hu-HU" dirty="0" smtClean="0"/>
+                        <a:t>&gt; 60 s</a:t>
+                      </a:r>
+                      <a:endParaRPr lang="hu-HU" dirty="0"/>
+                    </a:p>
+                  </a:txBody>
+                  <a:tcPr anchor="ctr"/>
+                </a:tc>
+                <a:tc>
+                  <a:txBody>
+                    <a:bodyPr/>
+                    <a:lstStyle/>
+                    <a:p>
+                      <a:pPr algn="ctr"/>
+                      <a:r>
+                        <a:rPr lang="hu-HU" dirty="0" smtClean="0"/>
+                        <a:t>3,32 s</a:t>
+                      </a:r>
+                      <a:endParaRPr lang="hu-HU" dirty="0"/>
+                    </a:p>
+                  </a:txBody>
+                  <a:tcPr anchor="ctr"/>
+                </a:tc>
+                <a:tc>
+                  <a:txBody>
+                    <a:bodyPr/>
+                    <a:lstStyle/>
+                    <a:p>
+                      <a:pPr algn="ctr"/>
+                      <a:r>
+                        <a:rPr lang="hu-HU" dirty="0" smtClean="0"/>
+                        <a:t>0</a:t>
+                      </a:r>
+                      <a:endParaRPr lang="hu-HU" dirty="0"/>
+                    </a:p>
+                  </a:txBody>
+                  <a:tcPr anchor="ctr"/>
+                </a:tc>
+              </a:tr>
+              <a:tr h="391945">
+                <a:tc>
+                  <a:txBody>
+                    <a:bodyPr/>
+                    <a:lstStyle/>
+                    <a:p>
+                      <a:pPr algn="ctr"/>
+                      <a:r>
+                        <a:rPr lang="hu-HU" dirty="0" smtClean="0"/>
+                        <a:t>8</a:t>
+                      </a:r>
+                      <a:endParaRPr lang="hu-HU" dirty="0"/>
+                    </a:p>
+                  </a:txBody>
+                  <a:tcPr anchor="ctr"/>
+                </a:tc>
+                <a:tc>
+                  <a:txBody>
+                    <a:bodyPr/>
+                    <a:lstStyle/>
+                    <a:p>
+                      <a:pPr algn="ctr"/>
+                      <a:endParaRPr lang="hu-HU" dirty="0"/>
+                    </a:p>
+                  </a:txBody>
+                  <a:tcPr anchor="ctr"/>
+                </a:tc>
+                <a:tc>
+                  <a:txBody>
+                    <a:bodyPr/>
+                    <a:lstStyle/>
+                    <a:p>
+                      <a:pPr algn="ctr"/>
+                      <a:endParaRPr lang="hu-HU" dirty="0"/>
+                    </a:p>
+                  </a:txBody>
+                  <a:tcPr anchor="ctr"/>
+                </a:tc>
+                <a:tc>
+                  <a:txBody>
+                    <a:bodyPr/>
+                    <a:lstStyle/>
+                    <a:p>
+                      <a:pPr algn="ctr"/>
+                      <a:r>
+                        <a:rPr lang="hu-HU" dirty="0" smtClean="0"/>
+                        <a:t>15,4 s</a:t>
+                      </a:r>
+                      <a:endParaRPr lang="hu-HU" dirty="0"/>
+                    </a:p>
+                  </a:txBody>
+                  <a:tcPr anchor="ctr"/>
+                </a:tc>
+                <a:tc>
+                  <a:txBody>
+                    <a:bodyPr/>
+                    <a:lstStyle/>
+                    <a:p>
+                      <a:pPr algn="ctr"/>
+                      <a:r>
+                        <a:rPr lang="hu-HU" dirty="0" smtClean="0"/>
+                        <a:t>0</a:t>
+                      </a:r>
+                      <a:endParaRPr lang="hu-HU" dirty="0"/>
+                    </a:p>
+                  </a:txBody>
+                  <a:tcPr anchor="ctr"/>
+                </a:tc>
+              </a:tr>
+              <a:tr h="391945">
+                <a:tc>
+                  <a:txBody>
+                    <a:bodyPr/>
+                    <a:lstStyle/>
+                    <a:p>
+                      <a:pPr algn="ctr"/>
+                      <a:r>
+                        <a:rPr lang="hu-HU" dirty="0" smtClean="0"/>
+                        <a:t>9</a:t>
+                      </a:r>
+                      <a:endParaRPr lang="hu-HU" dirty="0"/>
+                    </a:p>
+                  </a:txBody>
+                  <a:tcPr anchor="ctr"/>
+                </a:tc>
+                <a:tc>
+                  <a:txBody>
+                    <a:bodyPr/>
+                    <a:lstStyle/>
+                    <a:p>
+                      <a:pPr algn="ctr"/>
+                      <a:endParaRPr lang="hu-HU" dirty="0"/>
+                    </a:p>
+                  </a:txBody>
+                  <a:tcPr anchor="ctr"/>
+                </a:tc>
+                <a:tc>
+                  <a:txBody>
+                    <a:bodyPr/>
+                    <a:lstStyle/>
+                    <a:p>
+                      <a:pPr algn="ctr"/>
+                      <a:endParaRPr lang="hu-HU" dirty="0"/>
+                    </a:p>
+                  </a:txBody>
+                  <a:tcPr anchor="ctr"/>
+                </a:tc>
+                <a:tc>
+                  <a:txBody>
+                    <a:bodyPr/>
+                    <a:lstStyle/>
+                    <a:p>
+                      <a:pPr algn="ctr"/>
+                      <a:r>
+                        <a:rPr lang="hu-HU" dirty="0" smtClean="0"/>
+                        <a:t>45,6 s</a:t>
+                      </a:r>
+                      <a:endParaRPr lang="hu-HU" dirty="0"/>
+                    </a:p>
+                  </a:txBody>
+                  <a:tcPr anchor="ctr"/>
+                </a:tc>
+                <a:tc>
+                  <a:txBody>
+                    <a:bodyPr/>
+                    <a:lstStyle/>
+                    <a:p>
+                      <a:pPr algn="ctr"/>
+                      <a:r>
+                        <a:rPr lang="hu-HU" dirty="0" smtClean="0"/>
+                        <a:t>0</a:t>
+                      </a:r>
+                      <a:endParaRPr lang="hu-HU" dirty="0"/>
+                    </a:p>
+                  </a:txBody>
+                  <a:tcPr anchor="ctr"/>
+                </a:tc>
+              </a:tr>
+              <a:tr h="391945">
+                <a:tc>
+                  <a:txBody>
+                    <a:bodyPr/>
+                    <a:lstStyle/>
+                    <a:p>
+                      <a:pPr algn="ctr"/>
+                      <a:r>
+                        <a:rPr lang="hu-HU" dirty="0" smtClean="0"/>
+                        <a:t>10</a:t>
+                      </a:r>
+                      <a:endParaRPr lang="hu-HU" dirty="0"/>
+                    </a:p>
+                  </a:txBody>
+                  <a:tcPr anchor="ctr"/>
+                </a:tc>
+                <a:tc>
+                  <a:txBody>
+                    <a:bodyPr/>
+                    <a:lstStyle/>
+                    <a:p>
+                      <a:pPr algn="ctr"/>
+                      <a:endParaRPr lang="hu-HU" dirty="0"/>
+                    </a:p>
+                  </a:txBody>
+                  <a:tcPr anchor="ctr"/>
+                </a:tc>
+                <a:tc>
+                  <a:txBody>
+                    <a:bodyPr/>
+                    <a:lstStyle/>
+                    <a:p>
+                      <a:pPr algn="ctr"/>
+                      <a:endParaRPr lang="hu-HU" dirty="0"/>
+                    </a:p>
+                  </a:txBody>
+                  <a:tcPr anchor="ctr"/>
+                </a:tc>
+                <a:tc>
+                  <a:txBody>
+                    <a:bodyPr/>
+                    <a:lstStyle/>
+                    <a:p>
+                      <a:pPr algn="ctr"/>
+                      <a:r>
+                        <a:rPr lang="hu-HU" dirty="0" smtClean="0"/>
+                        <a:t>&gt; 1 min</a:t>
+                      </a:r>
+                      <a:endParaRPr lang="hu-HU" dirty="0"/>
+                    </a:p>
+                  </a:txBody>
+                  <a:tcPr anchor="ctr"/>
+                </a:tc>
+                <a:tc>
+                  <a:txBody>
+                    <a:bodyPr/>
+                    <a:lstStyle/>
+                    <a:p>
+                      <a:pPr algn="ctr"/>
+                      <a:r>
+                        <a:rPr lang="hu-HU" baseline="0" dirty="0" smtClean="0"/>
+                        <a:t>0</a:t>
+                      </a:r>
+                      <a:endParaRPr lang="hu-HU" dirty="0"/>
+                    </a:p>
+                  </a:txBody>
+                  <a:tcPr anchor="ctr"/>
+                </a:tc>
+              </a:tr>
+            </a:tbl>
+          </a:graphicData>
+        </a:graphic>
+      </p:graphicFrame>
+      <p:sp>
+        <p:nvSpPr>
+          <p:cNvPr id="4" name="Dia számának helye 3"/>
           <p:cNvSpPr>
             <a:spLocks noGrp="1"/>
           </p:cNvSpPr>
@@ -7041,82 +6410,6 @@
           </a:p>
         </p:txBody>
       </p:sp>
-      <p:sp>
-        <p:nvSpPr>
-          <p:cNvPr id="5" name="Szövegdoboz 4"/>
-          <p:cNvSpPr txBox="1"/>
-          <p:nvPr/>
-        </p:nvSpPr>
-        <p:spPr>
-          <a:xfrm>
-            <a:off x="1115616" y="1218238"/>
-            <a:ext cx="648072" cy="338554"/>
-          </a:xfrm>
-          <a:prstGeom prst="rect">
-            <a:avLst/>
-          </a:prstGeom>
-          <a:noFill/>
-        </p:spPr>
-        <p:txBody>
-          <a:bodyPr wrap="square" rtlCol="0">
-            <a:spAutoFit/>
-          </a:bodyPr>
-          <a:lstStyle/>
-          <a:p>
-            <a:r>
-              <a:rPr lang="hu-HU" sz="1600" dirty="0" smtClean="0"/>
-              <a:t>idő</a:t>
-            </a:r>
-            <a:endParaRPr lang="hu-HU" dirty="0"/>
-          </a:p>
-        </p:txBody>
-      </p:sp>
-      <p:sp>
-        <p:nvSpPr>
-          <p:cNvPr id="6" name="Szövegdoboz 5"/>
-          <p:cNvSpPr txBox="1"/>
-          <p:nvPr/>
-        </p:nvSpPr>
-        <p:spPr>
-          <a:xfrm>
-            <a:off x="7236296" y="6093296"/>
-            <a:ext cx="1440160" cy="338554"/>
-          </a:xfrm>
-          <a:prstGeom prst="rect">
-            <a:avLst/>
-          </a:prstGeom>
-          <a:noFill/>
-        </p:spPr>
-        <p:txBody>
-          <a:bodyPr wrap="square" rtlCol="0">
-            <a:spAutoFit/>
-          </a:bodyPr>
-          <a:lstStyle/>
-          <a:p>
-            <a:r>
-              <a:rPr lang="hu-HU" sz="1600" dirty="0" smtClean="0"/>
-              <a:t>Munkák száma</a:t>
-            </a:r>
-            <a:endParaRPr lang="hu-HU" dirty="0"/>
-          </a:p>
-        </p:txBody>
-      </p:sp>
-      <p:graphicFrame>
-        <p:nvGraphicFramePr>
-          <p:cNvPr id="7" name="Diagram 6"/>
-          <p:cNvGraphicFramePr/>
-          <p:nvPr/>
-        </p:nvGraphicFramePr>
-        <p:xfrm>
-          <a:off x="1403648" y="1556792"/>
-          <a:ext cx="7416824" cy="4680520"/>
-        </p:xfrm>
-        <a:graphic>
-          <a:graphicData uri="http://schemas.openxmlformats.org/drawingml/2006/chart">
-            <c:chart xmlns:c="http://schemas.openxmlformats.org/drawingml/2006/chart" xmlns:r="http://schemas.openxmlformats.org/officeDocument/2006/relationships" r:id="rId2"/>
-          </a:graphicData>
-        </a:graphic>
-      </p:graphicFrame>
     </p:spTree>
   </p:cSld>
   <p:clrMapOvr>
@@ -7166,111 +6459,973 @@
           <a:p>
             <a:r>
               <a:rPr lang="hu-HU" dirty="0" smtClean="0"/>
-              <a:t>Összefoglalás</a:t>
+              <a:t>Tesztelés kapcsolókkal</a:t>
             </a:r>
             <a:endParaRPr lang="hu-HU" dirty="0"/>
           </a:p>
         </p:txBody>
       </p:sp>
-      <p:sp>
-        <p:nvSpPr>
-          <p:cNvPr id="3" name="Tartalom helye 2"/>
-          <p:cNvSpPr>
-            <a:spLocks noGrp="1"/>
-          </p:cNvSpPr>
+      <p:graphicFrame>
+        <p:nvGraphicFramePr>
+          <p:cNvPr id="5" name="Tartalom helye 4"/>
+          <p:cNvGraphicFramePr>
+            <a:graphicFrameLocks noGrp="1"/>
+          </p:cNvGraphicFramePr>
           <p:nvPr>
             <p:ph idx="1"/>
           </p:nvPr>
-        </p:nvSpPr>
-        <p:spPr/>
-        <p:txBody>
-          <a:bodyPr>
-            <a:normAutofit fontScale="85000" lnSpcReduction="20000"/>
-          </a:bodyPr>
-          <a:lstStyle/>
-          <a:p>
-            <a:pPr>
-              <a:buNone/>
-            </a:pPr>
-            <a:endParaRPr lang="hu-HU" i="1" dirty="0" smtClean="0"/>
-          </a:p>
-          <a:p>
-            <a:pPr>
-              <a:buNone/>
-            </a:pPr>
-            <a:r>
-              <a:rPr lang="hu-HU" dirty="0" smtClean="0"/>
-              <a:t>Összefoglalás</a:t>
-            </a:r>
-            <a:endParaRPr lang="hu-HU" dirty="0" smtClean="0"/>
-          </a:p>
-          <a:p>
-            <a:r>
-              <a:rPr lang="hu-HU" dirty="0" smtClean="0"/>
-              <a:t>Gyártásütemezés időzített automatával, késztermék tárolási költségének minimalizálása</a:t>
-            </a:r>
-          </a:p>
-          <a:p>
-            <a:r>
-              <a:rPr lang="hu-HU" dirty="0" smtClean="0"/>
-              <a:t>Több elkészített modell</a:t>
-            </a:r>
-          </a:p>
-          <a:p>
-            <a:r>
-              <a:rPr lang="hu-HU" dirty="0" smtClean="0"/>
-              <a:t>Leggyorsabb modell: </a:t>
-            </a:r>
-            <a:r>
-              <a:rPr lang="hu-HU" dirty="0" err="1" smtClean="0"/>
-              <a:t>Modell</a:t>
-            </a:r>
-            <a:r>
-              <a:rPr lang="hu-HU" dirty="0" smtClean="0"/>
-              <a:t> 5</a:t>
-            </a:r>
-          </a:p>
-          <a:p>
-            <a:pPr>
-              <a:buNone/>
-            </a:pPr>
-            <a:endParaRPr lang="hu-HU" i="1" dirty="0" smtClean="0"/>
-          </a:p>
-          <a:p>
-            <a:pPr>
-              <a:buNone/>
-            </a:pPr>
-            <a:r>
-              <a:rPr lang="hu-HU" dirty="0" smtClean="0"/>
-              <a:t>Jövőbeli tervek</a:t>
-            </a:r>
-            <a:endParaRPr lang="hu-HU" i="1" dirty="0" smtClean="0"/>
-          </a:p>
-          <a:p>
-            <a:r>
-              <a:rPr lang="hu-HU" i="1" dirty="0" err="1" smtClean="0"/>
-              <a:t>Remaining</a:t>
-            </a:r>
-            <a:r>
-              <a:rPr lang="hu-HU" dirty="0" smtClean="0"/>
-              <a:t> függvény készítése</a:t>
-            </a:r>
-          </a:p>
-          <a:p>
-            <a:r>
-              <a:rPr lang="hu-HU" dirty="0" smtClean="0"/>
-              <a:t>További korlátozásokkal való gyorsítás</a:t>
-            </a:r>
-          </a:p>
-          <a:p>
-            <a:r>
-              <a:rPr lang="hu-HU" dirty="0" smtClean="0"/>
-              <a:t>Más megoldó módszerekkel való összehasonlítás</a:t>
-            </a:r>
-            <a:endParaRPr lang="hu-HU" dirty="0"/>
-          </a:p>
-        </p:txBody>
-      </p:sp>
+        </p:nvGraphicFramePr>
+        <p:xfrm>
+          <a:off x="1695515" y="1731600"/>
+          <a:ext cx="6476885" cy="4937760"/>
+        </p:xfrm>
+        <a:graphic>
+          <a:graphicData uri="http://schemas.openxmlformats.org/drawingml/2006/table">
+            <a:tbl>
+              <a:tblPr firstRow="1" bandRow="1">
+                <a:tableStyleId>{0E3FDE45-AF77-4B5C-9715-49D594BDF05E}</a:tableStyleId>
+              </a:tblPr>
+              <a:tblGrid>
+                <a:gridCol w="1046156"/>
+                <a:gridCol w="1226648"/>
+                <a:gridCol w="1656184"/>
+                <a:gridCol w="1224136"/>
+                <a:gridCol w="1323761"/>
+              </a:tblGrid>
+              <a:tr h="745333">
+                <a:tc>
+                  <a:txBody>
+                    <a:bodyPr/>
+                    <a:lstStyle/>
+                    <a:p>
+                      <a:pPr algn="ctr"/>
+                      <a:r>
+                        <a:rPr lang="hu-HU" dirty="0" smtClean="0"/>
+                        <a:t>Munkaszám</a:t>
+                      </a:r>
+                      <a:endParaRPr lang="hu-HU" dirty="0"/>
+                    </a:p>
+                  </a:txBody>
+                  <a:tcPr anchor="ctr"/>
+                </a:tc>
+                <a:tc>
+                  <a:txBody>
+                    <a:bodyPr/>
+                    <a:lstStyle/>
+                    <a:p>
+                      <a:pPr algn="ctr"/>
+                      <a:r>
+                        <a:rPr lang="hu-HU" dirty="0" smtClean="0"/>
+                        <a:t>Modell 3</a:t>
+                      </a:r>
+                      <a:endParaRPr lang="hu-HU" dirty="0"/>
+                    </a:p>
+                  </a:txBody>
+                  <a:tcPr anchor="ctr"/>
+                </a:tc>
+                <a:tc>
+                  <a:txBody>
+                    <a:bodyPr/>
+                    <a:lstStyle/>
+                    <a:p>
+                      <a:pPr algn="ctr"/>
+                      <a:r>
+                        <a:rPr lang="hu-HU" dirty="0" smtClean="0"/>
+                        <a:t>Modell 3</a:t>
+                      </a:r>
+                    </a:p>
+                    <a:p>
+                      <a:pPr algn="ctr"/>
+                      <a:r>
+                        <a:rPr lang="hu-HU" dirty="0" smtClean="0"/>
+                        <a:t>-C –E –n0 </a:t>
+                      </a:r>
+                    </a:p>
+                    <a:p>
+                      <a:pPr algn="ctr"/>
+                      <a:r>
+                        <a:rPr lang="hu-HU" dirty="0" smtClean="0"/>
+                        <a:t>–o3 –S2</a:t>
+                      </a:r>
+                      <a:endParaRPr lang="hu-HU" dirty="0"/>
+                    </a:p>
+                  </a:txBody>
+                  <a:tcPr/>
+                </a:tc>
+                <a:tc>
+                  <a:txBody>
+                    <a:bodyPr/>
+                    <a:lstStyle/>
+                    <a:p>
+                      <a:pPr algn="ctr"/>
+                      <a:r>
+                        <a:rPr lang="hu-HU" dirty="0" smtClean="0"/>
+                        <a:t>Modell</a:t>
+                      </a:r>
+                      <a:r>
+                        <a:rPr lang="hu-HU" baseline="0" dirty="0" smtClean="0"/>
+                        <a:t> 5</a:t>
+                      </a:r>
+                      <a:endParaRPr lang="hu-HU" dirty="0"/>
+                    </a:p>
+                  </a:txBody>
+                  <a:tcPr anchor="ctr"/>
+                </a:tc>
+                <a:tc>
+                  <a:txBody>
+                    <a:bodyPr/>
+                    <a:lstStyle/>
+                    <a:p>
+                      <a:pPr algn="ctr"/>
+                      <a:r>
+                        <a:rPr lang="hu-HU" dirty="0" smtClean="0"/>
+                        <a:t>Modell 5</a:t>
+                      </a:r>
+                    </a:p>
+                    <a:p>
+                      <a:pPr algn="ctr"/>
+                      <a:r>
+                        <a:rPr lang="hu-HU" dirty="0" smtClean="0"/>
+                        <a:t>-C –E –n0 </a:t>
+                      </a:r>
+                    </a:p>
+                    <a:p>
+                      <a:pPr algn="ctr"/>
+                      <a:r>
+                        <a:rPr lang="hu-HU" dirty="0" smtClean="0"/>
+                        <a:t>–o2 –S0</a:t>
+                      </a:r>
+                      <a:endParaRPr lang="hu-HU" dirty="0"/>
+                    </a:p>
+                  </a:txBody>
+                  <a:tcPr/>
+                </a:tc>
+              </a:tr>
+              <a:tr h="298133">
+                <a:tc>
+                  <a:txBody>
+                    <a:bodyPr/>
+                    <a:lstStyle/>
+                    <a:p>
+                      <a:pPr algn="ctr"/>
+                      <a:r>
+                        <a:rPr lang="hu-HU" dirty="0" smtClean="0"/>
+                        <a:t>1</a:t>
+                      </a:r>
+                    </a:p>
+                  </a:txBody>
+                  <a:tcPr/>
+                </a:tc>
+                <a:tc>
+                  <a:txBody>
+                    <a:bodyPr/>
+                    <a:lstStyle/>
+                    <a:p>
+                      <a:pPr algn="ctr"/>
+                      <a:r>
+                        <a:rPr lang="hu-HU" dirty="0" smtClean="0"/>
+                        <a:t>0,06 s</a:t>
+                      </a:r>
+                      <a:endParaRPr lang="hu-HU" dirty="0"/>
+                    </a:p>
+                  </a:txBody>
+                  <a:tcPr anchor="ctr"/>
+                </a:tc>
+                <a:tc>
+                  <a:txBody>
+                    <a:bodyPr/>
+                    <a:lstStyle/>
+                    <a:p>
+                      <a:pPr algn="ctr"/>
+                      <a:r>
+                        <a:rPr lang="hu-HU" dirty="0" smtClean="0"/>
+                        <a:t>0,073 s</a:t>
+                      </a:r>
+                      <a:endParaRPr lang="hu-HU" dirty="0"/>
+                    </a:p>
+                  </a:txBody>
+                  <a:tcPr/>
+                </a:tc>
+                <a:tc>
+                  <a:txBody>
+                    <a:bodyPr/>
+                    <a:lstStyle/>
+                    <a:p>
+                      <a:pPr algn="ctr"/>
+                      <a:r>
+                        <a:rPr lang="hu-HU" dirty="0" smtClean="0"/>
+                        <a:t>0,05 s</a:t>
+                      </a:r>
+                      <a:endParaRPr lang="hu-HU" dirty="0"/>
+                    </a:p>
+                  </a:txBody>
+                  <a:tcPr anchor="ctr"/>
+                </a:tc>
+                <a:tc>
+                  <a:txBody>
+                    <a:bodyPr/>
+                    <a:lstStyle/>
+                    <a:p>
+                      <a:pPr algn="ctr"/>
+                      <a:r>
+                        <a:rPr lang="hu-HU" dirty="0" smtClean="0"/>
+                        <a:t>0,07 s</a:t>
+                      </a:r>
+                      <a:endParaRPr lang="hu-HU" dirty="0"/>
+                    </a:p>
+                  </a:txBody>
+                  <a:tcPr/>
+                </a:tc>
+              </a:tr>
+              <a:tr h="298133">
+                <a:tc>
+                  <a:txBody>
+                    <a:bodyPr/>
+                    <a:lstStyle/>
+                    <a:p>
+                      <a:pPr algn="ctr"/>
+                      <a:r>
+                        <a:rPr lang="hu-HU" dirty="0" smtClean="0"/>
+                        <a:t>2</a:t>
+                      </a:r>
+                      <a:endParaRPr lang="hu-HU" dirty="0"/>
+                    </a:p>
+                  </a:txBody>
+                  <a:tcPr/>
+                </a:tc>
+                <a:tc>
+                  <a:txBody>
+                    <a:bodyPr/>
+                    <a:lstStyle/>
+                    <a:p>
+                      <a:pPr algn="ctr"/>
+                      <a:r>
+                        <a:rPr lang="hu-HU" dirty="0" smtClean="0"/>
+                        <a:t>0,05 s</a:t>
+                      </a:r>
+                      <a:endParaRPr lang="hu-HU" dirty="0"/>
+                    </a:p>
+                  </a:txBody>
+                  <a:tcPr anchor="ctr"/>
+                </a:tc>
+                <a:tc>
+                  <a:txBody>
+                    <a:bodyPr/>
+                    <a:lstStyle/>
+                    <a:p>
+                      <a:pPr algn="ctr"/>
+                      <a:r>
+                        <a:rPr lang="hu-HU" dirty="0" smtClean="0"/>
+                        <a:t>0,08 s</a:t>
+                      </a:r>
+                      <a:endParaRPr lang="hu-HU" dirty="0"/>
+                    </a:p>
+                  </a:txBody>
+                  <a:tcPr/>
+                </a:tc>
+                <a:tc>
+                  <a:txBody>
+                    <a:bodyPr/>
+                    <a:lstStyle/>
+                    <a:p>
+                      <a:pPr algn="ctr"/>
+                      <a:r>
+                        <a:rPr lang="hu-HU" dirty="0" smtClean="0"/>
+                        <a:t>0,06 s</a:t>
+                      </a:r>
+                      <a:endParaRPr lang="hu-HU" dirty="0"/>
+                    </a:p>
+                  </a:txBody>
+                  <a:tcPr anchor="ctr"/>
+                </a:tc>
+                <a:tc>
+                  <a:txBody>
+                    <a:bodyPr/>
+                    <a:lstStyle/>
+                    <a:p>
+                      <a:pPr algn="ctr"/>
+                      <a:r>
+                        <a:rPr lang="hu-HU" dirty="0" smtClean="0"/>
+                        <a:t>0,07 s</a:t>
+                      </a:r>
+                      <a:endParaRPr lang="hu-HU" dirty="0"/>
+                    </a:p>
+                  </a:txBody>
+                  <a:tcPr/>
+                </a:tc>
+              </a:tr>
+              <a:tr h="298133">
+                <a:tc>
+                  <a:txBody>
+                    <a:bodyPr/>
+                    <a:lstStyle/>
+                    <a:p>
+                      <a:pPr algn="ctr"/>
+                      <a:r>
+                        <a:rPr lang="hu-HU" dirty="0" smtClean="0"/>
+                        <a:t>3</a:t>
+                      </a:r>
+                      <a:endParaRPr lang="hu-HU" dirty="0"/>
+                    </a:p>
+                  </a:txBody>
+                  <a:tcPr/>
+                </a:tc>
+                <a:tc>
+                  <a:txBody>
+                    <a:bodyPr/>
+                    <a:lstStyle/>
+                    <a:p>
+                      <a:pPr algn="ctr"/>
+                      <a:r>
+                        <a:rPr lang="hu-HU" dirty="0" smtClean="0"/>
+                        <a:t>0,07 s</a:t>
+                      </a:r>
+                      <a:endParaRPr lang="hu-HU" dirty="0"/>
+                    </a:p>
+                  </a:txBody>
+                  <a:tcPr anchor="ctr"/>
+                </a:tc>
+                <a:tc>
+                  <a:txBody>
+                    <a:bodyPr/>
+                    <a:lstStyle/>
+                    <a:p>
+                      <a:pPr algn="ctr"/>
+                      <a:r>
+                        <a:rPr lang="hu-HU" dirty="0" smtClean="0"/>
+                        <a:t>0,10 s </a:t>
+                      </a:r>
+                      <a:endParaRPr lang="hu-HU" dirty="0"/>
+                    </a:p>
+                  </a:txBody>
+                  <a:tcPr/>
+                </a:tc>
+                <a:tc>
+                  <a:txBody>
+                    <a:bodyPr/>
+                    <a:lstStyle/>
+                    <a:p>
+                      <a:pPr algn="ctr"/>
+                      <a:r>
+                        <a:rPr lang="hu-HU" dirty="0" smtClean="0"/>
+                        <a:t>0,07 s</a:t>
+                      </a:r>
+                      <a:endParaRPr lang="hu-HU" dirty="0"/>
+                    </a:p>
+                  </a:txBody>
+                  <a:tcPr anchor="ctr"/>
+                </a:tc>
+                <a:tc>
+                  <a:txBody>
+                    <a:bodyPr/>
+                    <a:lstStyle/>
+                    <a:p>
+                      <a:pPr algn="ctr"/>
+                      <a:r>
+                        <a:rPr lang="hu-HU" dirty="0" smtClean="0"/>
+                        <a:t>0,07 s</a:t>
+                      </a:r>
+                      <a:endParaRPr lang="hu-HU" dirty="0"/>
+                    </a:p>
+                  </a:txBody>
+                  <a:tcPr/>
+                </a:tc>
+              </a:tr>
+              <a:tr h="298133">
+                <a:tc>
+                  <a:txBody>
+                    <a:bodyPr/>
+                    <a:lstStyle/>
+                    <a:p>
+                      <a:pPr algn="ctr"/>
+                      <a:r>
+                        <a:rPr lang="hu-HU" dirty="0" smtClean="0"/>
+                        <a:t>4</a:t>
+                      </a:r>
+                      <a:endParaRPr lang="hu-HU" dirty="0"/>
+                    </a:p>
+                  </a:txBody>
+                  <a:tcPr/>
+                </a:tc>
+                <a:tc>
+                  <a:txBody>
+                    <a:bodyPr/>
+                    <a:lstStyle/>
+                    <a:p>
+                      <a:pPr algn="ctr"/>
+                      <a:r>
+                        <a:rPr lang="hu-HU" dirty="0" smtClean="0"/>
+                        <a:t>0,18 s</a:t>
+                      </a:r>
+                      <a:endParaRPr lang="hu-HU" dirty="0"/>
+                    </a:p>
+                  </a:txBody>
+                  <a:tcPr anchor="ctr"/>
+                </a:tc>
+                <a:tc>
+                  <a:txBody>
+                    <a:bodyPr/>
+                    <a:lstStyle/>
+                    <a:p>
+                      <a:pPr algn="ctr"/>
+                      <a:r>
+                        <a:rPr lang="hu-HU" dirty="0" smtClean="0"/>
+                        <a:t>0,21s  </a:t>
+                      </a:r>
+                      <a:endParaRPr lang="hu-HU" dirty="0"/>
+                    </a:p>
+                  </a:txBody>
+                  <a:tcPr/>
+                </a:tc>
+                <a:tc>
+                  <a:txBody>
+                    <a:bodyPr/>
+                    <a:lstStyle/>
+                    <a:p>
+                      <a:pPr algn="ctr"/>
+                      <a:r>
+                        <a:rPr lang="hu-HU" dirty="0" smtClean="0"/>
+                        <a:t>0,08 s</a:t>
+                      </a:r>
+                      <a:endParaRPr lang="hu-HU" dirty="0"/>
+                    </a:p>
+                  </a:txBody>
+                  <a:tcPr anchor="ctr"/>
+                </a:tc>
+                <a:tc>
+                  <a:txBody>
+                    <a:bodyPr/>
+                    <a:lstStyle/>
+                    <a:p>
+                      <a:pPr algn="ctr"/>
+                      <a:r>
+                        <a:rPr lang="hu-HU" dirty="0" smtClean="0"/>
+                        <a:t>0,08 s</a:t>
+                      </a:r>
+                      <a:endParaRPr lang="hu-HU" dirty="0"/>
+                    </a:p>
+                  </a:txBody>
+                  <a:tcPr/>
+                </a:tc>
+              </a:tr>
+              <a:tr h="298133">
+                <a:tc>
+                  <a:txBody>
+                    <a:bodyPr/>
+                    <a:lstStyle/>
+                    <a:p>
+                      <a:pPr algn="ctr"/>
+                      <a:r>
+                        <a:rPr lang="hu-HU" dirty="0" smtClean="0"/>
+                        <a:t>5</a:t>
+                      </a:r>
+                      <a:endParaRPr lang="hu-HU" dirty="0"/>
+                    </a:p>
+                  </a:txBody>
+                  <a:tcPr/>
+                </a:tc>
+                <a:tc>
+                  <a:txBody>
+                    <a:bodyPr/>
+                    <a:lstStyle/>
+                    <a:p>
+                      <a:pPr algn="ctr"/>
+                      <a:r>
+                        <a:rPr lang="hu-HU" dirty="0" smtClean="0"/>
+                        <a:t>1,94 s</a:t>
+                      </a:r>
+                      <a:endParaRPr lang="hu-HU" dirty="0"/>
+                    </a:p>
+                  </a:txBody>
+                  <a:tcPr anchor="ctr"/>
+                </a:tc>
+                <a:tc>
+                  <a:txBody>
+                    <a:bodyPr/>
+                    <a:lstStyle/>
+                    <a:p>
+                      <a:pPr algn="ctr"/>
+                      <a:r>
+                        <a:rPr lang="hu-HU" dirty="0" smtClean="0"/>
+                        <a:t>0,92 s</a:t>
+                      </a:r>
+                      <a:endParaRPr lang="hu-HU" dirty="0"/>
+                    </a:p>
+                  </a:txBody>
+                  <a:tcPr/>
+                </a:tc>
+                <a:tc>
+                  <a:txBody>
+                    <a:bodyPr/>
+                    <a:lstStyle/>
+                    <a:p>
+                      <a:pPr algn="ctr"/>
+                      <a:r>
+                        <a:rPr lang="hu-HU" dirty="0" smtClean="0"/>
+                        <a:t>0,12 s</a:t>
+                      </a:r>
+                      <a:endParaRPr lang="hu-HU" dirty="0"/>
+                    </a:p>
+                  </a:txBody>
+                  <a:tcPr anchor="ctr"/>
+                </a:tc>
+                <a:tc>
+                  <a:txBody>
+                    <a:bodyPr/>
+                    <a:lstStyle/>
+                    <a:p>
+                      <a:pPr algn="ctr"/>
+                      <a:r>
+                        <a:rPr lang="hu-HU" dirty="0" smtClean="0"/>
+                        <a:t>0,11 s</a:t>
+                      </a:r>
+                      <a:endParaRPr lang="hu-HU" dirty="0"/>
+                    </a:p>
+                  </a:txBody>
+                  <a:tcPr/>
+                </a:tc>
+              </a:tr>
+              <a:tr h="298133">
+                <a:tc>
+                  <a:txBody>
+                    <a:bodyPr/>
+                    <a:lstStyle/>
+                    <a:p>
+                      <a:pPr algn="ctr"/>
+                      <a:r>
+                        <a:rPr lang="hu-HU" dirty="0" smtClean="0"/>
+                        <a:t>6</a:t>
+                      </a:r>
+                      <a:endParaRPr lang="hu-HU" dirty="0"/>
+                    </a:p>
+                  </a:txBody>
+                  <a:tcPr/>
+                </a:tc>
+                <a:tc>
+                  <a:txBody>
+                    <a:bodyPr/>
+                    <a:lstStyle/>
+                    <a:p>
+                      <a:pPr algn="ctr"/>
+                      <a:r>
+                        <a:rPr lang="hu-HU" dirty="0" smtClean="0"/>
+                        <a:t>16,33 s</a:t>
+                      </a:r>
+                      <a:endParaRPr lang="hu-HU" dirty="0"/>
+                    </a:p>
+                  </a:txBody>
+                  <a:tcPr anchor="ctr"/>
+                </a:tc>
+                <a:tc>
+                  <a:txBody>
+                    <a:bodyPr/>
+                    <a:lstStyle/>
+                    <a:p>
+                      <a:pPr algn="ctr"/>
+                      <a:r>
+                        <a:rPr lang="hu-HU" dirty="0" smtClean="0"/>
+                        <a:t>4,01 s</a:t>
+                      </a:r>
+                      <a:endParaRPr lang="hu-HU" dirty="0"/>
+                    </a:p>
+                  </a:txBody>
+                  <a:tcPr/>
+                </a:tc>
+                <a:tc>
+                  <a:txBody>
+                    <a:bodyPr/>
+                    <a:lstStyle/>
+                    <a:p>
+                      <a:pPr algn="ctr"/>
+                      <a:r>
+                        <a:rPr lang="hu-HU" dirty="0" smtClean="0"/>
+                        <a:t>0,15 s</a:t>
+                      </a:r>
+                      <a:endParaRPr lang="hu-HU" dirty="0"/>
+                    </a:p>
+                  </a:txBody>
+                  <a:tcPr anchor="ctr"/>
+                </a:tc>
+                <a:tc>
+                  <a:txBody>
+                    <a:bodyPr/>
+                    <a:lstStyle/>
+                    <a:p>
+                      <a:pPr algn="ctr"/>
+                      <a:r>
+                        <a:rPr lang="hu-HU" dirty="0" smtClean="0"/>
+                        <a:t>0,16 s</a:t>
+                      </a:r>
+                      <a:endParaRPr lang="hu-HU" dirty="0"/>
+                    </a:p>
+                  </a:txBody>
+                  <a:tcPr/>
+                </a:tc>
+              </a:tr>
+              <a:tr h="298133">
+                <a:tc>
+                  <a:txBody>
+                    <a:bodyPr/>
+                    <a:lstStyle/>
+                    <a:p>
+                      <a:pPr algn="ctr"/>
+                      <a:r>
+                        <a:rPr lang="hu-HU" dirty="0" smtClean="0"/>
+                        <a:t>7</a:t>
+                      </a:r>
+                      <a:endParaRPr lang="hu-HU" dirty="0"/>
+                    </a:p>
+                  </a:txBody>
+                  <a:tcPr/>
+                </a:tc>
+                <a:tc>
+                  <a:txBody>
+                    <a:bodyPr/>
+                    <a:lstStyle/>
+                    <a:p>
+                      <a:pPr algn="ctr"/>
+                      <a:r>
+                        <a:rPr lang="hu-HU" dirty="0" smtClean="0"/>
+                        <a:t>&gt; 60 s</a:t>
+                      </a:r>
+                      <a:endParaRPr lang="hu-HU" dirty="0"/>
+                    </a:p>
+                  </a:txBody>
+                  <a:tcPr anchor="ctr"/>
+                </a:tc>
+                <a:tc>
+                  <a:txBody>
+                    <a:bodyPr/>
+                    <a:lstStyle/>
+                    <a:p>
+                      <a:pPr algn="ctr"/>
+                      <a:r>
+                        <a:rPr lang="hu-HU" dirty="0" smtClean="0"/>
+                        <a:t>24,61 s</a:t>
+                      </a:r>
+                      <a:endParaRPr lang="hu-HU" dirty="0"/>
+                    </a:p>
+                  </a:txBody>
+                  <a:tcPr/>
+                </a:tc>
+                <a:tc>
+                  <a:txBody>
+                    <a:bodyPr/>
+                    <a:lstStyle/>
+                    <a:p>
+                      <a:pPr algn="ctr"/>
+                      <a:r>
+                        <a:rPr lang="hu-HU" dirty="0" smtClean="0"/>
+                        <a:t>0,92 s </a:t>
+                      </a:r>
+                      <a:endParaRPr lang="hu-HU" dirty="0"/>
+                    </a:p>
+                  </a:txBody>
+                  <a:tcPr anchor="ctr"/>
+                </a:tc>
+                <a:tc>
+                  <a:txBody>
+                    <a:bodyPr/>
+                    <a:lstStyle/>
+                    <a:p>
+                      <a:pPr algn="ctr"/>
+                      <a:r>
+                        <a:rPr lang="hu-HU" dirty="0" smtClean="0"/>
+                        <a:t>0,35 s</a:t>
+                      </a:r>
+                      <a:endParaRPr lang="hu-HU" dirty="0"/>
+                    </a:p>
+                  </a:txBody>
+                  <a:tcPr/>
+                </a:tc>
+              </a:tr>
+              <a:tr h="298133">
+                <a:tc>
+                  <a:txBody>
+                    <a:bodyPr/>
+                    <a:lstStyle/>
+                    <a:p>
+                      <a:pPr algn="ctr"/>
+                      <a:r>
+                        <a:rPr lang="hu-HU" dirty="0" smtClean="0"/>
+                        <a:t>8</a:t>
+                      </a:r>
+                      <a:endParaRPr lang="hu-HU" dirty="0"/>
+                    </a:p>
+                  </a:txBody>
+                  <a:tcPr/>
+                </a:tc>
+                <a:tc>
+                  <a:txBody>
+                    <a:bodyPr/>
+                    <a:lstStyle/>
+                    <a:p>
+                      <a:pPr algn="ctr"/>
+                      <a:endParaRPr lang="hu-HU" dirty="0"/>
+                    </a:p>
+                  </a:txBody>
+                  <a:tcPr/>
+                </a:tc>
+                <a:tc>
+                  <a:txBody>
+                    <a:bodyPr/>
+                    <a:lstStyle/>
+                    <a:p>
+                      <a:pPr algn="ctr"/>
+                      <a:r>
+                        <a:rPr lang="hu-HU" dirty="0" smtClean="0"/>
+                        <a:t>&gt; 60</a:t>
+                      </a:r>
+                      <a:r>
+                        <a:rPr lang="hu-HU" baseline="0" dirty="0" smtClean="0"/>
+                        <a:t> s</a:t>
+                      </a:r>
+                      <a:endParaRPr lang="hu-HU" dirty="0"/>
+                    </a:p>
+                  </a:txBody>
+                  <a:tcPr/>
+                </a:tc>
+                <a:tc>
+                  <a:txBody>
+                    <a:bodyPr/>
+                    <a:lstStyle/>
+                    <a:p>
+                      <a:pPr algn="ctr"/>
+                      <a:r>
+                        <a:rPr lang="hu-HU" dirty="0" smtClean="0"/>
+                        <a:t>3,41 s</a:t>
+                      </a:r>
+                      <a:endParaRPr lang="hu-HU" dirty="0"/>
+                    </a:p>
+                  </a:txBody>
+                  <a:tcPr anchor="ctr"/>
+                </a:tc>
+                <a:tc>
+                  <a:txBody>
+                    <a:bodyPr/>
+                    <a:lstStyle/>
+                    <a:p>
+                      <a:pPr algn="ctr"/>
+                      <a:r>
+                        <a:rPr lang="hu-HU" dirty="0" smtClean="0"/>
+                        <a:t>1,70 s</a:t>
+                      </a:r>
+                      <a:endParaRPr lang="hu-HU" dirty="0"/>
+                    </a:p>
+                  </a:txBody>
+                  <a:tcPr/>
+                </a:tc>
+              </a:tr>
+              <a:tr h="298133">
+                <a:tc>
+                  <a:txBody>
+                    <a:bodyPr/>
+                    <a:lstStyle/>
+                    <a:p>
+                      <a:pPr algn="ctr"/>
+                      <a:r>
+                        <a:rPr lang="hu-HU" dirty="0" smtClean="0"/>
+                        <a:t>9</a:t>
+                      </a:r>
+                      <a:endParaRPr lang="hu-HU" dirty="0"/>
+                    </a:p>
+                  </a:txBody>
+                  <a:tcPr/>
+                </a:tc>
+                <a:tc>
+                  <a:txBody>
+                    <a:bodyPr/>
+                    <a:lstStyle/>
+                    <a:p>
+                      <a:pPr algn="ctr"/>
+                      <a:endParaRPr lang="hu-HU" dirty="0"/>
+                    </a:p>
+                  </a:txBody>
+                  <a:tcPr/>
+                </a:tc>
+                <a:tc>
+                  <a:txBody>
+                    <a:bodyPr/>
+                    <a:lstStyle/>
+                    <a:p>
+                      <a:pPr algn="ctr"/>
+                      <a:endParaRPr lang="hu-HU" dirty="0"/>
+                    </a:p>
+                  </a:txBody>
+                  <a:tcPr/>
+                </a:tc>
+                <a:tc>
+                  <a:txBody>
+                    <a:bodyPr/>
+                    <a:lstStyle/>
+                    <a:p>
+                      <a:pPr algn="ctr"/>
+                      <a:r>
+                        <a:rPr lang="hu-HU" dirty="0" smtClean="0"/>
+                        <a:t>6,33 s</a:t>
+                      </a:r>
+                      <a:endParaRPr lang="hu-HU" dirty="0"/>
+                    </a:p>
+                  </a:txBody>
+                  <a:tcPr anchor="ctr"/>
+                </a:tc>
+                <a:tc>
+                  <a:txBody>
+                    <a:bodyPr/>
+                    <a:lstStyle/>
+                    <a:p>
+                      <a:pPr algn="ctr"/>
+                      <a:r>
+                        <a:rPr lang="hu-HU" dirty="0" smtClean="0"/>
+                        <a:t>2,42 s</a:t>
+                      </a:r>
+                    </a:p>
+                  </a:txBody>
+                  <a:tcPr/>
+                </a:tc>
+              </a:tr>
+              <a:tr h="298133">
+                <a:tc>
+                  <a:txBody>
+                    <a:bodyPr/>
+                    <a:lstStyle/>
+                    <a:p>
+                      <a:pPr algn="ctr"/>
+                      <a:r>
+                        <a:rPr lang="hu-HU" dirty="0" smtClean="0"/>
+                        <a:t>10</a:t>
+                      </a:r>
+                      <a:endParaRPr lang="hu-HU" dirty="0"/>
+                    </a:p>
+                  </a:txBody>
+                  <a:tcPr/>
+                </a:tc>
+                <a:tc>
+                  <a:txBody>
+                    <a:bodyPr/>
+                    <a:lstStyle/>
+                    <a:p>
+                      <a:pPr algn="ctr"/>
+                      <a:endParaRPr lang="hu-HU" dirty="0"/>
+                    </a:p>
+                  </a:txBody>
+                  <a:tcPr/>
+                </a:tc>
+                <a:tc>
+                  <a:txBody>
+                    <a:bodyPr/>
+                    <a:lstStyle/>
+                    <a:p>
+                      <a:pPr algn="ctr"/>
+                      <a:endParaRPr lang="hu-HU" dirty="0"/>
+                    </a:p>
+                  </a:txBody>
+                  <a:tcPr/>
+                </a:tc>
+                <a:tc>
+                  <a:txBody>
+                    <a:bodyPr/>
+                    <a:lstStyle/>
+                    <a:p>
+                      <a:pPr algn="ctr"/>
+                      <a:r>
+                        <a:rPr lang="hu-HU" dirty="0" smtClean="0"/>
+                        <a:t>&gt;</a:t>
+                      </a:r>
+                      <a:r>
+                        <a:rPr lang="hu-HU" baseline="0" dirty="0" smtClean="0"/>
+                        <a:t> 60 s</a:t>
+                      </a:r>
+                      <a:endParaRPr lang="hu-HU" dirty="0"/>
+                    </a:p>
+                  </a:txBody>
+                  <a:tcPr anchor="ctr"/>
+                </a:tc>
+                <a:tc>
+                  <a:txBody>
+                    <a:bodyPr/>
+                    <a:lstStyle/>
+                    <a:p>
+                      <a:pPr algn="ctr"/>
+                      <a:r>
+                        <a:rPr lang="hu-HU" dirty="0" smtClean="0"/>
+                        <a:t>30,14 s</a:t>
+                      </a:r>
+                      <a:endParaRPr lang="hu-HU" dirty="0"/>
+                    </a:p>
+                  </a:txBody>
+                  <a:tcPr/>
+                </a:tc>
+              </a:tr>
+              <a:tr h="298133">
+                <a:tc>
+                  <a:txBody>
+                    <a:bodyPr/>
+                    <a:lstStyle/>
+                    <a:p>
+                      <a:pPr algn="ctr"/>
+                      <a:r>
+                        <a:rPr lang="hu-HU" dirty="0" smtClean="0"/>
+                        <a:t>11</a:t>
+                      </a:r>
+                      <a:endParaRPr lang="hu-HU" dirty="0"/>
+                    </a:p>
+                  </a:txBody>
+                  <a:tcPr/>
+                </a:tc>
+                <a:tc>
+                  <a:txBody>
+                    <a:bodyPr/>
+                    <a:lstStyle/>
+                    <a:p>
+                      <a:pPr algn="ctr"/>
+                      <a:endParaRPr lang="hu-HU" dirty="0"/>
+                    </a:p>
+                  </a:txBody>
+                  <a:tcPr/>
+                </a:tc>
+                <a:tc>
+                  <a:txBody>
+                    <a:bodyPr/>
+                    <a:lstStyle/>
+                    <a:p>
+                      <a:pPr algn="ctr"/>
+                      <a:endParaRPr lang="hu-HU"/>
+                    </a:p>
+                  </a:txBody>
+                  <a:tcPr/>
+                </a:tc>
+                <a:tc>
+                  <a:txBody>
+                    <a:bodyPr/>
+                    <a:lstStyle/>
+                    <a:p>
+                      <a:pPr algn="ctr"/>
+                      <a:endParaRPr lang="hu-HU" dirty="0"/>
+                    </a:p>
+                  </a:txBody>
+                  <a:tcPr/>
+                </a:tc>
+                <a:tc>
+                  <a:txBody>
+                    <a:bodyPr/>
+                    <a:lstStyle/>
+                    <a:p>
+                      <a:pPr algn="ctr"/>
+                      <a:r>
+                        <a:rPr lang="hu-HU" dirty="0" smtClean="0"/>
+                        <a:t>&gt; 60 s</a:t>
+                      </a:r>
+                      <a:endParaRPr lang="hu-HU" dirty="0"/>
+                    </a:p>
+                  </a:txBody>
+                  <a:tcPr/>
+                </a:tc>
+              </a:tr>
+            </a:tbl>
+          </a:graphicData>
+        </a:graphic>
+      </p:graphicFrame>
       <p:sp>
         <p:nvSpPr>
           <p:cNvPr id="4" name="Dia számának helye 3"/>
@@ -7292,6 +7447,36 @@
               <a:t>14</a:t>
             </a:fld>
             <a:endParaRPr lang="hu-HU"/>
+          </a:p>
+        </p:txBody>
+      </p:sp>
+      <p:sp>
+        <p:nvSpPr>
+          <p:cNvPr id="7" name="Szövegdoboz 6"/>
+          <p:cNvSpPr txBox="1"/>
+          <p:nvPr/>
+        </p:nvSpPr>
+        <p:spPr>
+          <a:xfrm>
+            <a:off x="1187624" y="1268760"/>
+            <a:ext cx="3672408" cy="369332"/>
+          </a:xfrm>
+          <a:prstGeom prst="rect">
+            <a:avLst/>
+          </a:prstGeom>
+          <a:noFill/>
+        </p:spPr>
+        <p:txBody>
+          <a:bodyPr wrap="square" rtlCol="0">
+            <a:spAutoFit/>
+          </a:bodyPr>
+          <a:lstStyle/>
+          <a:p>
+            <a:r>
+              <a:rPr lang="hu-HU" dirty="0" smtClean="0"/>
+              <a:t>150 kapcsolókombináció</a:t>
+            </a:r>
+            <a:endParaRPr lang="hu-HU" dirty="0"/>
           </a:p>
         </p:txBody>
       </p:sp>
@@ -7337,6 +7522,281 @@
             <p:ph type="title"/>
           </p:nvPr>
         </p:nvSpPr>
+        <p:spPr/>
+        <p:txBody>
+          <a:bodyPr/>
+          <a:lstStyle/>
+          <a:p>
+            <a:r>
+              <a:rPr lang="hu-HU" dirty="0" smtClean="0"/>
+              <a:t>Kapcsolókkal</a:t>
+            </a:r>
+            <a:endParaRPr lang="hu-HU" dirty="0"/>
+          </a:p>
+        </p:txBody>
+      </p:sp>
+      <p:sp>
+        <p:nvSpPr>
+          <p:cNvPr id="3" name="Dia számának helye 2"/>
+          <p:cNvSpPr>
+            <a:spLocks noGrp="1"/>
+          </p:cNvSpPr>
+          <p:nvPr>
+            <p:ph type="sldNum" sz="quarter" idx="12"/>
+          </p:nvPr>
+        </p:nvSpPr>
+        <p:spPr/>
+        <p:txBody>
+          <a:bodyPr/>
+          <a:lstStyle/>
+          <a:p>
+            <a:fld id="{BF501CA5-1824-45DC-9B86-97C0B54F8DA5}" type="slidenum">
+              <a:rPr lang="hu-HU" smtClean="0"/>
+              <a:pPr/>
+              <a:t>15</a:t>
+            </a:fld>
+            <a:endParaRPr lang="hu-HU"/>
+          </a:p>
+        </p:txBody>
+      </p:sp>
+      <p:sp>
+        <p:nvSpPr>
+          <p:cNvPr id="5" name="Szövegdoboz 4"/>
+          <p:cNvSpPr txBox="1"/>
+          <p:nvPr/>
+        </p:nvSpPr>
+        <p:spPr>
+          <a:xfrm>
+            <a:off x="971600" y="1341929"/>
+            <a:ext cx="1008112" cy="430887"/>
+          </a:xfrm>
+          <a:prstGeom prst="rect">
+            <a:avLst/>
+          </a:prstGeom>
+          <a:noFill/>
+        </p:spPr>
+        <p:txBody>
+          <a:bodyPr wrap="square" rtlCol="0">
+            <a:spAutoFit/>
+          </a:bodyPr>
+          <a:lstStyle/>
+          <a:p>
+            <a:r>
+              <a:rPr lang="hu-HU" sz="1100" dirty="0" smtClean="0"/>
+              <a:t>Feladatok száma</a:t>
+            </a:r>
+            <a:endParaRPr lang="hu-HU" sz="1200" dirty="0"/>
+          </a:p>
+        </p:txBody>
+      </p:sp>
+      <p:graphicFrame>
+        <p:nvGraphicFramePr>
+          <p:cNvPr id="8" name="Diagram 7"/>
+          <p:cNvGraphicFramePr/>
+          <p:nvPr/>
+        </p:nvGraphicFramePr>
+        <p:xfrm>
+          <a:off x="1547664" y="1484784"/>
+          <a:ext cx="7056784" cy="4896544"/>
+        </p:xfrm>
+        <a:graphic>
+          <a:graphicData uri="http://schemas.openxmlformats.org/drawingml/2006/chart">
+            <c:chart xmlns:c="http://schemas.openxmlformats.org/drawingml/2006/chart" xmlns:r="http://schemas.openxmlformats.org/officeDocument/2006/relationships" r:id="rId2"/>
+          </a:graphicData>
+        </a:graphic>
+      </p:graphicFrame>
+    </p:spTree>
+  </p:cSld>
+  <p:clrMapOvr>
+    <a:masterClrMapping/>
+  </p:clrMapOvr>
+  <p:timing>
+    <p:tnLst>
+      <p:par>
+        <p:cTn id="1" dur="indefinite" restart="never" nodeType="tmRoot"/>
+      </p:par>
+    </p:tnLst>
+  </p:timing>
+</p:sld>
+</file>
+
+<file path=ppt/slides/slide16.xml><?xml version="1.0" encoding="utf-8"?>
+<p:sld xmlns:a="http://schemas.openxmlformats.org/drawingml/2006/main" xmlns:r="http://schemas.openxmlformats.org/officeDocument/2006/relationships" xmlns:p="http://schemas.openxmlformats.org/presentationml/2006/main">
+  <p:cSld>
+    <p:spTree>
+      <p:nvGrpSpPr>
+        <p:cNvPr id="1" name=""/>
+        <p:cNvGrpSpPr/>
+        <p:nvPr/>
+      </p:nvGrpSpPr>
+      <p:grpSpPr>
+        <a:xfrm>
+          <a:off x="0" y="0"/>
+          <a:ext cx="0" cy="0"/>
+          <a:chOff x="0" y="0"/>
+          <a:chExt cx="0" cy="0"/>
+        </a:xfrm>
+      </p:grpSpPr>
+      <p:sp>
+        <p:nvSpPr>
+          <p:cNvPr id="2" name="Cím 1"/>
+          <p:cNvSpPr>
+            <a:spLocks noGrp="1"/>
+          </p:cNvSpPr>
+          <p:nvPr>
+            <p:ph type="title"/>
+          </p:nvPr>
+        </p:nvSpPr>
+        <p:spPr/>
+        <p:txBody>
+          <a:bodyPr/>
+          <a:lstStyle/>
+          <a:p>
+            <a:r>
+              <a:rPr lang="hu-HU" dirty="0" smtClean="0"/>
+              <a:t>Összefoglalás</a:t>
+            </a:r>
+            <a:endParaRPr lang="hu-HU" dirty="0"/>
+          </a:p>
+        </p:txBody>
+      </p:sp>
+      <p:sp>
+        <p:nvSpPr>
+          <p:cNvPr id="3" name="Tartalom helye 2"/>
+          <p:cNvSpPr>
+            <a:spLocks noGrp="1"/>
+          </p:cNvSpPr>
+          <p:nvPr>
+            <p:ph idx="1"/>
+          </p:nvPr>
+        </p:nvSpPr>
+        <p:spPr/>
+        <p:txBody>
+          <a:bodyPr>
+            <a:normAutofit/>
+          </a:bodyPr>
+          <a:lstStyle/>
+          <a:p>
+            <a:pPr>
+              <a:buNone/>
+            </a:pPr>
+            <a:endParaRPr lang="hu-HU" i="1" dirty="0" smtClean="0"/>
+          </a:p>
+          <a:p>
+            <a:pPr>
+              <a:buNone/>
+            </a:pPr>
+            <a:r>
+              <a:rPr lang="hu-HU" dirty="0" smtClean="0"/>
+              <a:t>Összefoglalás</a:t>
+            </a:r>
+          </a:p>
+          <a:p>
+            <a:r>
+              <a:rPr lang="hu-HU" dirty="0" smtClean="0"/>
+              <a:t>Gyártásütemezés időzített automatával, késztermék tárolási költségének minimalizálása</a:t>
+            </a:r>
+          </a:p>
+          <a:p>
+            <a:r>
+              <a:rPr lang="hu-HU" dirty="0" smtClean="0"/>
+              <a:t>Több elkészített modell</a:t>
+            </a:r>
+          </a:p>
+          <a:p>
+            <a:r>
+              <a:rPr lang="hu-HU" dirty="0" smtClean="0"/>
+              <a:t>Leggyorsabb modell: </a:t>
+            </a:r>
+            <a:r>
+              <a:rPr lang="hu-HU" dirty="0" err="1" smtClean="0"/>
+              <a:t>Modell</a:t>
+            </a:r>
+            <a:r>
+              <a:rPr lang="hu-HU" dirty="0" smtClean="0"/>
+              <a:t> 5</a:t>
+            </a:r>
+          </a:p>
+          <a:p>
+            <a:pPr>
+              <a:buNone/>
+            </a:pPr>
+            <a:endParaRPr lang="hu-HU" i="1" dirty="0" smtClean="0"/>
+          </a:p>
+          <a:p>
+            <a:pPr>
+              <a:buNone/>
+            </a:pPr>
+            <a:endParaRPr lang="hu-HU" i="1" dirty="0" smtClean="0"/>
+          </a:p>
+        </p:txBody>
+      </p:sp>
+      <p:sp>
+        <p:nvSpPr>
+          <p:cNvPr id="4" name="Dia számának helye 3"/>
+          <p:cNvSpPr>
+            <a:spLocks noGrp="1"/>
+          </p:cNvSpPr>
+          <p:nvPr>
+            <p:ph type="sldNum" sz="quarter" idx="12"/>
+          </p:nvPr>
+        </p:nvSpPr>
+        <p:spPr/>
+        <p:txBody>
+          <a:bodyPr/>
+          <a:lstStyle/>
+          <a:p>
+            <a:fld id="{BF501CA5-1824-45DC-9B86-97C0B54F8DA5}" type="slidenum">
+              <a:rPr lang="hu-HU" smtClean="0"/>
+              <a:pPr/>
+              <a:t>16</a:t>
+            </a:fld>
+            <a:endParaRPr lang="hu-HU"/>
+          </a:p>
+        </p:txBody>
+      </p:sp>
+    </p:spTree>
+  </p:cSld>
+  <p:clrMapOvr>
+    <a:masterClrMapping/>
+  </p:clrMapOvr>
+  <p:timing>
+    <p:tnLst>
+      <p:par>
+        <p:cTn id="1" dur="indefinite" restart="never" nodeType="tmRoot"/>
+      </p:par>
+    </p:tnLst>
+  </p:timing>
+</p:sld>
+</file>
+
+<file path=ppt/slides/slide17.xml><?xml version="1.0" encoding="utf-8"?>
+<p:sld xmlns:a="http://schemas.openxmlformats.org/drawingml/2006/main" xmlns:r="http://schemas.openxmlformats.org/officeDocument/2006/relationships" xmlns:p="http://schemas.openxmlformats.org/presentationml/2006/main">
+  <p:cSld>
+    <p:spTree>
+      <p:nvGrpSpPr>
+        <p:cNvPr id="1" name=""/>
+        <p:cNvGrpSpPr/>
+        <p:nvPr/>
+      </p:nvGrpSpPr>
+      <p:grpSpPr>
+        <a:xfrm>
+          <a:off x="0" y="0"/>
+          <a:ext cx="0" cy="0"/>
+          <a:chOff x="0" y="0"/>
+          <a:chExt cx="0" cy="0"/>
+        </a:xfrm>
+      </p:grpSpPr>
+      <p:sp>
+        <p:nvSpPr>
+          <p:cNvPr id="2" name="Cím 1"/>
+          <p:cNvSpPr>
+            <a:spLocks noGrp="1"/>
+          </p:cNvSpPr>
+          <p:nvPr>
+            <p:ph type="title"/>
+          </p:nvPr>
+        </p:nvSpPr>
         <p:spPr>
           <a:xfrm>
             <a:off x="1403648" y="2060848"/>
@@ -7373,7 +7833,7 @@
             <a:fld id="{BF501CA5-1824-45DC-9B86-97C0B54F8DA5}" type="slidenum">
               <a:rPr lang="hu-HU" smtClean="0"/>
               <a:pPr/>
-              <a:t>15</a:t>
+              <a:t>17</a:t>
             </a:fld>
             <a:endParaRPr lang="hu-HU"/>
           </a:p>
@@ -7477,8 +7937,23 @@
           <a:p>
             <a:r>
               <a:rPr lang="hu-HU" dirty="0" smtClean="0"/>
-              <a:t>A kidolgozott modell</a:t>
-            </a:r>
+              <a:t>A kidolgozott </a:t>
+            </a:r>
+            <a:r>
+              <a:rPr lang="hu-HU" dirty="0" smtClean="0"/>
+              <a:t>modellek</a:t>
+            </a:r>
+          </a:p>
+          <a:p>
+            <a:r>
+              <a:rPr lang="hu-HU" dirty="0" err="1" smtClean="0"/>
+              <a:t>Remaining</a:t>
+            </a:r>
+            <a:r>
+              <a:rPr lang="hu-HU" dirty="0" smtClean="0"/>
+              <a:t> függvény</a:t>
+            </a:r>
+            <a:endParaRPr lang="hu-HU" dirty="0" smtClean="0"/>
           </a:p>
           <a:p>
             <a:r>
@@ -7590,15 +8065,12 @@
           </a:bodyPr>
           <a:lstStyle/>
           <a:p>
-            <a:pPr lvl="1">
+            <a:pPr>
               <a:buNone/>
             </a:pPr>
             <a:endParaRPr lang="hu-HU" dirty="0" smtClean="0"/>
           </a:p>
           <a:p>
-            <a:endParaRPr lang="hu-HU" dirty="0" smtClean="0"/>
-          </a:p>
-          <a:p>
             <a:r>
               <a:rPr lang="hu-HU" dirty="0" smtClean="0"/>
               <a:t>Ütemezési feladatok általában</a:t>
@@ -7608,6 +8080,20 @@
             <a:pPr lvl="1"/>
             <a:r>
               <a:rPr lang="hu-HU" dirty="0" smtClean="0"/>
+              <a:t>Általános</a:t>
+            </a:r>
+          </a:p>
+          <a:p>
+            <a:pPr lvl="2"/>
+            <a:r>
+              <a:rPr lang="hu-HU" dirty="0" smtClean="0"/>
+              <a:t>Erőforrások, feladatok</a:t>
+            </a:r>
+          </a:p>
+          <a:p>
+            <a:pPr lvl="1"/>
+            <a:r>
+              <a:rPr lang="hu-HU" dirty="0" smtClean="0"/>
               <a:t>Gyártási feladatok</a:t>
             </a:r>
           </a:p>
@@ -7615,14 +8101,14 @@
             <a:pPr lvl="2"/>
             <a:r>
               <a:rPr lang="hu-HU" dirty="0" smtClean="0"/>
-              <a:t>Berendezések és munkák</a:t>
+              <a:t>Munkák egy berendezéshez</a:t>
             </a:r>
           </a:p>
           <a:p>
             <a:pPr lvl="2"/>
             <a:r>
               <a:rPr lang="hu-HU" dirty="0" smtClean="0"/>
-              <a:t>Feladatok, melyeket a munkákon kell elvégezni a berendezések segítségével</a:t>
+              <a:t>Munkák gyártási lépésekkel, amelyeket a gépeken kell elvégezni</a:t>
             </a:r>
           </a:p>
           <a:p>
@@ -8110,7 +8596,7 @@
             </a:pPr>
             <a:r>
               <a:rPr lang="hu-HU" dirty="0" smtClean="0"/>
-              <a:t>Megadása:</a:t>
+              <a:t>Formális definíció:</a:t>
             </a:r>
           </a:p>
           <a:p>
@@ -8303,13 +8789,13 @@
               <a:pPr/>
               <a:t>6</a:t>
             </a:fld>
-            <a:endParaRPr lang="hu-HU"/>
+            <a:endParaRPr lang="hu-HU" dirty="0"/>
           </a:p>
         </p:txBody>
       </p:sp>
       <p:pic>
         <p:nvPicPr>
-          <p:cNvPr id="5" name="Kép 4" descr="pélsa.png"/>
+          <p:cNvPr id="6" name="Kép 5" descr="pélsa.png"/>
           <p:cNvPicPr>
             <a:picLocks noChangeAspect="1"/>
           </p:cNvPicPr>
@@ -8323,8 +8809,8 @@
         </p:blipFill>
         <p:spPr>
           <a:xfrm>
-            <a:off x="5543600" y="2276872"/>
-            <a:ext cx="3600400" cy="2206696"/>
+            <a:off x="5854371" y="1916832"/>
+            <a:ext cx="3289629" cy="2016224"/>
           </a:xfrm>
           <a:prstGeom prst="rect">
             <a:avLst/>
@@ -8466,7 +8952,7 @@
         <p:spPr>
           <a:xfrm>
             <a:off x="1475656" y="5603756"/>
-            <a:ext cx="7344816" cy="2554545"/>
+            <a:ext cx="7344816" cy="1077218"/>
           </a:xfrm>
           <a:prstGeom prst="rect">
             <a:avLst/>
@@ -8485,16 +8971,6 @@
               <a:t>Feladat:  Késztermék tárolási költségének minimalizálása</a:t>
             </a:r>
           </a:p>
-          <a:p>
-            <a:pPr algn="ctr"/>
-            <a:endParaRPr lang="hu-HU" sz="3200" dirty="0" smtClean="0"/>
-          </a:p>
-          <a:p>
-            <a:endParaRPr lang="hu-HU" sz="3200" dirty="0" smtClean="0"/>
-          </a:p>
-          <a:p>
-            <a:endParaRPr lang="hu-HU" sz="3200" dirty="0" smtClean="0"/>
-          </a:p>
         </p:txBody>
       </p:sp>
       <p:sp>
@@ -8506,7 +8982,7 @@
         <p:spPr>
           <a:xfrm>
             <a:off x="1331640" y="1340768"/>
-            <a:ext cx="2736304" cy="369332"/>
+            <a:ext cx="5328592" cy="369332"/>
           </a:xfrm>
           <a:prstGeom prst="rect">
             <a:avLst/>
@@ -8525,7 +9001,7 @@
             </a:r>
             <a:r>
               <a:rPr lang="hu-HU" dirty="0" smtClean="0"/>
-              <a:t> és társai (2009)</a:t>
+              <a:t> és társai (2009) – munkaidők,  átállási idők</a:t>
             </a:r>
             <a:endParaRPr lang="hu-HU" dirty="0"/>
           </a:p>
@@ -8766,7 +9242,7 @@
             </a:pPr>
             <a:r>
               <a:rPr lang="hu-HU" dirty="0" smtClean="0"/>
-              <a:t>Gép:</a:t>
+              <a:t>Gép (x4):</a:t>
             </a:r>
             <a:endParaRPr lang="hu-HU" dirty="0"/>
           </a:p>
